--- a/paper/pvldb2016/figs/model.pptx
+++ b/paper/pvldb2016/figs/model.pptx
@@ -123,7 +123,7 @@
   </p:defaultTextStyle>
   <p:extLst>
     <p:ext uri="{EFAFB233-063F-42B5-8137-9DF3F51BA10A}">
-      <p15:sldGuideLst xmlns:p15="http://schemas.microsoft.com/office/powerpoint/2012/main" xmlns=""/>
+      <p15:sldGuideLst xmlns="" xmlns:p15="http://schemas.microsoft.com/office/powerpoint/2012/main"/>
     </p:ext>
   </p:extLst>
 </p:presentation>
@@ -211,7 +211,7 @@
           <a:p>
             <a:fld id="{E7D59436-7EB8-904B-8F6C-AF150029F557}" type="datetimeFigureOut">
               <a:rPr lang="en-US" smtClean="0"/>
-              <a:t>6/11/16</a:t>
+              <a:t>6/12/16</a:t>
             </a:fld>
             <a:endParaRPr lang="en-US"/>
           </a:p>
@@ -733,7 +733,7 @@
             <a:fld id="{87DE6118-2437-4B30-8E3C-4D2BE6020583}" type="datetimeFigureOut">
               <a:rPr lang="en-US" dirty="0"/>
               <a:pPr/>
-              <a:t>6/11/16</a:t>
+              <a:t>6/12/16</a:t>
             </a:fld>
             <a:endParaRPr lang="en-US" dirty="0"/>
           </a:p>
@@ -1059,7 +1059,7 @@
           <a:p>
             <a:fld id="{87DE6118-2437-4B30-8E3C-4D2BE6020583}" type="datetimeFigureOut">
               <a:rPr lang="en-US" dirty="0"/>
-              <a:t>6/11/16</a:t>
+              <a:t>6/12/16</a:t>
             </a:fld>
             <a:endParaRPr lang="en-US" dirty="0"/>
           </a:p>
@@ -1234,7 +1234,7 @@
           <a:p>
             <a:fld id="{87DE6118-2437-4B30-8E3C-4D2BE6020583}" type="datetimeFigureOut">
               <a:rPr lang="en-US" dirty="0"/>
-              <a:t>6/11/16</a:t>
+              <a:t>6/12/16</a:t>
             </a:fld>
             <a:endParaRPr lang="en-US" dirty="0"/>
           </a:p>
@@ -1399,7 +1399,7 @@
           <a:p>
             <a:fld id="{87DE6118-2437-4B30-8E3C-4D2BE6020583}" type="datetimeFigureOut">
               <a:rPr lang="en-US" dirty="0"/>
-              <a:t>6/11/16</a:t>
+              <a:t>6/12/16</a:t>
             </a:fld>
             <a:endParaRPr lang="en-US" dirty="0"/>
           </a:p>
@@ -1672,7 +1672,7 @@
             <a:fld id="{87DE6118-2437-4B30-8E3C-4D2BE6020583}" type="datetimeFigureOut">
               <a:rPr lang="en-US" dirty="0"/>
               <a:pPr/>
-              <a:t>6/11/16</a:t>
+              <a:t>6/12/16</a:t>
             </a:fld>
             <a:endParaRPr lang="en-US" dirty="0"/>
           </a:p>
@@ -2062,7 +2062,7 @@
           <a:p>
             <a:fld id="{87DE6118-2437-4B30-8E3C-4D2BE6020583}" type="datetimeFigureOut">
               <a:rPr lang="en-US" dirty="0"/>
-              <a:t>6/11/16</a:t>
+              <a:t>6/12/16</a:t>
             </a:fld>
             <a:endParaRPr lang="en-US" dirty="0"/>
           </a:p>
@@ -2534,7 +2534,7 @@
           <a:p>
             <a:fld id="{87DE6118-2437-4B30-8E3C-4D2BE6020583}" type="datetimeFigureOut">
               <a:rPr lang="en-US" dirty="0"/>
-              <a:t>6/11/16</a:t>
+              <a:t>6/12/16</a:t>
             </a:fld>
             <a:endParaRPr lang="en-US" dirty="0"/>
           </a:p>
@@ -2647,7 +2647,7 @@
           <a:p>
             <a:fld id="{87DE6118-2437-4B30-8E3C-4D2BE6020583}" type="datetimeFigureOut">
               <a:rPr lang="en-US" dirty="0"/>
-              <a:t>6/11/16</a:t>
+              <a:t>6/12/16</a:t>
             </a:fld>
             <a:endParaRPr lang="en-US" dirty="0"/>
           </a:p>
@@ -2737,7 +2737,7 @@
           <a:p>
             <a:fld id="{87DE6118-2437-4B30-8E3C-4D2BE6020583}" type="datetimeFigureOut">
               <a:rPr lang="en-US" dirty="0"/>
-              <a:t>6/11/16</a:t>
+              <a:t>6/12/16</a:t>
             </a:fld>
             <a:endParaRPr lang="en-US" dirty="0"/>
           </a:p>
@@ -3079,7 +3079,7 @@
             <a:fld id="{87DE6118-2437-4B30-8E3C-4D2BE6020583}" type="datetimeFigureOut">
               <a:rPr lang="en-US" dirty="0"/>
               <a:pPr/>
-              <a:t>6/11/16</a:t>
+              <a:t>6/12/16</a:t>
             </a:fld>
             <a:endParaRPr lang="en-US" dirty="0"/>
           </a:p>
@@ -3464,7 +3464,7 @@
             <a:fld id="{87DE6118-2437-4B30-8E3C-4D2BE6020583}" type="datetimeFigureOut">
               <a:rPr lang="en-US" dirty="0"/>
               <a:pPr/>
-              <a:t>6/11/16</a:t>
+              <a:t>6/12/16</a:t>
             </a:fld>
             <a:endParaRPr lang="en-US" dirty="0"/>
           </a:p>
@@ -3739,7 +3739,7 @@
             <a:fld id="{87DE6118-2437-4B30-8E3C-4D2BE6020583}" type="datetimeFigureOut">
               <a:rPr lang="en-US" dirty="0"/>
               <a:pPr/>
-              <a:t>6/11/16</a:t>
+              <a:t>6/12/16</a:t>
             </a:fld>
             <a:endParaRPr lang="en-US" dirty="0"/>
           </a:p>
@@ -4183,7 +4183,7 @@
   </p:txStyles>
   <p:extLst mod="1">
     <p:ext uri="{27BBF7A9-308A-43DC-89C8-2F10F3537804}">
-      <p15:sldGuideLst xmlns:p15="http://schemas.microsoft.com/office/powerpoint/2012/main" xmlns="">
+      <p15:sldGuideLst xmlns="" xmlns:p15="http://schemas.microsoft.com/office/powerpoint/2012/main">
         <p15:guide id="3" orient="horz" pos="1368">
           <p15:clr>
             <a:srgbClr val="F26B43"/>
@@ -20024,7 +20024,7 @@
         <p:grpSpPr>
           <a:xfrm>
             <a:off x="1047077" y="301752"/>
-            <a:ext cx="4700580" cy="3447089"/>
+            <a:ext cx="4700580" cy="3814783"/>
             <a:chOff x="1047077" y="2934"/>
             <a:chExt cx="4700580" cy="3447089"/>
           </a:xfrm>
@@ -20680,10 +20680,10 @@
             <a:p>
               <a:pPr algn="ctr"/>
               <a:r>
-                <a:rPr lang="en-US" sz="1400" dirty="0" smtClean="0"/>
+                <a:rPr lang="en-US" sz="1600" dirty="0" smtClean="0"/>
                 <a:t>Alice, Drexel</a:t>
               </a:r>
-              <a:endParaRPr lang="en-US" sz="1400" dirty="0"/>
+              <a:endParaRPr lang="en-US" sz="1600" dirty="0"/>
             </a:p>
           </p:txBody>
         </p:sp>
@@ -20724,14 +20724,14 @@
             <a:p>
               <a:pPr algn="ctr"/>
               <a:r>
-                <a:rPr lang="en-US" sz="1400" dirty="0" smtClean="0"/>
+                <a:rPr lang="en-US" sz="1600" dirty="0" smtClean="0"/>
                 <a:t>Bob, </a:t>
               </a:r>
               <a:r>
-                <a:rPr lang="en-US" sz="1400" dirty="0" err="1" smtClean="0"/>
+                <a:rPr lang="en-US" sz="1600" dirty="0" err="1" smtClean="0"/>
                 <a:t>UPenn</a:t>
               </a:r>
-              <a:endParaRPr lang="en-US" sz="1400" dirty="0"/>
+              <a:endParaRPr lang="en-US" sz="1600" dirty="0"/>
             </a:p>
           </p:txBody>
         </p:sp>
@@ -20772,10 +20772,10 @@
             <a:p>
               <a:pPr algn="ctr"/>
               <a:r>
-                <a:rPr lang="en-US" sz="1400" dirty="0" smtClean="0"/>
+                <a:rPr lang="en-US" sz="1600" dirty="0" smtClean="0"/>
                 <a:t>Cathy, Drexel</a:t>
               </a:r>
-              <a:endParaRPr lang="en-US" sz="1400" dirty="0"/>
+              <a:endParaRPr lang="en-US" sz="1600" dirty="0"/>
             </a:p>
           </p:txBody>
         </p:sp>
@@ -20816,14 +20816,10 @@
             <a:p>
               <a:pPr algn="ctr"/>
               <a:r>
-                <a:rPr lang="en-US" sz="1400" dirty="0" smtClean="0"/>
-                <a:t>Bob, </a:t>
+                <a:rPr lang="en-US" sz="1600" dirty="0" smtClean="0"/>
+                <a:t>Bob, CMU</a:t>
               </a:r>
-              <a:r>
-                <a:rPr lang="en-US" sz="1400" dirty="0" smtClean="0"/>
-                <a:t>CMU</a:t>
-              </a:r>
-              <a:endParaRPr lang="en-US" sz="1400" dirty="0"/>
+              <a:endParaRPr lang="en-US" sz="1600" dirty="0"/>
             </a:p>
           </p:txBody>
         </p:sp>
@@ -20864,10 +20860,10 @@
             <a:p>
               <a:pPr algn="ctr"/>
               <a:r>
-                <a:rPr lang="en-US" sz="1400" dirty="0" smtClean="0"/>
+                <a:rPr lang="en-US" sz="1600" dirty="0" smtClean="0"/>
                 <a:t>3</a:t>
               </a:r>
-              <a:endParaRPr lang="en-US" sz="1400" dirty="0"/>
+              <a:endParaRPr lang="en-US" sz="1600" dirty="0"/>
             </a:p>
           </p:txBody>
         </p:sp>
@@ -20908,10 +20904,10 @@
             <a:p>
               <a:pPr algn="ctr"/>
               <a:r>
-                <a:rPr lang="en-US" sz="1400" dirty="0" smtClean="0"/>
+                <a:rPr lang="en-US" sz="1600" dirty="0" smtClean="0"/>
                 <a:t>4</a:t>
               </a:r>
-              <a:endParaRPr lang="en-US" sz="1400" dirty="0"/>
+              <a:endParaRPr lang="en-US" sz="1600" dirty="0"/>
             </a:p>
           </p:txBody>
         </p:sp>
@@ -21141,6 +21137,1384 @@
               <a:t>JULIA’S VERSION</a:t>
             </a:r>
             <a:endParaRPr lang="en-US" dirty="0"/>
+          </a:p>
+        </p:txBody>
+      </p:sp>
+      <p:graphicFrame>
+        <p:nvGraphicFramePr>
+          <p:cNvPr id="33" name="Table 32"/>
+          <p:cNvGraphicFramePr>
+            <a:graphicFrameLocks noGrp="1"/>
+          </p:cNvGraphicFramePr>
+          <p:nvPr>
+            <p:extLst>
+              <p:ext uri="{D42A27DB-BD31-4B8C-83A1-F6EECF244321}">
+                <p14:modId xmlns:p14="http://schemas.microsoft.com/office/powerpoint/2010/main" val="1901115460"/>
+              </p:ext>
+            </p:extLst>
+          </p:nvPr>
+        </p:nvGraphicFramePr>
+        <p:xfrm>
+          <a:off x="6095478" y="745744"/>
+          <a:ext cx="2810397" cy="1840905"/>
+        </p:xfrm>
+        <a:graphic>
+          <a:graphicData uri="http://schemas.openxmlformats.org/drawingml/2006/table">
+            <a:tbl>
+              <a:tblPr firstRow="1" bandRow="1">
+                <a:tableStyleId>{793D81CF-94F2-401A-BA57-92F5A7B2D0C5}</a:tableStyleId>
+              </a:tblPr>
+              <a:tblGrid>
+                <a:gridCol w="458831"/>
+                <a:gridCol w="751024"/>
+                <a:gridCol w="775647"/>
+                <a:gridCol w="824895"/>
+              </a:tblGrid>
+              <a:tr h="368181">
+                <a:tc>
+                  <a:txBody>
+                    <a:bodyPr/>
+                    <a:lstStyle/>
+                    <a:p>
+                      <a:pPr algn="ctr"/>
+                      <a:r>
+                        <a:rPr lang="en-US" sz="1600" b="0" u="none" dirty="0" smtClean="0"/>
+                        <a:t>v</a:t>
+                      </a:r>
+                      <a:endParaRPr lang="en-US" sz="1600" b="0" u="none" dirty="0"/>
+                    </a:p>
+                  </a:txBody>
+                  <a:tcPr/>
+                </a:tc>
+                <a:tc>
+                  <a:txBody>
+                    <a:bodyPr/>
+                    <a:lstStyle/>
+                    <a:p>
+                      <a:pPr algn="ctr"/>
+                      <a:r>
+                        <a:rPr lang="en-US" sz="1600" b="0" u="none" dirty="0" smtClean="0"/>
+                        <a:t>p</a:t>
+                      </a:r>
+                      <a:endParaRPr lang="en-US" sz="1600" b="0" u="none" dirty="0"/>
+                    </a:p>
+                  </a:txBody>
+                  <a:tcPr/>
+                </a:tc>
+                <a:tc>
+                  <a:txBody>
+                    <a:bodyPr/>
+                    <a:lstStyle/>
+                    <a:p>
+                      <a:pPr algn="ctr"/>
+                      <a:r>
+                        <a:rPr lang="en-US" sz="1600" b="0" dirty="0" smtClean="0"/>
+                        <a:t>name</a:t>
+                      </a:r>
+                      <a:endParaRPr lang="en-US" sz="1600" b="0" dirty="0"/>
+                    </a:p>
+                  </a:txBody>
+                  <a:tcPr/>
+                </a:tc>
+                <a:tc>
+                  <a:txBody>
+                    <a:bodyPr/>
+                    <a:lstStyle/>
+                    <a:p>
+                      <a:pPr algn="ctr"/>
+                      <a:r>
+                        <a:rPr lang="en-US" sz="1600" b="0" dirty="0" smtClean="0"/>
+                        <a:t>school</a:t>
+                      </a:r>
+                      <a:endParaRPr lang="en-US" sz="1600" b="0" dirty="0"/>
+                    </a:p>
+                  </a:txBody>
+                  <a:tcPr/>
+                </a:tc>
+              </a:tr>
+              <a:tr h="368181">
+                <a:tc>
+                  <a:txBody>
+                    <a:bodyPr/>
+                    <a:lstStyle/>
+                    <a:p>
+                      <a:r>
+                        <a:rPr lang="en-US" sz="1800" dirty="0" smtClean="0"/>
+                        <a:t>v</a:t>
+                      </a:r>
+                      <a:r>
+                        <a:rPr lang="en-US" sz="1800" baseline="-25000" dirty="0" smtClean="0"/>
+                        <a:t>1</a:t>
+                      </a:r>
+                      <a:endParaRPr lang="en-US" sz="1800" baseline="-25000" dirty="0"/>
+                    </a:p>
+                  </a:txBody>
+                  <a:tcPr>
+                    <a:lnR w="12700" cap="flat" cmpd="sng" algn="ctr">
+                      <a:solidFill>
+                        <a:scrgbClr r="0" g="0" b="0"/>
+                      </a:solidFill>
+                      <a:prstDash val="solid"/>
+                      <a:round/>
+                      <a:headEnd type="none" w="med" len="med"/>
+                      <a:tailEnd type="none" w="med" len="med"/>
+                    </a:lnR>
+                    <a:solidFill>
+                      <a:schemeClr val="bg1"/>
+                    </a:solidFill>
+                  </a:tcPr>
+                </a:tc>
+                <a:tc>
+                  <a:txBody>
+                    <a:bodyPr/>
+                    <a:lstStyle/>
+                    <a:p>
+                      <a:r>
+                        <a:rPr lang="en-US" sz="1800" dirty="0" smtClean="0"/>
+                        <a:t>[t</a:t>
+                      </a:r>
+                      <a:r>
+                        <a:rPr lang="en-US" sz="1800" baseline="-25000" dirty="0" smtClean="0"/>
+                        <a:t>0</a:t>
+                      </a:r>
+                      <a:r>
+                        <a:rPr lang="en-US" sz="1800" dirty="0" smtClean="0"/>
+                        <a:t>, t</a:t>
+                      </a:r>
+                      <a:r>
+                        <a:rPr lang="en-US" sz="1800" baseline="-25000" dirty="0" smtClean="0"/>
+                        <a:t>2</a:t>
+                      </a:r>
+                      <a:r>
+                        <a:rPr lang="en-US" sz="1800" dirty="0" smtClean="0"/>
+                        <a:t>)</a:t>
+                      </a:r>
+                      <a:endParaRPr lang="en-US" sz="1800" dirty="0"/>
+                    </a:p>
+                  </a:txBody>
+                  <a:tcPr>
+                    <a:lnL w="12700" cap="flat" cmpd="sng" algn="ctr">
+                      <a:solidFill>
+                        <a:scrgbClr r="0" g="0" b="0"/>
+                      </a:solidFill>
+                      <a:prstDash val="solid"/>
+                      <a:round/>
+                      <a:headEnd type="none" w="med" len="med"/>
+                      <a:tailEnd type="none" w="med" len="med"/>
+                    </a:lnL>
+                    <a:lnR w="38100" cap="flat" cmpd="sng" algn="ctr">
+                      <a:solidFill>
+                        <a:scrgbClr r="0" g="0" b="0"/>
+                      </a:solidFill>
+                      <a:prstDash val="solid"/>
+                      <a:round/>
+                      <a:headEnd type="none" w="med" len="med"/>
+                      <a:tailEnd type="none" w="med" len="med"/>
+                    </a:lnR>
+                    <a:solidFill>
+                      <a:schemeClr val="bg1"/>
+                    </a:solidFill>
+                  </a:tcPr>
+                </a:tc>
+                <a:tc>
+                  <a:txBody>
+                    <a:bodyPr/>
+                    <a:lstStyle/>
+                    <a:p>
+                      <a:pPr algn="ctr"/>
+                      <a:r>
+                        <a:rPr lang="en-US" sz="1600" dirty="0" smtClean="0"/>
+                        <a:t>Alice</a:t>
+                      </a:r>
+                      <a:endParaRPr lang="en-US" sz="1600" dirty="0"/>
+                    </a:p>
+                  </a:txBody>
+                  <a:tcPr>
+                    <a:lnL w="38100" cap="flat" cmpd="sng" algn="ctr">
+                      <a:solidFill>
+                        <a:scrgbClr r="0" g="0" b="0"/>
+                      </a:solidFill>
+                      <a:prstDash val="solid"/>
+                      <a:round/>
+                      <a:headEnd type="none" w="med" len="med"/>
+                      <a:tailEnd type="none" w="med" len="med"/>
+                    </a:lnL>
+                    <a:lnR w="12700" cap="flat" cmpd="sng" algn="ctr">
+                      <a:solidFill>
+                        <a:scrgbClr r="0" g="0" b="0"/>
+                      </a:solidFill>
+                      <a:prstDash val="solid"/>
+                      <a:round/>
+                      <a:headEnd type="none" w="med" len="med"/>
+                      <a:tailEnd type="none" w="med" len="med"/>
+                    </a:lnR>
+                    <a:solidFill>
+                      <a:schemeClr val="bg1"/>
+                    </a:solidFill>
+                  </a:tcPr>
+                </a:tc>
+                <a:tc>
+                  <a:txBody>
+                    <a:bodyPr/>
+                    <a:lstStyle/>
+                    <a:p>
+                      <a:pPr algn="ctr"/>
+                      <a:r>
+                        <a:rPr lang="en-US" sz="1600" dirty="0" smtClean="0"/>
+                        <a:t>Drexel</a:t>
+                      </a:r>
+                      <a:endParaRPr lang="en-US" sz="1600" dirty="0"/>
+                    </a:p>
+                  </a:txBody>
+                  <a:tcPr>
+                    <a:lnL w="12700" cap="flat" cmpd="sng" algn="ctr">
+                      <a:solidFill>
+                        <a:scrgbClr r="0" g="0" b="0"/>
+                      </a:solidFill>
+                      <a:prstDash val="solid"/>
+                      <a:round/>
+                      <a:headEnd type="none" w="med" len="med"/>
+                      <a:tailEnd type="none" w="med" len="med"/>
+                    </a:lnL>
+                    <a:solidFill>
+                      <a:schemeClr val="bg1"/>
+                    </a:solidFill>
+                  </a:tcPr>
+                </a:tc>
+              </a:tr>
+              <a:tr h="368181">
+                <a:tc>
+                  <a:txBody>
+                    <a:bodyPr/>
+                    <a:lstStyle/>
+                    <a:p>
+                      <a:pPr marL="0" marR="0" indent="0" algn="l" defTabSz="914400" rtl="0" eaLnBrk="1" fontAlgn="auto" latinLnBrk="0" hangingPunct="1">
+                        <a:lnSpc>
+                          <a:spcPct val="100000"/>
+                        </a:lnSpc>
+                        <a:spcBef>
+                          <a:spcPts val="0"/>
+                        </a:spcBef>
+                        <a:spcAft>
+                          <a:spcPts val="0"/>
+                        </a:spcAft>
+                        <a:buClrTx/>
+                        <a:buSzTx/>
+                        <a:buFontTx/>
+                        <a:buNone/>
+                        <a:tabLst/>
+                        <a:defRPr/>
+                      </a:pPr>
+                      <a:r>
+                        <a:rPr lang="en-US" sz="1800" dirty="0" smtClean="0"/>
+                        <a:t>v</a:t>
+                      </a:r>
+                      <a:r>
+                        <a:rPr lang="en-US" sz="1800" baseline="-25000" dirty="0" smtClean="0"/>
+                        <a:t>2</a:t>
+                      </a:r>
+                    </a:p>
+                  </a:txBody>
+                  <a:tcPr>
+                    <a:lnR w="12700" cap="flat" cmpd="sng" algn="ctr">
+                      <a:solidFill>
+                        <a:scrgbClr r="0" g="0" b="0"/>
+                      </a:solidFill>
+                      <a:prstDash val="solid"/>
+                      <a:round/>
+                      <a:headEnd type="none" w="med" len="med"/>
+                      <a:tailEnd type="none" w="med" len="med"/>
+                    </a:lnR>
+                    <a:solidFill>
+                      <a:schemeClr val="bg1"/>
+                    </a:solidFill>
+                  </a:tcPr>
+                </a:tc>
+                <a:tc>
+                  <a:txBody>
+                    <a:bodyPr/>
+                    <a:lstStyle/>
+                    <a:p>
+                      <a:pPr marL="0" marR="0" indent="0" algn="l" defTabSz="914400" rtl="0" eaLnBrk="1" fontAlgn="auto" latinLnBrk="0" hangingPunct="1">
+                        <a:lnSpc>
+                          <a:spcPct val="100000"/>
+                        </a:lnSpc>
+                        <a:spcBef>
+                          <a:spcPts val="0"/>
+                        </a:spcBef>
+                        <a:spcAft>
+                          <a:spcPts val="0"/>
+                        </a:spcAft>
+                        <a:buClrTx/>
+                        <a:buSzTx/>
+                        <a:buFontTx/>
+                        <a:buNone/>
+                        <a:tabLst/>
+                        <a:defRPr/>
+                      </a:pPr>
+                      <a:r>
+                        <a:rPr lang="en-US" sz="1800" dirty="0" smtClean="0"/>
+                        <a:t>[t</a:t>
+                      </a:r>
+                      <a:r>
+                        <a:rPr lang="en-US" sz="1800" baseline="-25000" dirty="0" smtClean="0"/>
+                        <a:t>1</a:t>
+                      </a:r>
+                      <a:r>
+                        <a:rPr lang="en-US" sz="1800" dirty="0" smtClean="0"/>
+                        <a:t>, t</a:t>
+                      </a:r>
+                      <a:r>
+                        <a:rPr lang="en-US" sz="1800" baseline="-25000" dirty="0" smtClean="0"/>
+                        <a:t>3</a:t>
+                      </a:r>
+                      <a:r>
+                        <a:rPr lang="en-US" sz="1800" dirty="0" smtClean="0"/>
+                        <a:t>)</a:t>
+                      </a:r>
+                    </a:p>
+                  </a:txBody>
+                  <a:tcPr>
+                    <a:lnL w="12700" cap="flat" cmpd="sng" algn="ctr">
+                      <a:solidFill>
+                        <a:scrgbClr r="0" g="0" b="0"/>
+                      </a:solidFill>
+                      <a:prstDash val="solid"/>
+                      <a:round/>
+                      <a:headEnd type="none" w="med" len="med"/>
+                      <a:tailEnd type="none" w="med" len="med"/>
+                    </a:lnL>
+                    <a:lnR w="38100" cap="flat" cmpd="sng" algn="ctr">
+                      <a:solidFill>
+                        <a:scrgbClr r="0" g="0" b="0"/>
+                      </a:solidFill>
+                      <a:prstDash val="solid"/>
+                      <a:round/>
+                      <a:headEnd type="none" w="med" len="med"/>
+                      <a:tailEnd type="none" w="med" len="med"/>
+                    </a:lnR>
+                    <a:solidFill>
+                      <a:schemeClr val="bg1"/>
+                    </a:solidFill>
+                  </a:tcPr>
+                </a:tc>
+                <a:tc>
+                  <a:txBody>
+                    <a:bodyPr/>
+                    <a:lstStyle/>
+                    <a:p>
+                      <a:pPr algn="ctr"/>
+                      <a:r>
+                        <a:rPr lang="en-US" sz="1600" dirty="0" smtClean="0"/>
+                        <a:t>Bob</a:t>
+                      </a:r>
+                      <a:endParaRPr lang="en-US" sz="1600" dirty="0"/>
+                    </a:p>
+                  </a:txBody>
+                  <a:tcPr>
+                    <a:lnL w="38100" cap="flat" cmpd="sng" algn="ctr">
+                      <a:solidFill>
+                        <a:scrgbClr r="0" g="0" b="0"/>
+                      </a:solidFill>
+                      <a:prstDash val="solid"/>
+                      <a:round/>
+                      <a:headEnd type="none" w="med" len="med"/>
+                      <a:tailEnd type="none" w="med" len="med"/>
+                    </a:lnL>
+                    <a:lnR w="12700" cap="flat" cmpd="sng" algn="ctr">
+                      <a:solidFill>
+                        <a:scrgbClr r="0" g="0" b="0"/>
+                      </a:solidFill>
+                      <a:prstDash val="solid"/>
+                      <a:round/>
+                      <a:headEnd type="none" w="med" len="med"/>
+                      <a:tailEnd type="none" w="med" len="med"/>
+                    </a:lnR>
+                    <a:solidFill>
+                      <a:schemeClr val="bg1"/>
+                    </a:solidFill>
+                  </a:tcPr>
+                </a:tc>
+                <a:tc>
+                  <a:txBody>
+                    <a:bodyPr/>
+                    <a:lstStyle/>
+                    <a:p>
+                      <a:pPr algn="ctr"/>
+                      <a:r>
+                        <a:rPr lang="en-US" sz="1600" dirty="0" err="1" smtClean="0"/>
+                        <a:t>UPenn</a:t>
+                      </a:r>
+                      <a:endParaRPr lang="en-US" sz="1600" dirty="0"/>
+                    </a:p>
+                  </a:txBody>
+                  <a:tcPr>
+                    <a:lnL w="12700" cap="flat" cmpd="sng" algn="ctr">
+                      <a:solidFill>
+                        <a:scrgbClr r="0" g="0" b="0"/>
+                      </a:solidFill>
+                      <a:prstDash val="solid"/>
+                      <a:round/>
+                      <a:headEnd type="none" w="med" len="med"/>
+                      <a:tailEnd type="none" w="med" len="med"/>
+                    </a:lnL>
+                    <a:solidFill>
+                      <a:schemeClr val="bg1"/>
+                    </a:solidFill>
+                  </a:tcPr>
+                </a:tc>
+              </a:tr>
+              <a:tr h="368181">
+                <a:tc>
+                  <a:txBody>
+                    <a:bodyPr/>
+                    <a:lstStyle/>
+                    <a:p>
+                      <a:pPr marL="0" marR="0" indent="0" algn="l" defTabSz="914400" rtl="0" eaLnBrk="1" fontAlgn="auto" latinLnBrk="0" hangingPunct="1">
+                        <a:lnSpc>
+                          <a:spcPct val="100000"/>
+                        </a:lnSpc>
+                        <a:spcBef>
+                          <a:spcPts val="0"/>
+                        </a:spcBef>
+                        <a:spcAft>
+                          <a:spcPts val="0"/>
+                        </a:spcAft>
+                        <a:buClrTx/>
+                        <a:buSzTx/>
+                        <a:buFontTx/>
+                        <a:buNone/>
+                        <a:tabLst/>
+                        <a:defRPr/>
+                      </a:pPr>
+                      <a:r>
+                        <a:rPr lang="en-US" sz="1800" dirty="0" smtClean="0"/>
+                        <a:t>v</a:t>
+                      </a:r>
+                      <a:r>
+                        <a:rPr lang="en-US" sz="1800" baseline="-25000" dirty="0" smtClean="0"/>
+                        <a:t>2</a:t>
+                      </a:r>
+                    </a:p>
+                  </a:txBody>
+                  <a:tcPr>
+                    <a:lnR w="12700" cap="flat" cmpd="sng" algn="ctr">
+                      <a:solidFill>
+                        <a:scrgbClr r="0" g="0" b="0"/>
+                      </a:solidFill>
+                      <a:prstDash val="solid"/>
+                      <a:round/>
+                      <a:headEnd type="none" w="med" len="med"/>
+                      <a:tailEnd type="none" w="med" len="med"/>
+                    </a:lnR>
+                    <a:solidFill>
+                      <a:schemeClr val="bg1"/>
+                    </a:solidFill>
+                  </a:tcPr>
+                </a:tc>
+                <a:tc>
+                  <a:txBody>
+                    <a:bodyPr/>
+                    <a:lstStyle/>
+                    <a:p>
+                      <a:pPr marL="0" marR="0" indent="0" algn="l" defTabSz="914400" rtl="0" eaLnBrk="1" fontAlgn="auto" latinLnBrk="0" hangingPunct="1">
+                        <a:lnSpc>
+                          <a:spcPct val="100000"/>
+                        </a:lnSpc>
+                        <a:spcBef>
+                          <a:spcPts val="0"/>
+                        </a:spcBef>
+                        <a:spcAft>
+                          <a:spcPts val="0"/>
+                        </a:spcAft>
+                        <a:buClrTx/>
+                        <a:buSzTx/>
+                        <a:buFontTx/>
+                        <a:buNone/>
+                        <a:tabLst/>
+                        <a:defRPr/>
+                      </a:pPr>
+                      <a:r>
+                        <a:rPr lang="en-US" sz="1800" dirty="0" smtClean="0"/>
+                        <a:t>[t</a:t>
+                      </a:r>
+                      <a:r>
+                        <a:rPr lang="en-US" sz="1800" baseline="-25000" dirty="0" smtClean="0"/>
+                        <a:t>3</a:t>
+                      </a:r>
+                      <a:r>
+                        <a:rPr lang="en-US" sz="1800" dirty="0" smtClean="0"/>
+                        <a:t>, t</a:t>
+                      </a:r>
+                      <a:r>
+                        <a:rPr lang="en-US" sz="1800" baseline="-25000" dirty="0" smtClean="0"/>
+                        <a:t>5</a:t>
+                      </a:r>
+                      <a:r>
+                        <a:rPr lang="en-US" sz="1800" dirty="0" smtClean="0"/>
+                        <a:t>)</a:t>
+                      </a:r>
+                    </a:p>
+                  </a:txBody>
+                  <a:tcPr>
+                    <a:lnL w="12700" cap="flat" cmpd="sng" algn="ctr">
+                      <a:solidFill>
+                        <a:scrgbClr r="0" g="0" b="0"/>
+                      </a:solidFill>
+                      <a:prstDash val="solid"/>
+                      <a:round/>
+                      <a:headEnd type="none" w="med" len="med"/>
+                      <a:tailEnd type="none" w="med" len="med"/>
+                    </a:lnL>
+                    <a:lnR w="38100" cap="flat" cmpd="sng" algn="ctr">
+                      <a:solidFill>
+                        <a:scrgbClr r="0" g="0" b="0"/>
+                      </a:solidFill>
+                      <a:prstDash val="solid"/>
+                      <a:round/>
+                      <a:headEnd type="none" w="med" len="med"/>
+                      <a:tailEnd type="none" w="med" len="med"/>
+                    </a:lnR>
+                    <a:solidFill>
+                      <a:schemeClr val="bg1"/>
+                    </a:solidFill>
+                  </a:tcPr>
+                </a:tc>
+                <a:tc>
+                  <a:txBody>
+                    <a:bodyPr/>
+                    <a:lstStyle/>
+                    <a:p>
+                      <a:pPr algn="ctr"/>
+                      <a:r>
+                        <a:rPr lang="en-US" sz="1600" dirty="0" smtClean="0"/>
+                        <a:t>Bob</a:t>
+                      </a:r>
+                      <a:endParaRPr lang="en-US" sz="1600" dirty="0"/>
+                    </a:p>
+                  </a:txBody>
+                  <a:tcPr>
+                    <a:lnL w="38100" cap="flat" cmpd="sng" algn="ctr">
+                      <a:solidFill>
+                        <a:scrgbClr r="0" g="0" b="0"/>
+                      </a:solidFill>
+                      <a:prstDash val="solid"/>
+                      <a:round/>
+                      <a:headEnd type="none" w="med" len="med"/>
+                      <a:tailEnd type="none" w="med" len="med"/>
+                    </a:lnL>
+                    <a:lnR w="12700" cap="flat" cmpd="sng" algn="ctr">
+                      <a:solidFill>
+                        <a:scrgbClr r="0" g="0" b="0"/>
+                      </a:solidFill>
+                      <a:prstDash val="solid"/>
+                      <a:round/>
+                      <a:headEnd type="none" w="med" len="med"/>
+                      <a:tailEnd type="none" w="med" len="med"/>
+                    </a:lnR>
+                    <a:solidFill>
+                      <a:schemeClr val="bg1"/>
+                    </a:solidFill>
+                  </a:tcPr>
+                </a:tc>
+                <a:tc>
+                  <a:txBody>
+                    <a:bodyPr/>
+                    <a:lstStyle/>
+                    <a:p>
+                      <a:pPr algn="ctr"/>
+                      <a:r>
+                        <a:rPr lang="en-US" sz="1600" dirty="0" smtClean="0"/>
+                        <a:t>CMU</a:t>
+                      </a:r>
+                      <a:endParaRPr lang="en-US" sz="1600" dirty="0"/>
+                    </a:p>
+                  </a:txBody>
+                  <a:tcPr>
+                    <a:lnL w="12700" cap="flat" cmpd="sng" algn="ctr">
+                      <a:solidFill>
+                        <a:scrgbClr r="0" g="0" b="0"/>
+                      </a:solidFill>
+                      <a:prstDash val="solid"/>
+                      <a:round/>
+                      <a:headEnd type="none" w="med" len="med"/>
+                      <a:tailEnd type="none" w="med" len="med"/>
+                    </a:lnL>
+                    <a:solidFill>
+                      <a:schemeClr val="bg1"/>
+                    </a:solidFill>
+                  </a:tcPr>
+                </a:tc>
+              </a:tr>
+              <a:tr h="368181">
+                <a:tc>
+                  <a:txBody>
+                    <a:bodyPr/>
+                    <a:lstStyle/>
+                    <a:p>
+                      <a:pPr marL="0" marR="0" indent="0" algn="l" defTabSz="914400" rtl="0" eaLnBrk="1" fontAlgn="auto" latinLnBrk="0" hangingPunct="1">
+                        <a:lnSpc>
+                          <a:spcPct val="100000"/>
+                        </a:lnSpc>
+                        <a:spcBef>
+                          <a:spcPts val="0"/>
+                        </a:spcBef>
+                        <a:spcAft>
+                          <a:spcPts val="0"/>
+                        </a:spcAft>
+                        <a:buClrTx/>
+                        <a:buSzTx/>
+                        <a:buFontTx/>
+                        <a:buNone/>
+                        <a:tabLst/>
+                        <a:defRPr/>
+                      </a:pPr>
+                      <a:r>
+                        <a:rPr lang="en-US" sz="1800" baseline="0" dirty="0" smtClean="0"/>
+                        <a:t>v</a:t>
+                      </a:r>
+                      <a:r>
+                        <a:rPr lang="en-US" sz="1800" baseline="-25000" dirty="0" smtClean="0"/>
+                        <a:t>3</a:t>
+                      </a:r>
+                    </a:p>
+                  </a:txBody>
+                  <a:tcPr>
+                    <a:lnR w="12700" cap="flat" cmpd="sng" algn="ctr">
+                      <a:solidFill>
+                        <a:scrgbClr r="0" g="0" b="0"/>
+                      </a:solidFill>
+                      <a:prstDash val="solid"/>
+                      <a:round/>
+                      <a:headEnd type="none" w="med" len="med"/>
+                      <a:tailEnd type="none" w="med" len="med"/>
+                    </a:lnR>
+                    <a:solidFill>
+                      <a:schemeClr val="bg1"/>
+                    </a:solidFill>
+                  </a:tcPr>
+                </a:tc>
+                <a:tc>
+                  <a:txBody>
+                    <a:bodyPr/>
+                    <a:lstStyle/>
+                    <a:p>
+                      <a:pPr marL="0" marR="0" indent="0" algn="l" defTabSz="914400" rtl="0" eaLnBrk="1" fontAlgn="auto" latinLnBrk="0" hangingPunct="1">
+                        <a:lnSpc>
+                          <a:spcPct val="100000"/>
+                        </a:lnSpc>
+                        <a:spcBef>
+                          <a:spcPts val="0"/>
+                        </a:spcBef>
+                        <a:spcAft>
+                          <a:spcPts val="0"/>
+                        </a:spcAft>
+                        <a:buClrTx/>
+                        <a:buSzTx/>
+                        <a:buFontTx/>
+                        <a:buNone/>
+                        <a:tabLst/>
+                        <a:defRPr/>
+                      </a:pPr>
+                      <a:r>
+                        <a:rPr lang="en-US" sz="1800" dirty="0" smtClean="0"/>
+                        <a:t>[t</a:t>
+                      </a:r>
+                      <a:r>
+                        <a:rPr lang="en-US" sz="1800" baseline="-25000" dirty="0" smtClean="0"/>
+                        <a:t>0</a:t>
+                      </a:r>
+                      <a:r>
+                        <a:rPr lang="en-US" sz="1800" dirty="0" smtClean="0"/>
+                        <a:t>, t</a:t>
+                      </a:r>
+                      <a:r>
+                        <a:rPr lang="en-US" sz="1800" baseline="-25000" dirty="0" smtClean="0"/>
+                        <a:t>5</a:t>
+                      </a:r>
+                      <a:r>
+                        <a:rPr lang="en-US" sz="1800" dirty="0" smtClean="0"/>
+                        <a:t>)</a:t>
+                      </a:r>
+                    </a:p>
+                  </a:txBody>
+                  <a:tcPr>
+                    <a:lnL w="12700" cap="flat" cmpd="sng" algn="ctr">
+                      <a:solidFill>
+                        <a:scrgbClr r="0" g="0" b="0"/>
+                      </a:solidFill>
+                      <a:prstDash val="solid"/>
+                      <a:round/>
+                      <a:headEnd type="none" w="med" len="med"/>
+                      <a:tailEnd type="none" w="med" len="med"/>
+                    </a:lnL>
+                    <a:lnR w="38100" cap="flat" cmpd="sng" algn="ctr">
+                      <a:solidFill>
+                        <a:scrgbClr r="0" g="0" b="0"/>
+                      </a:solidFill>
+                      <a:prstDash val="solid"/>
+                      <a:round/>
+                      <a:headEnd type="none" w="med" len="med"/>
+                      <a:tailEnd type="none" w="med" len="med"/>
+                    </a:lnR>
+                    <a:solidFill>
+                      <a:schemeClr val="bg1"/>
+                    </a:solidFill>
+                  </a:tcPr>
+                </a:tc>
+                <a:tc>
+                  <a:txBody>
+                    <a:bodyPr/>
+                    <a:lstStyle/>
+                    <a:p>
+                      <a:pPr algn="ctr"/>
+                      <a:r>
+                        <a:rPr lang="en-US" sz="1600" dirty="0" smtClean="0"/>
+                        <a:t>Cathy</a:t>
+                      </a:r>
+                      <a:endParaRPr lang="en-US" sz="1600" dirty="0"/>
+                    </a:p>
+                  </a:txBody>
+                  <a:tcPr>
+                    <a:lnL w="38100" cap="flat" cmpd="sng" algn="ctr">
+                      <a:solidFill>
+                        <a:scrgbClr r="0" g="0" b="0"/>
+                      </a:solidFill>
+                      <a:prstDash val="solid"/>
+                      <a:round/>
+                      <a:headEnd type="none" w="med" len="med"/>
+                      <a:tailEnd type="none" w="med" len="med"/>
+                    </a:lnL>
+                    <a:lnR w="12700" cap="flat" cmpd="sng" algn="ctr">
+                      <a:solidFill>
+                        <a:scrgbClr r="0" g="0" b="0"/>
+                      </a:solidFill>
+                      <a:prstDash val="solid"/>
+                      <a:round/>
+                      <a:headEnd type="none" w="med" len="med"/>
+                      <a:tailEnd type="none" w="med" len="med"/>
+                    </a:lnR>
+                    <a:solidFill>
+                      <a:schemeClr val="bg1"/>
+                    </a:solidFill>
+                  </a:tcPr>
+                </a:tc>
+                <a:tc>
+                  <a:txBody>
+                    <a:bodyPr/>
+                    <a:lstStyle/>
+                    <a:p>
+                      <a:pPr algn="ctr"/>
+                      <a:r>
+                        <a:rPr lang="en-US" sz="1600" dirty="0" smtClean="0"/>
+                        <a:t>Drexel</a:t>
+                      </a:r>
+                      <a:endParaRPr lang="en-US" sz="1600" dirty="0"/>
+                    </a:p>
+                  </a:txBody>
+                  <a:tcPr>
+                    <a:lnL w="12700" cap="flat" cmpd="sng" algn="ctr">
+                      <a:solidFill>
+                        <a:scrgbClr r="0" g="0" b="0"/>
+                      </a:solidFill>
+                      <a:prstDash val="solid"/>
+                      <a:round/>
+                      <a:headEnd type="none" w="med" len="med"/>
+                      <a:tailEnd type="none" w="med" len="med"/>
+                    </a:lnL>
+                    <a:solidFill>
+                      <a:schemeClr val="bg1"/>
+                    </a:solidFill>
+                  </a:tcPr>
+                </a:tc>
+              </a:tr>
+            </a:tbl>
+          </a:graphicData>
+        </a:graphic>
+      </p:graphicFrame>
+      <p:sp>
+        <p:nvSpPr>
+          <p:cNvPr id="34" name="TextBox 33"/>
+          <p:cNvSpPr txBox="1"/>
+          <p:nvPr/>
+        </p:nvSpPr>
+        <p:spPr>
+          <a:xfrm>
+            <a:off x="6051573" y="357803"/>
+            <a:ext cx="2482470" cy="400110"/>
+          </a:xfrm>
+          <a:prstGeom prst="rect">
+            <a:avLst/>
+          </a:prstGeom>
+          <a:noFill/>
+        </p:spPr>
+        <p:txBody>
+          <a:bodyPr wrap="none" rtlCol="0">
+            <a:spAutoFit/>
+          </a:bodyPr>
+          <a:lstStyle/>
+          <a:p>
+            <a:r>
+              <a:rPr lang="en-US" sz="2000" dirty="0" smtClean="0"/>
+              <a:t>V (</a:t>
+            </a:r>
+            <a:r>
+              <a:rPr lang="en-US" sz="2000" u="sng" dirty="0" smtClean="0"/>
+              <a:t>v</a:t>
+            </a:r>
+            <a:r>
+              <a:rPr lang="en-US" sz="2000" dirty="0" smtClean="0"/>
+              <a:t>, </a:t>
+            </a:r>
+            <a:r>
+              <a:rPr lang="en-US" sz="2000" u="sng" dirty="0" smtClean="0"/>
+              <a:t>p</a:t>
+            </a:r>
+            <a:r>
+              <a:rPr lang="en-US" sz="2000" dirty="0" smtClean="0"/>
+              <a:t>, name, school)</a:t>
+            </a:r>
+            <a:endParaRPr lang="en-US" sz="2000" dirty="0"/>
+          </a:p>
+        </p:txBody>
+      </p:sp>
+      <p:graphicFrame>
+        <p:nvGraphicFramePr>
+          <p:cNvPr id="35" name="Table 34"/>
+          <p:cNvGraphicFramePr>
+            <a:graphicFrameLocks noGrp="1"/>
+          </p:cNvGraphicFramePr>
+          <p:nvPr>
+            <p:extLst>
+              <p:ext uri="{D42A27DB-BD31-4B8C-83A1-F6EECF244321}">
+                <p14:modId xmlns:p14="http://schemas.microsoft.com/office/powerpoint/2010/main" val="4063818870"/>
+              </p:ext>
+            </p:extLst>
+          </p:nvPr>
+        </p:nvGraphicFramePr>
+        <p:xfrm>
+          <a:off x="6144532" y="3049735"/>
+          <a:ext cx="2745468" cy="1066800"/>
+        </p:xfrm>
+        <a:graphic>
+          <a:graphicData uri="http://schemas.openxmlformats.org/drawingml/2006/table">
+            <a:tbl>
+              <a:tblPr firstRow="1" bandRow="1">
+                <a:tableStyleId>{793D81CF-94F2-401A-BA57-92F5A7B2D0C5}</a:tableStyleId>
+              </a:tblPr>
+              <a:tblGrid>
+                <a:gridCol w="443593"/>
+                <a:gridCol w="762000"/>
+                <a:gridCol w="762000"/>
+                <a:gridCol w="777875"/>
+              </a:tblGrid>
+              <a:tr h="331721">
+                <a:tc>
+                  <a:txBody>
+                    <a:bodyPr/>
+                    <a:lstStyle/>
+                    <a:p>
+                      <a:r>
+                        <a:rPr lang="en-US" sz="1600" b="0" dirty="0" smtClean="0"/>
+                        <a:t>v1</a:t>
+                      </a:r>
+                      <a:endParaRPr lang="en-US" sz="1600" b="0" baseline="-25000" dirty="0"/>
+                    </a:p>
+                  </a:txBody>
+                  <a:tcPr/>
+                </a:tc>
+                <a:tc>
+                  <a:txBody>
+                    <a:bodyPr/>
+                    <a:lstStyle/>
+                    <a:p>
+                      <a:pPr marL="0" marR="0" indent="0" algn="ctr" defTabSz="914400" rtl="0" eaLnBrk="1" fontAlgn="auto" latinLnBrk="0" hangingPunct="1">
+                        <a:lnSpc>
+                          <a:spcPct val="100000"/>
+                        </a:lnSpc>
+                        <a:spcBef>
+                          <a:spcPts val="0"/>
+                        </a:spcBef>
+                        <a:spcAft>
+                          <a:spcPts val="0"/>
+                        </a:spcAft>
+                        <a:buClrTx/>
+                        <a:buSzTx/>
+                        <a:buFontTx/>
+                        <a:buNone/>
+                        <a:tabLst/>
+                        <a:defRPr/>
+                      </a:pPr>
+                      <a:r>
+                        <a:rPr lang="en-US" sz="1600" b="0" dirty="0" smtClean="0"/>
+                        <a:t>v2</a:t>
+                      </a:r>
+                      <a:endParaRPr lang="en-US" sz="1600" b="0" baseline="-25000" dirty="0" smtClean="0"/>
+                    </a:p>
+                  </a:txBody>
+                  <a:tcPr/>
+                </a:tc>
+                <a:tc>
+                  <a:txBody>
+                    <a:bodyPr/>
+                    <a:lstStyle/>
+                    <a:p>
+                      <a:pPr algn="ctr"/>
+                      <a:r>
+                        <a:rPr lang="en-US" sz="1600" b="0" u="none" dirty="0" smtClean="0"/>
+                        <a:t>p</a:t>
+                      </a:r>
+                      <a:endParaRPr lang="en-US" sz="1600" b="0" u="none" dirty="0"/>
+                    </a:p>
+                  </a:txBody>
+                  <a:tcPr/>
+                </a:tc>
+                <a:tc>
+                  <a:txBody>
+                    <a:bodyPr/>
+                    <a:lstStyle/>
+                    <a:p>
+                      <a:r>
+                        <a:rPr lang="en-US" sz="1600" b="0" dirty="0" smtClean="0"/>
+                        <a:t>score</a:t>
+                      </a:r>
+                      <a:endParaRPr lang="en-US" sz="1600" b="0" dirty="0"/>
+                    </a:p>
+                  </a:txBody>
+                  <a:tcPr/>
+                </a:tc>
+              </a:tr>
+              <a:tr h="331721">
+                <a:tc>
+                  <a:txBody>
+                    <a:bodyPr/>
+                    <a:lstStyle/>
+                    <a:p>
+                      <a:pPr algn="ctr"/>
+                      <a:r>
+                        <a:rPr lang="en-US" sz="1800" dirty="0" smtClean="0"/>
+                        <a:t>v</a:t>
+                      </a:r>
+                      <a:r>
+                        <a:rPr lang="en-US" sz="1800" baseline="-25000" dirty="0" smtClean="0"/>
+                        <a:t>1</a:t>
+                      </a:r>
+                      <a:endParaRPr lang="en-US" sz="1800" baseline="-25000" dirty="0"/>
+                    </a:p>
+                  </a:txBody>
+                  <a:tcPr>
+                    <a:lnR w="12700" cap="flat" cmpd="sng" algn="ctr">
+                      <a:solidFill>
+                        <a:scrgbClr r="0" g="0" b="0"/>
+                      </a:solidFill>
+                      <a:prstDash val="solid"/>
+                      <a:round/>
+                      <a:headEnd type="none" w="med" len="med"/>
+                      <a:tailEnd type="none" w="med" len="med"/>
+                    </a:lnR>
+                    <a:solidFill>
+                      <a:schemeClr val="bg1"/>
+                    </a:solidFill>
+                  </a:tcPr>
+                </a:tc>
+                <a:tc>
+                  <a:txBody>
+                    <a:bodyPr/>
+                    <a:lstStyle/>
+                    <a:p>
+                      <a:pPr marL="0" marR="0" indent="0" algn="ctr" defTabSz="914400" rtl="0" eaLnBrk="1" fontAlgn="auto" latinLnBrk="0" hangingPunct="1">
+                        <a:lnSpc>
+                          <a:spcPct val="100000"/>
+                        </a:lnSpc>
+                        <a:spcBef>
+                          <a:spcPts val="0"/>
+                        </a:spcBef>
+                        <a:spcAft>
+                          <a:spcPts val="0"/>
+                        </a:spcAft>
+                        <a:buClrTx/>
+                        <a:buSzTx/>
+                        <a:buFontTx/>
+                        <a:buNone/>
+                        <a:tabLst/>
+                        <a:defRPr/>
+                      </a:pPr>
+                      <a:r>
+                        <a:rPr lang="en-US" sz="1800" dirty="0" smtClean="0"/>
+                        <a:t>v</a:t>
+                      </a:r>
+                      <a:r>
+                        <a:rPr lang="en-US" sz="1800" baseline="-25000" dirty="0" smtClean="0"/>
+                        <a:t>2</a:t>
+                      </a:r>
+                    </a:p>
+                  </a:txBody>
+                  <a:tcPr>
+                    <a:lnL w="12700" cap="flat" cmpd="sng" algn="ctr">
+                      <a:solidFill>
+                        <a:scrgbClr r="0" g="0" b="0"/>
+                      </a:solidFill>
+                      <a:prstDash val="solid"/>
+                      <a:round/>
+                      <a:headEnd type="none" w="med" len="med"/>
+                      <a:tailEnd type="none" w="med" len="med"/>
+                    </a:lnL>
+                    <a:lnR w="12700" cap="flat" cmpd="sng" algn="ctr">
+                      <a:solidFill>
+                        <a:scrgbClr r="0" g="0" b="0"/>
+                      </a:solidFill>
+                      <a:prstDash val="solid"/>
+                      <a:round/>
+                      <a:headEnd type="none" w="med" len="med"/>
+                      <a:tailEnd type="none" w="med" len="med"/>
+                    </a:lnR>
+                    <a:solidFill>
+                      <a:schemeClr val="bg1"/>
+                    </a:solidFill>
+                  </a:tcPr>
+                </a:tc>
+                <a:tc>
+                  <a:txBody>
+                    <a:bodyPr/>
+                    <a:lstStyle/>
+                    <a:p>
+                      <a:pPr algn="ctr"/>
+                      <a:r>
+                        <a:rPr lang="en-US" sz="1800" dirty="0" smtClean="0"/>
+                        <a:t>[t</a:t>
+                      </a:r>
+                      <a:r>
+                        <a:rPr lang="en-US" sz="1800" baseline="-25000" dirty="0" smtClean="0"/>
+                        <a:t>1</a:t>
+                      </a:r>
+                      <a:r>
+                        <a:rPr lang="en-US" sz="1800" dirty="0" smtClean="0"/>
+                        <a:t>, t</a:t>
+                      </a:r>
+                      <a:r>
+                        <a:rPr lang="en-US" sz="1800" baseline="-25000" dirty="0" smtClean="0"/>
+                        <a:t>2</a:t>
+                      </a:r>
+                      <a:r>
+                        <a:rPr lang="en-US" sz="1800" dirty="0" smtClean="0"/>
+                        <a:t>)</a:t>
+                      </a:r>
+                      <a:endParaRPr lang="en-US" sz="1800" dirty="0"/>
+                    </a:p>
+                  </a:txBody>
+                  <a:tcPr>
+                    <a:lnL w="12700" cap="flat" cmpd="sng" algn="ctr">
+                      <a:solidFill>
+                        <a:scrgbClr r="0" g="0" b="0"/>
+                      </a:solidFill>
+                      <a:prstDash val="solid"/>
+                      <a:round/>
+                      <a:headEnd type="none" w="med" len="med"/>
+                      <a:tailEnd type="none" w="med" len="med"/>
+                    </a:lnL>
+                    <a:lnR w="38100" cap="flat" cmpd="sng" algn="ctr">
+                      <a:solidFill>
+                        <a:scrgbClr r="0" g="0" b="0"/>
+                      </a:solidFill>
+                      <a:prstDash val="solid"/>
+                      <a:round/>
+                      <a:headEnd type="none" w="med" len="med"/>
+                      <a:tailEnd type="none" w="med" len="med"/>
+                    </a:lnR>
+                    <a:solidFill>
+                      <a:schemeClr val="bg1"/>
+                    </a:solidFill>
+                  </a:tcPr>
+                </a:tc>
+                <a:tc>
+                  <a:txBody>
+                    <a:bodyPr/>
+                    <a:lstStyle/>
+                    <a:p>
+                      <a:pPr algn="ctr"/>
+                      <a:r>
+                        <a:rPr lang="en-US" sz="1600" dirty="0" smtClean="0"/>
+                        <a:t>3</a:t>
+                      </a:r>
+                      <a:endParaRPr lang="en-US" sz="1600" dirty="0"/>
+                    </a:p>
+                  </a:txBody>
+                  <a:tcPr>
+                    <a:lnL w="38100" cap="flat" cmpd="sng" algn="ctr">
+                      <a:solidFill>
+                        <a:scrgbClr r="0" g="0" b="0"/>
+                      </a:solidFill>
+                      <a:prstDash val="solid"/>
+                      <a:round/>
+                      <a:headEnd type="none" w="med" len="med"/>
+                      <a:tailEnd type="none" w="med" len="med"/>
+                    </a:lnL>
+                    <a:solidFill>
+                      <a:schemeClr val="bg1"/>
+                    </a:solidFill>
+                  </a:tcPr>
+                </a:tc>
+              </a:tr>
+              <a:tr h="331721">
+                <a:tc>
+                  <a:txBody>
+                    <a:bodyPr/>
+                    <a:lstStyle/>
+                    <a:p>
+                      <a:pPr marL="0" marR="0" indent="0" algn="ctr" defTabSz="914400" rtl="0" eaLnBrk="1" fontAlgn="auto" latinLnBrk="0" hangingPunct="1">
+                        <a:lnSpc>
+                          <a:spcPct val="100000"/>
+                        </a:lnSpc>
+                        <a:spcBef>
+                          <a:spcPts val="0"/>
+                        </a:spcBef>
+                        <a:spcAft>
+                          <a:spcPts val="0"/>
+                        </a:spcAft>
+                        <a:buClrTx/>
+                        <a:buSzTx/>
+                        <a:buFontTx/>
+                        <a:buNone/>
+                        <a:tabLst/>
+                        <a:defRPr/>
+                      </a:pPr>
+                      <a:r>
+                        <a:rPr lang="en-US" sz="1800" dirty="0" smtClean="0"/>
+                        <a:t>v</a:t>
+                      </a:r>
+                      <a:r>
+                        <a:rPr lang="en-US" sz="1800" baseline="-25000" dirty="0" smtClean="0"/>
+                        <a:t>2</a:t>
+                      </a:r>
+                    </a:p>
+                  </a:txBody>
+                  <a:tcPr>
+                    <a:lnR w="12700" cap="flat" cmpd="sng" algn="ctr">
+                      <a:solidFill>
+                        <a:scrgbClr r="0" g="0" b="0"/>
+                      </a:solidFill>
+                      <a:prstDash val="solid"/>
+                      <a:round/>
+                      <a:headEnd type="none" w="med" len="med"/>
+                      <a:tailEnd type="none" w="med" len="med"/>
+                    </a:lnR>
+                    <a:solidFill>
+                      <a:schemeClr val="bg1"/>
+                    </a:solidFill>
+                  </a:tcPr>
+                </a:tc>
+                <a:tc>
+                  <a:txBody>
+                    <a:bodyPr/>
+                    <a:lstStyle/>
+                    <a:p>
+                      <a:pPr marL="0" marR="0" indent="0" algn="ctr" defTabSz="914400" rtl="0" eaLnBrk="1" fontAlgn="auto" latinLnBrk="0" hangingPunct="1">
+                        <a:lnSpc>
+                          <a:spcPct val="100000"/>
+                        </a:lnSpc>
+                        <a:spcBef>
+                          <a:spcPts val="0"/>
+                        </a:spcBef>
+                        <a:spcAft>
+                          <a:spcPts val="0"/>
+                        </a:spcAft>
+                        <a:buClrTx/>
+                        <a:buSzTx/>
+                        <a:buFontTx/>
+                        <a:buNone/>
+                        <a:tabLst/>
+                        <a:defRPr/>
+                      </a:pPr>
+                      <a:r>
+                        <a:rPr lang="en-US" sz="1800" dirty="0" smtClean="0"/>
+                        <a:t>v</a:t>
+                      </a:r>
+                      <a:r>
+                        <a:rPr lang="en-US" sz="1800" baseline="-25000" dirty="0" smtClean="0"/>
+                        <a:t>3</a:t>
+                      </a:r>
+                    </a:p>
+                  </a:txBody>
+                  <a:tcPr>
+                    <a:lnL w="12700" cap="flat" cmpd="sng" algn="ctr">
+                      <a:solidFill>
+                        <a:scrgbClr r="0" g="0" b="0"/>
+                      </a:solidFill>
+                      <a:prstDash val="solid"/>
+                      <a:round/>
+                      <a:headEnd type="none" w="med" len="med"/>
+                      <a:tailEnd type="none" w="med" len="med"/>
+                    </a:lnL>
+                    <a:lnR w="12700" cap="flat" cmpd="sng" algn="ctr">
+                      <a:solidFill>
+                        <a:scrgbClr r="0" g="0" b="0"/>
+                      </a:solidFill>
+                      <a:prstDash val="solid"/>
+                      <a:round/>
+                      <a:headEnd type="none" w="med" len="med"/>
+                      <a:tailEnd type="none" w="med" len="med"/>
+                    </a:lnR>
+                    <a:solidFill>
+                      <a:schemeClr val="bg1"/>
+                    </a:solidFill>
+                  </a:tcPr>
+                </a:tc>
+                <a:tc>
+                  <a:txBody>
+                    <a:bodyPr/>
+                    <a:lstStyle/>
+                    <a:p>
+                      <a:pPr marL="0" marR="0" indent="0" algn="ctr" defTabSz="914400" rtl="0" eaLnBrk="1" fontAlgn="auto" latinLnBrk="0" hangingPunct="1">
+                        <a:lnSpc>
+                          <a:spcPct val="100000"/>
+                        </a:lnSpc>
+                        <a:spcBef>
+                          <a:spcPts val="0"/>
+                        </a:spcBef>
+                        <a:spcAft>
+                          <a:spcPts val="0"/>
+                        </a:spcAft>
+                        <a:buClrTx/>
+                        <a:buSzTx/>
+                        <a:buFontTx/>
+                        <a:buNone/>
+                        <a:tabLst/>
+                        <a:defRPr/>
+                      </a:pPr>
+                      <a:r>
+                        <a:rPr lang="en-US" sz="1800" dirty="0" smtClean="0"/>
+                        <a:t>[t</a:t>
+                      </a:r>
+                      <a:r>
+                        <a:rPr lang="en-US" sz="1800" baseline="-25000" dirty="0" smtClean="0"/>
+                        <a:t>4</a:t>
+                      </a:r>
+                      <a:r>
+                        <a:rPr lang="en-US" sz="1800" dirty="0" smtClean="0"/>
+                        <a:t>, t</a:t>
+                      </a:r>
+                      <a:r>
+                        <a:rPr lang="en-US" sz="1800" baseline="-25000" dirty="0" smtClean="0"/>
+                        <a:t>5</a:t>
+                      </a:r>
+                      <a:r>
+                        <a:rPr lang="en-US" sz="1800" dirty="0" smtClean="0"/>
+                        <a:t>)</a:t>
+                      </a:r>
+                    </a:p>
+                  </a:txBody>
+                  <a:tcPr>
+                    <a:lnL w="12700" cap="flat" cmpd="sng" algn="ctr">
+                      <a:solidFill>
+                        <a:scrgbClr r="0" g="0" b="0"/>
+                      </a:solidFill>
+                      <a:prstDash val="solid"/>
+                      <a:round/>
+                      <a:headEnd type="none" w="med" len="med"/>
+                      <a:tailEnd type="none" w="med" len="med"/>
+                    </a:lnL>
+                    <a:lnR w="38100" cap="flat" cmpd="sng" algn="ctr">
+                      <a:solidFill>
+                        <a:scrgbClr r="0" g="0" b="0"/>
+                      </a:solidFill>
+                      <a:prstDash val="solid"/>
+                      <a:round/>
+                      <a:headEnd type="none" w="med" len="med"/>
+                      <a:tailEnd type="none" w="med" len="med"/>
+                    </a:lnR>
+                    <a:solidFill>
+                      <a:schemeClr val="bg1"/>
+                    </a:solidFill>
+                  </a:tcPr>
+                </a:tc>
+                <a:tc>
+                  <a:txBody>
+                    <a:bodyPr/>
+                    <a:lstStyle/>
+                    <a:p>
+                      <a:pPr algn="ctr"/>
+                      <a:r>
+                        <a:rPr lang="en-US" sz="1600" dirty="0" smtClean="0"/>
+                        <a:t>4</a:t>
+                      </a:r>
+                      <a:endParaRPr lang="en-US" sz="1600" dirty="0"/>
+                    </a:p>
+                  </a:txBody>
+                  <a:tcPr>
+                    <a:lnL w="38100" cap="flat" cmpd="sng" algn="ctr">
+                      <a:solidFill>
+                        <a:scrgbClr r="0" g="0" b="0"/>
+                      </a:solidFill>
+                      <a:prstDash val="solid"/>
+                      <a:round/>
+                      <a:headEnd type="none" w="med" len="med"/>
+                      <a:tailEnd type="none" w="med" len="med"/>
+                    </a:lnL>
+                    <a:solidFill>
+                      <a:schemeClr val="bg1"/>
+                    </a:solidFill>
+                  </a:tcPr>
+                </a:tc>
+              </a:tr>
+            </a:tbl>
+          </a:graphicData>
+        </a:graphic>
+      </p:graphicFrame>
+      <p:sp>
+        <p:nvSpPr>
+          <p:cNvPr id="36" name="TextBox 35"/>
+          <p:cNvSpPr txBox="1"/>
+          <p:nvPr/>
+        </p:nvSpPr>
+        <p:spPr>
+          <a:xfrm>
+            <a:off x="6047852" y="2660538"/>
+            <a:ext cx="1952791" cy="400110"/>
+          </a:xfrm>
+          <a:prstGeom prst="rect">
+            <a:avLst/>
+          </a:prstGeom>
+          <a:noFill/>
+        </p:spPr>
+        <p:txBody>
+          <a:bodyPr wrap="none" rtlCol="0">
+            <a:spAutoFit/>
+          </a:bodyPr>
+          <a:lstStyle/>
+          <a:p>
+            <a:r>
+              <a:rPr lang="en-US" sz="2000" dirty="0" smtClean="0"/>
+              <a:t>E(</a:t>
+            </a:r>
+            <a:r>
+              <a:rPr lang="en-US" u="sng" dirty="0" smtClean="0"/>
+              <a:t>v1</a:t>
+            </a:r>
+            <a:r>
+              <a:rPr lang="en-US" dirty="0" smtClean="0"/>
+              <a:t>, </a:t>
+            </a:r>
+            <a:r>
+              <a:rPr lang="en-US" u="sng" dirty="0" smtClean="0"/>
+              <a:t>v2</a:t>
+            </a:r>
+            <a:r>
+              <a:rPr lang="en-US" dirty="0" smtClean="0"/>
+              <a:t>, </a:t>
+            </a:r>
+            <a:r>
+              <a:rPr lang="en-US" u="sng" dirty="0" smtClean="0"/>
+              <a:t>p</a:t>
+            </a:r>
+            <a:r>
+              <a:rPr lang="en-US" dirty="0" smtClean="0"/>
+              <a:t>, score</a:t>
+            </a:r>
+            <a:r>
+              <a:rPr lang="en-US" sz="2000" dirty="0" smtClean="0"/>
+              <a:t>)</a:t>
+            </a:r>
+            <a:endParaRPr lang="en-US" sz="2000" dirty="0"/>
           </a:p>
         </p:txBody>
       </p:sp>
@@ -21819,7 +23193,6 @@
                         <a:rPr lang="en-US" sz="1800" baseline="-25000" dirty="0" smtClean="0"/>
                         <a:t>3</a:t>
                       </a:r>
-                      <a:endParaRPr lang="en-US" sz="1800" baseline="-25000" dirty="0" smtClean="0"/>
                     </a:p>
                   </a:txBody>
                   <a:tcPr>
@@ -21861,11 +23234,7 @@
                       </a:pPr>
                       <a:r>
                         <a:rPr lang="en-US" sz="1800" dirty="0" smtClean="0"/>
-                        <a:t>[</a:t>
-                      </a:r>
-                      <a:r>
-                        <a:rPr lang="en-US" sz="1800" dirty="0" smtClean="0"/>
-                        <a:t>t</a:t>
+                        <a:t>[t</a:t>
                       </a:r>
                       <a:r>
                         <a:rPr lang="en-US" sz="1800" baseline="-25000" dirty="0" smtClean="0"/>
@@ -21873,11 +23242,7 @@
                       </a:r>
                       <a:r>
                         <a:rPr lang="en-US" sz="1800" dirty="0" smtClean="0"/>
-                        <a:t>, </a:t>
-                      </a:r>
-                      <a:r>
-                        <a:rPr lang="en-US" sz="1800" dirty="0" smtClean="0"/>
-                        <a:t>t</a:t>
+                        <a:t>, t</a:t>
                       </a:r>
                       <a:r>
                         <a:rPr lang="en-US" sz="1800" baseline="-25000" dirty="0" smtClean="0"/>
@@ -29082,7 +30447,7 @@
   <a:extraClrSchemeLst/>
   <a:extLst>
     <a:ext uri="{05A4C25C-085E-4340-85A3-A5531E510DB2}">
-      <thm15:themeFamily xmlns:thm15="http://schemas.microsoft.com/office/thememl/2012/main" xmlns="" name="Crop" id="{EC9488ED-E761-4D60-9AC4-764D1FE2C171}" vid="{CE19780C-D67D-4C13-9DE9-A52BC3BA51B4}"/>
+      <thm15:themeFamily xmlns="" xmlns:thm15="http://schemas.microsoft.com/office/thememl/2012/main" name="Crop" id="{EC9488ED-E761-4D60-9AC4-764D1FE2C171}" vid="{CE19780C-D67D-4C13-9DE9-A52BC3BA51B4}"/>
     </a:ext>
   </a:extLst>
 </a:theme>
@@ -29343,7 +30708,7 @@
   <a:extraClrSchemeLst/>
   <a:extLst>
     <a:ext uri="{05A4C25C-085E-4340-85A3-A5531E510DB2}">
-      <thm15:themeFamily xmlns:thm15="http://schemas.microsoft.com/office/thememl/2012/main" xmlns="" name="Office Theme" id="{62F939B6-93AF-4DB8-9C6B-D6C7DFDC589F}" vid="{4A3C46E8-61CC-4603-A589-7422A47A8E4A}"/>
+      <thm15:themeFamily xmlns="" xmlns:thm15="http://schemas.microsoft.com/office/thememl/2012/main" name="Office Theme" id="{62F939B6-93AF-4DB8-9C6B-D6C7DFDC589F}" vid="{4A3C46E8-61CC-4603-A589-7422A47A8E4A}"/>
     </a:ext>
   </a:extLst>
 </a:theme>

--- a/paper/pvldb2016/figs/model.pptx
+++ b/paper/pvldb2016/figs/model.pptx
@@ -132,7 +132,7 @@
   </p:defaultTextStyle>
   <p:extLst>
     <p:ext uri="{EFAFB233-063F-42B5-8137-9DF3F51BA10A}">
-      <p15:sldGuideLst xmlns:p15="http://schemas.microsoft.com/office/powerpoint/2012/main" xmlns="">
+      <p15:sldGuideLst xmlns:p15="http://schemas.microsoft.com/office/powerpoint/2012/main">
         <p15:guide id="1" orient="horz" pos="2160">
           <p15:clr>
             <a:srgbClr val="A4A3A4"/>
@@ -231,7 +231,7 @@
           <a:p>
             <a:fld id="{E7D59436-7EB8-904B-8F6C-AF150029F557}" type="datetimeFigureOut">
               <a:rPr lang="en-US" smtClean="0"/>
-              <a:t>7/31/16</a:t>
+              <a:t>8/18/16</a:t>
             </a:fld>
             <a:endParaRPr lang="en-US"/>
           </a:p>
@@ -758,7 +758,7 @@
             <a:fld id="{87DE6118-2437-4B30-8E3C-4D2BE6020583}" type="datetimeFigureOut">
               <a:rPr lang="en-US" dirty="0"/>
               <a:pPr/>
-              <a:t>7/31/16</a:t>
+              <a:t>8/18/16</a:t>
             </a:fld>
             <a:endParaRPr lang="en-US" dirty="0"/>
           </a:p>
@@ -1084,7 +1084,7 @@
           <a:p>
             <a:fld id="{87DE6118-2437-4B30-8E3C-4D2BE6020583}" type="datetimeFigureOut">
               <a:rPr lang="en-US" dirty="0"/>
-              <a:t>7/31/16</a:t>
+              <a:t>8/18/16</a:t>
             </a:fld>
             <a:endParaRPr lang="en-US" dirty="0"/>
           </a:p>
@@ -1259,7 +1259,7 @@
           <a:p>
             <a:fld id="{87DE6118-2437-4B30-8E3C-4D2BE6020583}" type="datetimeFigureOut">
               <a:rPr lang="en-US" dirty="0"/>
-              <a:t>7/31/16</a:t>
+              <a:t>8/18/16</a:t>
             </a:fld>
             <a:endParaRPr lang="en-US" dirty="0"/>
           </a:p>
@@ -1424,7 +1424,7 @@
           <a:p>
             <a:fld id="{87DE6118-2437-4B30-8E3C-4D2BE6020583}" type="datetimeFigureOut">
               <a:rPr lang="en-US" dirty="0"/>
-              <a:t>7/31/16</a:t>
+              <a:t>8/18/16</a:t>
             </a:fld>
             <a:endParaRPr lang="en-US" dirty="0"/>
           </a:p>
@@ -1697,7 +1697,7 @@
             <a:fld id="{87DE6118-2437-4B30-8E3C-4D2BE6020583}" type="datetimeFigureOut">
               <a:rPr lang="en-US" dirty="0"/>
               <a:pPr/>
-              <a:t>7/31/16</a:t>
+              <a:t>8/18/16</a:t>
             </a:fld>
             <a:endParaRPr lang="en-US" dirty="0"/>
           </a:p>
@@ -2087,7 +2087,7 @@
           <a:p>
             <a:fld id="{87DE6118-2437-4B30-8E3C-4D2BE6020583}" type="datetimeFigureOut">
               <a:rPr lang="en-US" dirty="0"/>
-              <a:t>7/31/16</a:t>
+              <a:t>8/18/16</a:t>
             </a:fld>
             <a:endParaRPr lang="en-US" dirty="0"/>
           </a:p>
@@ -2559,7 +2559,7 @@
           <a:p>
             <a:fld id="{87DE6118-2437-4B30-8E3C-4D2BE6020583}" type="datetimeFigureOut">
               <a:rPr lang="en-US" dirty="0"/>
-              <a:t>7/31/16</a:t>
+              <a:t>8/18/16</a:t>
             </a:fld>
             <a:endParaRPr lang="en-US" dirty="0"/>
           </a:p>
@@ -2672,7 +2672,7 @@
           <a:p>
             <a:fld id="{87DE6118-2437-4B30-8E3C-4D2BE6020583}" type="datetimeFigureOut">
               <a:rPr lang="en-US" dirty="0"/>
-              <a:t>7/31/16</a:t>
+              <a:t>8/18/16</a:t>
             </a:fld>
             <a:endParaRPr lang="en-US" dirty="0"/>
           </a:p>
@@ -2762,7 +2762,7 @@
           <a:p>
             <a:fld id="{87DE6118-2437-4B30-8E3C-4D2BE6020583}" type="datetimeFigureOut">
               <a:rPr lang="en-US" dirty="0"/>
-              <a:t>7/31/16</a:t>
+              <a:t>8/18/16</a:t>
             </a:fld>
             <a:endParaRPr lang="en-US" dirty="0"/>
           </a:p>
@@ -3104,7 +3104,7 @@
             <a:fld id="{87DE6118-2437-4B30-8E3C-4D2BE6020583}" type="datetimeFigureOut">
               <a:rPr lang="en-US" dirty="0"/>
               <a:pPr/>
-              <a:t>7/31/16</a:t>
+              <a:t>8/18/16</a:t>
             </a:fld>
             <a:endParaRPr lang="en-US" dirty="0"/>
           </a:p>
@@ -3489,7 +3489,7 @@
             <a:fld id="{87DE6118-2437-4B30-8E3C-4D2BE6020583}" type="datetimeFigureOut">
               <a:rPr lang="en-US" dirty="0"/>
               <a:pPr/>
-              <a:t>7/31/16</a:t>
+              <a:t>8/18/16</a:t>
             </a:fld>
             <a:endParaRPr lang="en-US" dirty="0"/>
           </a:p>
@@ -3764,7 +3764,7 @@
             <a:fld id="{87DE6118-2437-4B30-8E3C-4D2BE6020583}" type="datetimeFigureOut">
               <a:rPr lang="en-US" dirty="0"/>
               <a:pPr/>
-              <a:t>7/31/16</a:t>
+              <a:t>8/18/16</a:t>
             </a:fld>
             <a:endParaRPr lang="en-US" dirty="0"/>
           </a:p>
@@ -4208,7 +4208,7 @@
   </p:txStyles>
   <p:extLst mod="1">
     <p:ext uri="{27BBF7A9-308A-43DC-89C8-2F10F3537804}">
-      <p15:sldGuideLst xmlns:p15="http://schemas.microsoft.com/office/powerpoint/2012/main" xmlns="">
+      <p15:sldGuideLst xmlns:p15="http://schemas.microsoft.com/office/powerpoint/2012/main">
         <p15:guide id="3" orient="horz" pos="1368">
           <p15:clr>
             <a:srgbClr val="F26B43"/>
@@ -4466,7 +4466,6 @@
                 <a:rPr lang="en-US" sz="1100" dirty="0"/>
                 <a:t> (1L, name: John Doe, 01/02/15 02:04:00)</a:t>
               </a:r>
-              <a:endParaRPr lang="en-US" sz="1100" dirty="0"/>
             </a:p>
           </p:txBody>
         </p:sp>
@@ -4643,7 +4642,6 @@
                 <a:rPr lang="en-US" sz="1100" dirty="0"/>
                 <a:t>(1L, affiliation: Drexel University, 01/03/15 11:00:00)</a:t>
               </a:r>
-              <a:endParaRPr lang="en-US" sz="1100" dirty="0"/>
             </a:p>
           </p:txBody>
         </p:sp>
@@ -4828,7 +4826,6 @@
                 <a:rPr lang="en-US" sz="1100" dirty="0"/>
                 <a:t>, 01/03/15 11:02:01)</a:t>
               </a:r>
-              <a:endParaRPr lang="en-US" sz="1100" dirty="0"/>
             </a:p>
           </p:txBody>
         </p:sp>
@@ -5036,34 +5033,6 @@
               </a:rPr>
               <a:t>S</a:t>
             </a:r>
-            <a:endParaRPr lang="en-US" sz="4500" b="1">
-              <a:ln w="12700">
-                <a:solidFill>
-                  <a:schemeClr val="tx2">
-                    <a:lumMod val="75000"/>
-                  </a:schemeClr>
-                </a:solidFill>
-                <a:prstDash val="solid"/>
-              </a:ln>
-              <a:pattFill prst="dkUpDiag">
-                <a:fgClr>
-                  <a:schemeClr val="tx2"/>
-                </a:fgClr>
-                <a:bgClr>
-                  <a:schemeClr val="tx2">
-                    <a:lumMod val="20000"/>
-                    <a:lumOff val="80000"/>
-                  </a:schemeClr>
-                </a:bgClr>
-              </a:pattFill>
-              <a:effectLst>
-                <a:outerShdw dist="38100" dir="2640000" algn="bl" rotWithShape="0">
-                  <a:schemeClr val="tx2">
-                    <a:lumMod val="75000"/>
-                  </a:schemeClr>
-                </a:outerShdw>
-              </a:effectLst>
-            </a:endParaRPr>
           </a:p>
         </p:txBody>
       </p:sp>
@@ -6019,34 +5988,6 @@
               </a:rPr>
               <a:t>V</a:t>
             </a:r>
-            <a:endParaRPr lang="en-US" sz="2700" b="1">
-              <a:ln w="12700">
-                <a:solidFill>
-                  <a:schemeClr val="tx2">
-                    <a:lumMod val="75000"/>
-                  </a:schemeClr>
-                </a:solidFill>
-                <a:prstDash val="solid"/>
-              </a:ln>
-              <a:pattFill prst="dkUpDiag">
-                <a:fgClr>
-                  <a:schemeClr val="tx2"/>
-                </a:fgClr>
-                <a:bgClr>
-                  <a:schemeClr val="tx2">
-                    <a:lumMod val="20000"/>
-                    <a:lumOff val="80000"/>
-                  </a:schemeClr>
-                </a:bgClr>
-              </a:pattFill>
-              <a:effectLst>
-                <a:outerShdw dist="38100" dir="2640000" algn="bl" rotWithShape="0">
-                  <a:schemeClr val="tx2">
-                    <a:lumMod val="75000"/>
-                  </a:schemeClr>
-                </a:outerShdw>
-              </a:effectLst>
-            </a:endParaRPr>
           </a:p>
         </p:txBody>
       </p:sp>
@@ -6195,308 +6136,1435 @@
       </p:grpSpPr>
       <p:grpSp>
         <p:nvGrpSpPr>
-          <p:cNvPr id="2" name="Group 1"/>
+          <p:cNvPr id="45" name="Group 44"/>
           <p:cNvGrpSpPr/>
           <p:nvPr/>
         </p:nvGrpSpPr>
         <p:grpSpPr>
           <a:xfrm>
-            <a:off x="6421441" y="642362"/>
-            <a:ext cx="3814428" cy="2445392"/>
-            <a:chOff x="6454993" y="615998"/>
-            <a:chExt cx="3814428" cy="2445392"/>
+            <a:off x="2075160" y="640951"/>
+            <a:ext cx="8299468" cy="3152275"/>
+            <a:chOff x="2075160" y="640951"/>
+            <a:chExt cx="8299468" cy="3152275"/>
           </a:xfrm>
         </p:grpSpPr>
-        <p:sp>
-          <p:nvSpPr>
-            <p:cNvPr id="3" name="TextBox 2"/>
-            <p:cNvSpPr txBox="1"/>
+        <p:grpSp>
+          <p:nvGrpSpPr>
+            <p:cNvPr id="2" name="Group 1"/>
+            <p:cNvGrpSpPr/>
             <p:nvPr/>
-          </p:nvSpPr>
+          </p:nvGrpSpPr>
+          <p:grpSpPr>
+            <a:xfrm>
+              <a:off x="6421441" y="642362"/>
+              <a:ext cx="3814428" cy="2445392"/>
+              <a:chOff x="6454993" y="615998"/>
+              <a:chExt cx="3814428" cy="2445392"/>
+            </a:xfrm>
+          </p:grpSpPr>
+          <p:sp>
+            <p:nvSpPr>
+              <p:cNvPr id="3" name="TextBox 2"/>
+              <p:cNvSpPr txBox="1"/>
+              <p:nvPr/>
+            </p:nvSpPr>
+            <p:spPr>
+              <a:xfrm>
+                <a:off x="6759549" y="1022508"/>
+                <a:ext cx="751406" cy="307777"/>
+              </a:xfrm>
+              <a:prstGeom prst="rect">
+                <a:avLst/>
+              </a:prstGeom>
+              <a:noFill/>
+            </p:spPr>
+            <p:txBody>
+              <a:bodyPr wrap="square" rtlCol="0">
+                <a:noAutofit/>
+              </a:bodyPr>
+              <a:lstStyle/>
+              <a:p>
+                <a:r>
+                  <a:rPr lang="en-US" dirty="0" smtClean="0"/>
+                  <a:t>v</a:t>
+                </a:r>
+                <a:r>
+                  <a:rPr lang="en-US" baseline="-25000" dirty="0" smtClean="0"/>
+                  <a:t>1</a:t>
+                </a:r>
+                <a:endParaRPr lang="en-US" baseline="-25000" dirty="0"/>
+              </a:p>
+            </p:txBody>
+          </p:sp>
+          <p:sp>
+            <p:nvSpPr>
+              <p:cNvPr id="4" name="TextBox 3"/>
+              <p:cNvSpPr txBox="1"/>
+              <p:nvPr/>
+            </p:nvSpPr>
+            <p:spPr>
+              <a:xfrm>
+                <a:off x="6756605" y="1461519"/>
+                <a:ext cx="751406" cy="307777"/>
+              </a:xfrm>
+              <a:prstGeom prst="rect">
+                <a:avLst/>
+              </a:prstGeom>
+              <a:noFill/>
+            </p:spPr>
+            <p:txBody>
+              <a:bodyPr wrap="square" rtlCol="0">
+                <a:noAutofit/>
+              </a:bodyPr>
+              <a:lstStyle/>
+              <a:p>
+                <a:r>
+                  <a:rPr lang="en-US" dirty="0"/>
+                  <a:t>v</a:t>
+                </a:r>
+                <a:r>
+                  <a:rPr lang="en-US" baseline="-25000" dirty="0" smtClean="0"/>
+                  <a:t>2</a:t>
+                </a:r>
+                <a:endParaRPr lang="en-US" baseline="-25000" dirty="0"/>
+              </a:p>
+            </p:txBody>
+          </p:sp>
+          <p:sp>
+            <p:nvSpPr>
+              <p:cNvPr id="5" name="TextBox 4"/>
+              <p:cNvSpPr txBox="1"/>
+              <p:nvPr/>
+            </p:nvSpPr>
+            <p:spPr>
+              <a:xfrm>
+                <a:off x="6765900" y="1879418"/>
+                <a:ext cx="751406" cy="307777"/>
+              </a:xfrm>
+              <a:prstGeom prst="rect">
+                <a:avLst/>
+              </a:prstGeom>
+              <a:noFill/>
+            </p:spPr>
+            <p:txBody>
+              <a:bodyPr wrap="square" rtlCol="0">
+                <a:noAutofit/>
+              </a:bodyPr>
+              <a:lstStyle/>
+              <a:p>
+                <a:r>
+                  <a:rPr lang="en-US" dirty="0"/>
+                  <a:t>v</a:t>
+                </a:r>
+                <a:r>
+                  <a:rPr lang="en-US" baseline="-25000" dirty="0" smtClean="0"/>
+                  <a:t>3</a:t>
+                </a:r>
+                <a:endParaRPr lang="en-US" baseline="-25000" dirty="0"/>
+              </a:p>
+            </p:txBody>
+          </p:sp>
+          <p:sp>
+            <p:nvSpPr>
+              <p:cNvPr id="6" name="TextBox 5"/>
+              <p:cNvSpPr txBox="1"/>
+              <p:nvPr/>
+            </p:nvSpPr>
+            <p:spPr>
+              <a:xfrm>
+                <a:off x="6454993" y="2693196"/>
+                <a:ext cx="751406" cy="307777"/>
+              </a:xfrm>
+              <a:prstGeom prst="rect">
+                <a:avLst/>
+              </a:prstGeom>
+              <a:noFill/>
+            </p:spPr>
+            <p:txBody>
+              <a:bodyPr wrap="square" rtlCol="0">
+                <a:noAutofit/>
+              </a:bodyPr>
+              <a:lstStyle/>
+              <a:p>
+                <a:r>
+                  <a:rPr lang="en-US" dirty="0" smtClean="0"/>
+                  <a:t>e(v</a:t>
+                </a:r>
+                <a:r>
+                  <a:rPr lang="en-US" baseline="-25000" dirty="0" smtClean="0"/>
+                  <a:t>2</a:t>
+                </a:r>
+                <a:r>
+                  <a:rPr lang="en-US" dirty="0" smtClean="0"/>
+                  <a:t>,v</a:t>
+                </a:r>
+                <a:r>
+                  <a:rPr lang="en-US" baseline="-25000" dirty="0" smtClean="0"/>
+                  <a:t>3</a:t>
+                </a:r>
+                <a:r>
+                  <a:rPr lang="en-US" dirty="0" smtClean="0"/>
+                  <a:t>)</a:t>
+                </a:r>
+                <a:endParaRPr lang="en-US" dirty="0"/>
+              </a:p>
+            </p:txBody>
+          </p:sp>
+          <p:cxnSp>
+            <p:nvCxnSpPr>
+              <p:cNvPr id="7" name="Straight Connector 6"/>
+              <p:cNvCxnSpPr/>
+              <p:nvPr/>
+            </p:nvCxnSpPr>
+            <p:spPr>
+              <a:xfrm flipH="1">
+                <a:off x="7157173" y="913581"/>
+                <a:ext cx="6510" cy="2061992"/>
+              </a:xfrm>
+              <a:prstGeom prst="line">
+                <a:avLst/>
+              </a:prstGeom>
+              <a:ln w="38100">
+                <a:prstDash val="lgDash"/>
+              </a:ln>
+            </p:spPr>
+            <p:style>
+              <a:lnRef idx="1">
+                <a:schemeClr val="accent1"/>
+              </a:lnRef>
+              <a:fillRef idx="0">
+                <a:schemeClr val="accent1"/>
+              </a:fillRef>
+              <a:effectRef idx="0">
+                <a:schemeClr val="accent1"/>
+              </a:effectRef>
+              <a:fontRef idx="minor">
+                <a:schemeClr val="tx1"/>
+              </a:fontRef>
+            </p:style>
+          </p:cxnSp>
+          <p:cxnSp>
+            <p:nvCxnSpPr>
+              <p:cNvPr id="8" name="Straight Connector 7"/>
+              <p:cNvCxnSpPr/>
+              <p:nvPr/>
+            </p:nvCxnSpPr>
+            <p:spPr>
+              <a:xfrm flipH="1">
+                <a:off x="9137544" y="913581"/>
+                <a:ext cx="37208" cy="2118120"/>
+              </a:xfrm>
+              <a:prstGeom prst="line">
+                <a:avLst/>
+              </a:prstGeom>
+              <a:ln w="38100">
+                <a:prstDash val="lgDash"/>
+              </a:ln>
+            </p:spPr>
+            <p:style>
+              <a:lnRef idx="1">
+                <a:schemeClr val="accent1"/>
+              </a:lnRef>
+              <a:fillRef idx="0">
+                <a:schemeClr val="accent1"/>
+              </a:fillRef>
+              <a:effectRef idx="0">
+                <a:schemeClr val="accent1"/>
+              </a:effectRef>
+              <a:fontRef idx="minor">
+                <a:schemeClr val="tx1"/>
+              </a:fontRef>
+            </p:style>
+          </p:cxnSp>
+          <p:cxnSp>
+            <p:nvCxnSpPr>
+              <p:cNvPr id="9" name="Straight Connector 8"/>
+              <p:cNvCxnSpPr/>
+              <p:nvPr/>
+            </p:nvCxnSpPr>
+            <p:spPr>
+              <a:xfrm flipH="1">
+                <a:off x="8547390" y="913581"/>
+                <a:ext cx="6510" cy="2118120"/>
+              </a:xfrm>
+              <a:prstGeom prst="line">
+                <a:avLst/>
+              </a:prstGeom>
+              <a:ln w="38100">
+                <a:prstDash val="lgDash"/>
+              </a:ln>
+            </p:spPr>
+            <p:style>
+              <a:lnRef idx="1">
+                <a:schemeClr val="accent1"/>
+              </a:lnRef>
+              <a:fillRef idx="0">
+                <a:schemeClr val="accent1"/>
+              </a:fillRef>
+              <a:effectRef idx="0">
+                <a:schemeClr val="accent1"/>
+              </a:effectRef>
+              <a:fontRef idx="minor">
+                <a:schemeClr val="tx1"/>
+              </a:fontRef>
+            </p:style>
+          </p:cxnSp>
+          <p:cxnSp>
+            <p:nvCxnSpPr>
+              <p:cNvPr id="10" name="Straight Connector 9"/>
+              <p:cNvCxnSpPr/>
+              <p:nvPr/>
+            </p:nvCxnSpPr>
+            <p:spPr>
+              <a:xfrm flipH="1">
+                <a:off x="9929561" y="913581"/>
+                <a:ext cx="14555" cy="2147809"/>
+              </a:xfrm>
+              <a:prstGeom prst="line">
+                <a:avLst/>
+              </a:prstGeom>
+              <a:ln w="38100">
+                <a:prstDash val="lgDash"/>
+              </a:ln>
+            </p:spPr>
+            <p:style>
+              <a:lnRef idx="1">
+                <a:schemeClr val="accent1"/>
+              </a:lnRef>
+              <a:fillRef idx="0">
+                <a:schemeClr val="accent1"/>
+              </a:fillRef>
+              <a:effectRef idx="0">
+                <a:schemeClr val="accent1"/>
+              </a:effectRef>
+              <a:fontRef idx="minor">
+                <a:schemeClr val="tx1"/>
+              </a:fontRef>
+            </p:style>
+          </p:cxnSp>
+          <p:sp>
+            <p:nvSpPr>
+              <p:cNvPr id="11" name="Rectangle 10"/>
+              <p:cNvSpPr/>
+              <p:nvPr/>
+            </p:nvSpPr>
+            <p:spPr>
+              <a:xfrm>
+                <a:off x="7186291" y="1043619"/>
+                <a:ext cx="1988461" cy="332654"/>
+              </a:xfrm>
+              <a:prstGeom prst="rect">
+                <a:avLst/>
+              </a:prstGeom>
+            </p:spPr>
+            <p:style>
+              <a:lnRef idx="2">
+                <a:schemeClr val="accent1">
+                  <a:shade val="50000"/>
+                </a:schemeClr>
+              </a:lnRef>
+              <a:fillRef idx="1">
+                <a:schemeClr val="accent1"/>
+              </a:fillRef>
+              <a:effectRef idx="0">
+                <a:schemeClr val="accent1"/>
+              </a:effectRef>
+              <a:fontRef idx="minor">
+                <a:schemeClr val="lt1"/>
+              </a:fontRef>
+            </p:style>
+            <p:txBody>
+              <a:bodyPr rtlCol="0" anchor="ctr">
+                <a:noAutofit/>
+              </a:bodyPr>
+              <a:lstStyle/>
+              <a:p>
+                <a:pPr algn="ctr"/>
+                <a:r>
+                  <a:rPr lang="en-US" sz="1200" dirty="0" smtClean="0"/>
+                  <a:t>(Alice</a:t>
+                </a:r>
+                <a:r>
+                  <a:rPr lang="en-US" sz="1200" dirty="0"/>
+                  <a:t>, </a:t>
+                </a:r>
+                <a:r>
+                  <a:rPr lang="en-US" sz="1200" dirty="0" smtClean="0"/>
+                  <a:t>Drexel)</a:t>
+                </a:r>
+                <a:endParaRPr lang="en-US" sz="1200" dirty="0"/>
+              </a:p>
+            </p:txBody>
+          </p:sp>
+          <p:sp>
+            <p:nvSpPr>
+              <p:cNvPr id="12" name="Rectangle 11"/>
+              <p:cNvSpPr/>
+              <p:nvPr/>
+            </p:nvSpPr>
+            <p:spPr>
+              <a:xfrm>
+                <a:off x="7162477" y="1884500"/>
+                <a:ext cx="2804158" cy="282713"/>
+              </a:xfrm>
+              <a:prstGeom prst="rect">
+                <a:avLst/>
+              </a:prstGeom>
+            </p:spPr>
+            <p:style>
+              <a:lnRef idx="2">
+                <a:schemeClr val="accent1">
+                  <a:shade val="50000"/>
+                </a:schemeClr>
+              </a:lnRef>
+              <a:fillRef idx="1">
+                <a:schemeClr val="accent1"/>
+              </a:fillRef>
+              <a:effectRef idx="0">
+                <a:schemeClr val="accent1"/>
+              </a:effectRef>
+              <a:fontRef idx="minor">
+                <a:schemeClr val="lt1"/>
+              </a:fontRef>
+            </p:style>
+            <p:txBody>
+              <a:bodyPr rtlCol="0" anchor="ctr">
+                <a:noAutofit/>
+              </a:bodyPr>
+              <a:lstStyle/>
+              <a:p>
+                <a:pPr algn="ctr"/>
+                <a:r>
+                  <a:rPr lang="en-US" sz="1200" dirty="0" smtClean="0"/>
+                  <a:t>(Cathy, Drexel)</a:t>
+                </a:r>
+                <a:endParaRPr lang="en-US" sz="1200" dirty="0"/>
+              </a:p>
+            </p:txBody>
+          </p:sp>
+          <p:sp>
+            <p:nvSpPr>
+              <p:cNvPr id="13" name="Rectangle 12"/>
+              <p:cNvSpPr/>
+              <p:nvPr/>
+            </p:nvSpPr>
+            <p:spPr>
+              <a:xfrm flipH="1">
+                <a:off x="8583318" y="1449613"/>
+                <a:ext cx="1378099" cy="287795"/>
+              </a:xfrm>
+              <a:prstGeom prst="rect">
+                <a:avLst/>
+              </a:prstGeom>
+            </p:spPr>
+            <p:style>
+              <a:lnRef idx="2">
+                <a:schemeClr val="accent1">
+                  <a:shade val="50000"/>
+                </a:schemeClr>
+              </a:lnRef>
+              <a:fillRef idx="1">
+                <a:schemeClr val="accent1"/>
+              </a:fillRef>
+              <a:effectRef idx="0">
+                <a:schemeClr val="accent1"/>
+              </a:effectRef>
+              <a:fontRef idx="minor">
+                <a:schemeClr val="lt1"/>
+              </a:fontRef>
+            </p:style>
+            <p:txBody>
+              <a:bodyPr lIns="0" rIns="0" rtlCol="0" anchor="ctr">
+                <a:noAutofit/>
+              </a:bodyPr>
+              <a:lstStyle/>
+              <a:p>
+                <a:pPr algn="ctr"/>
+                <a:r>
+                  <a:rPr lang="en-US" sz="1200" dirty="0" smtClean="0"/>
+                  <a:t>(Bob</a:t>
+                </a:r>
+                <a:r>
+                  <a:rPr lang="en-US" sz="1200" dirty="0"/>
+                  <a:t>, </a:t>
+                </a:r>
+                <a:r>
+                  <a:rPr lang="en-US" sz="1200" dirty="0" smtClean="0"/>
+                  <a:t>CMU)</a:t>
+                </a:r>
+                <a:endParaRPr lang="en-US" sz="1200" dirty="0"/>
+              </a:p>
+            </p:txBody>
+          </p:sp>
+          <p:sp>
+            <p:nvSpPr>
+              <p:cNvPr id="14" name="Rectangle 13"/>
+              <p:cNvSpPr/>
+              <p:nvPr/>
+            </p:nvSpPr>
+            <p:spPr>
+              <a:xfrm>
+                <a:off x="9166779" y="2625286"/>
+                <a:ext cx="783980" cy="282713"/>
+              </a:xfrm>
+              <a:prstGeom prst="rect">
+                <a:avLst/>
+              </a:prstGeom>
+            </p:spPr>
+            <p:style>
+              <a:lnRef idx="2">
+                <a:schemeClr val="accent1">
+                  <a:shade val="50000"/>
+                </a:schemeClr>
+              </a:lnRef>
+              <a:fillRef idx="1">
+                <a:schemeClr val="accent1"/>
+              </a:fillRef>
+              <a:effectRef idx="0">
+                <a:schemeClr val="accent1"/>
+              </a:effectRef>
+              <a:fontRef idx="minor">
+                <a:schemeClr val="lt1"/>
+              </a:fontRef>
+            </p:style>
+            <p:txBody>
+              <a:bodyPr rtlCol="0" anchor="ctr">
+                <a:noAutofit/>
+              </a:bodyPr>
+              <a:lstStyle/>
+              <a:p>
+                <a:pPr algn="ctr"/>
+                <a:r>
+                  <a:rPr lang="en-US" sz="1200" dirty="0" smtClean="0"/>
+                  <a:t>(4)</a:t>
+                </a:r>
+                <a:endParaRPr lang="en-US" sz="1200" dirty="0"/>
+              </a:p>
+            </p:txBody>
+          </p:sp>
+          <p:sp>
+            <p:nvSpPr>
+              <p:cNvPr id="15" name="Rectangle 14"/>
+              <p:cNvSpPr/>
+              <p:nvPr/>
+            </p:nvSpPr>
+            <p:spPr>
+              <a:xfrm>
+                <a:off x="6906079" y="615998"/>
+                <a:ext cx="510396" cy="269304"/>
+              </a:xfrm>
+              <a:prstGeom prst="rect">
+                <a:avLst/>
+              </a:prstGeom>
+            </p:spPr>
+            <p:txBody>
+              <a:bodyPr wrap="none" lIns="68580" tIns="34290" rIns="68580" bIns="34290">
+                <a:noAutofit/>
+              </a:bodyPr>
+              <a:lstStyle/>
+              <a:p>
+                <a:r>
+                  <a:rPr lang="en-US" sz="1300" dirty="0"/>
+                  <a:t>1/15</a:t>
+                </a:r>
+              </a:p>
+            </p:txBody>
+          </p:sp>
+          <p:sp>
+            <p:nvSpPr>
+              <p:cNvPr id="16" name="Rectangle 15"/>
+              <p:cNvSpPr/>
+              <p:nvPr/>
+            </p:nvSpPr>
+            <p:spPr>
+              <a:xfrm>
+                <a:off x="8182374" y="615998"/>
+                <a:ext cx="510396" cy="269304"/>
+              </a:xfrm>
+              <a:prstGeom prst="rect">
+                <a:avLst/>
+              </a:prstGeom>
+            </p:spPr>
+            <p:txBody>
+              <a:bodyPr wrap="none" lIns="68580" tIns="34290" rIns="68580" bIns="34290">
+                <a:noAutofit/>
+              </a:bodyPr>
+              <a:lstStyle/>
+              <a:p>
+                <a:r>
+                  <a:rPr lang="en-US" sz="1300" dirty="0"/>
+                  <a:t>5/15</a:t>
+                </a:r>
+              </a:p>
+            </p:txBody>
+          </p:sp>
+          <p:sp>
+            <p:nvSpPr>
+              <p:cNvPr id="17" name="Rectangle 16"/>
+              <p:cNvSpPr/>
+              <p:nvPr/>
+            </p:nvSpPr>
+            <p:spPr>
+              <a:xfrm>
+                <a:off x="9052454" y="615998"/>
+                <a:ext cx="510396" cy="269304"/>
+              </a:xfrm>
+              <a:prstGeom prst="rect">
+                <a:avLst/>
+              </a:prstGeom>
+            </p:spPr>
+            <p:txBody>
+              <a:bodyPr wrap="none" lIns="68580" tIns="34290" rIns="68580" bIns="34290">
+                <a:noAutofit/>
+              </a:bodyPr>
+              <a:lstStyle/>
+              <a:p>
+                <a:r>
+                  <a:rPr lang="en-US" sz="1300" dirty="0"/>
+                  <a:t>7/15</a:t>
+                </a:r>
+              </a:p>
+            </p:txBody>
+          </p:sp>
+          <p:sp>
+            <p:nvSpPr>
+              <p:cNvPr id="18" name="Rectangle 17"/>
+              <p:cNvSpPr/>
+              <p:nvPr/>
+            </p:nvSpPr>
+            <p:spPr>
+              <a:xfrm>
+                <a:off x="9669257" y="615998"/>
+                <a:ext cx="600164" cy="269304"/>
+              </a:xfrm>
+              <a:prstGeom prst="rect">
+                <a:avLst/>
+              </a:prstGeom>
+            </p:spPr>
+            <p:txBody>
+              <a:bodyPr wrap="none" lIns="68580" tIns="34290" rIns="68580" bIns="34290">
+                <a:noAutofit/>
+              </a:bodyPr>
+              <a:lstStyle/>
+              <a:p>
+                <a:r>
+                  <a:rPr lang="en-US" sz="1300" dirty="0" smtClean="0"/>
+                  <a:t>10/</a:t>
+                </a:r>
+                <a:r>
+                  <a:rPr lang="en-US" sz="1300" dirty="0"/>
+                  <a:t>15</a:t>
+                </a:r>
+              </a:p>
+            </p:txBody>
+          </p:sp>
+        </p:grpSp>
+        <p:pic>
+          <p:nvPicPr>
+            <p:cNvPr id="19" name="Picture 18"/>
+            <p:cNvPicPr>
+              <a:picLocks noChangeAspect="1"/>
+            </p:cNvPicPr>
+            <p:nvPr/>
+          </p:nvPicPr>
+          <p:blipFill>
+            <a:blip r:embed="rId2"/>
+            <a:stretch>
+              <a:fillRect/>
+            </a:stretch>
+          </p:blipFill>
           <p:spPr>
             <a:xfrm>
-              <a:off x="6759549" y="1022508"/>
-              <a:ext cx="751406" cy="307777"/>
+              <a:off x="6448340" y="3045009"/>
+              <a:ext cx="3926288" cy="354919"/>
             </a:xfrm>
             <a:prstGeom prst="rect">
               <a:avLst/>
             </a:prstGeom>
-            <a:noFill/>
           </p:spPr>
-          <p:txBody>
-            <a:bodyPr wrap="square" rtlCol="0">
-              <a:spAutoFit/>
-            </a:bodyPr>
-            <a:lstStyle/>
-            <a:p>
-              <a:r>
-                <a:rPr lang="en-US" dirty="0" smtClean="0"/>
-                <a:t>v</a:t>
-              </a:r>
-              <a:r>
-                <a:rPr lang="en-US" baseline="-25000" dirty="0" smtClean="0"/>
-                <a:t>1</a:t>
-              </a:r>
-              <a:endParaRPr lang="en-US" baseline="-25000" dirty="0"/>
-            </a:p>
-          </p:txBody>
-        </p:sp>
-        <p:sp>
-          <p:nvSpPr>
-            <p:cNvPr id="4" name="TextBox 3"/>
-            <p:cNvSpPr txBox="1"/>
+        </p:pic>
+        <p:grpSp>
+          <p:nvGrpSpPr>
+            <p:cNvPr id="20" name="Group 19"/>
+            <p:cNvGrpSpPr/>
             <p:nvPr/>
-          </p:nvSpPr>
+          </p:nvGrpSpPr>
+          <p:grpSpPr>
+            <a:xfrm>
+              <a:off x="2075160" y="640951"/>
+              <a:ext cx="4020803" cy="2369959"/>
+              <a:chOff x="4162207" y="381594"/>
+              <a:chExt cx="4020803" cy="2369959"/>
+            </a:xfrm>
+          </p:grpSpPr>
+          <p:cxnSp>
+            <p:nvCxnSpPr>
+              <p:cNvPr id="21" name="Straight Connector 20"/>
+              <p:cNvCxnSpPr>
+                <a:stCxn id="38" idx="2"/>
+              </p:cNvCxnSpPr>
+              <p:nvPr/>
+            </p:nvCxnSpPr>
+            <p:spPr>
+              <a:xfrm>
+                <a:off x="5953781" y="660423"/>
+                <a:ext cx="0" cy="2068905"/>
+              </a:xfrm>
+              <a:prstGeom prst="line">
+                <a:avLst/>
+              </a:prstGeom>
+              <a:ln w="38100">
+                <a:prstDash val="lgDash"/>
+              </a:ln>
+            </p:spPr>
+            <p:style>
+              <a:lnRef idx="1">
+                <a:schemeClr val="accent1"/>
+              </a:lnRef>
+              <a:fillRef idx="0">
+                <a:schemeClr val="accent1"/>
+              </a:fillRef>
+              <a:effectRef idx="0">
+                <a:schemeClr val="accent1"/>
+              </a:effectRef>
+              <a:fontRef idx="minor">
+                <a:schemeClr val="tx1"/>
+              </a:fontRef>
+            </p:style>
+          </p:cxnSp>
+          <p:sp>
+            <p:nvSpPr>
+              <p:cNvPr id="22" name="TextBox 21"/>
+              <p:cNvSpPr txBox="1"/>
+              <p:nvPr/>
+            </p:nvSpPr>
+            <p:spPr>
+              <a:xfrm>
+                <a:off x="4466763" y="740479"/>
+                <a:ext cx="751406" cy="307777"/>
+              </a:xfrm>
+              <a:prstGeom prst="rect">
+                <a:avLst/>
+              </a:prstGeom>
+              <a:noFill/>
+            </p:spPr>
+            <p:txBody>
+              <a:bodyPr wrap="square" rtlCol="0">
+                <a:noAutofit/>
+              </a:bodyPr>
+              <a:lstStyle/>
+              <a:p>
+                <a:r>
+                  <a:rPr lang="en-US" dirty="0" smtClean="0"/>
+                  <a:t>v</a:t>
+                </a:r>
+                <a:r>
+                  <a:rPr lang="en-US" baseline="-25000" dirty="0" smtClean="0"/>
+                  <a:t>1</a:t>
+                </a:r>
+                <a:endParaRPr lang="en-US" baseline="-25000" dirty="0"/>
+              </a:p>
+            </p:txBody>
+          </p:sp>
+          <p:sp>
+            <p:nvSpPr>
+              <p:cNvPr id="23" name="TextBox 22"/>
+              <p:cNvSpPr txBox="1"/>
+              <p:nvPr/>
+            </p:nvSpPr>
+            <p:spPr>
+              <a:xfrm>
+                <a:off x="4463819" y="1179489"/>
+                <a:ext cx="751406" cy="307777"/>
+              </a:xfrm>
+              <a:prstGeom prst="rect">
+                <a:avLst/>
+              </a:prstGeom>
+              <a:noFill/>
+            </p:spPr>
+            <p:txBody>
+              <a:bodyPr wrap="square" rtlCol="0">
+                <a:noAutofit/>
+              </a:bodyPr>
+              <a:lstStyle/>
+              <a:p>
+                <a:r>
+                  <a:rPr lang="en-US" dirty="0"/>
+                  <a:t>v</a:t>
+                </a:r>
+                <a:r>
+                  <a:rPr lang="en-US" baseline="-25000" dirty="0" smtClean="0"/>
+                  <a:t>2</a:t>
+                </a:r>
+                <a:endParaRPr lang="en-US" baseline="-25000" dirty="0"/>
+              </a:p>
+            </p:txBody>
+          </p:sp>
+          <p:sp>
+            <p:nvSpPr>
+              <p:cNvPr id="24" name="TextBox 23"/>
+              <p:cNvSpPr txBox="1"/>
+              <p:nvPr/>
+            </p:nvSpPr>
+            <p:spPr>
+              <a:xfrm>
+                <a:off x="4473114" y="1597388"/>
+                <a:ext cx="751406" cy="307777"/>
+              </a:xfrm>
+              <a:prstGeom prst="rect">
+                <a:avLst/>
+              </a:prstGeom>
+              <a:noFill/>
+            </p:spPr>
+            <p:txBody>
+              <a:bodyPr wrap="square" rtlCol="0">
+                <a:noAutofit/>
+              </a:bodyPr>
+              <a:lstStyle/>
+              <a:p>
+                <a:r>
+                  <a:rPr lang="en-US" dirty="0"/>
+                  <a:t>v</a:t>
+                </a:r>
+                <a:r>
+                  <a:rPr lang="en-US" baseline="-25000" dirty="0" smtClean="0"/>
+                  <a:t>3</a:t>
+                </a:r>
+                <a:endParaRPr lang="en-US" baseline="-25000" dirty="0"/>
+              </a:p>
+            </p:txBody>
+          </p:sp>
+          <p:sp>
+            <p:nvSpPr>
+              <p:cNvPr id="25" name="TextBox 24"/>
+              <p:cNvSpPr txBox="1"/>
+              <p:nvPr/>
+            </p:nvSpPr>
+            <p:spPr>
+              <a:xfrm>
+                <a:off x="4176247" y="2030259"/>
+                <a:ext cx="751406" cy="307777"/>
+              </a:xfrm>
+              <a:prstGeom prst="rect">
+                <a:avLst/>
+              </a:prstGeom>
+              <a:noFill/>
+            </p:spPr>
+            <p:txBody>
+              <a:bodyPr wrap="square" rtlCol="0">
+                <a:noAutofit/>
+              </a:bodyPr>
+              <a:lstStyle/>
+              <a:p>
+                <a:r>
+                  <a:rPr lang="en-US" dirty="0" smtClean="0"/>
+                  <a:t>e(v</a:t>
+                </a:r>
+                <a:r>
+                  <a:rPr lang="en-US" baseline="-25000" dirty="0" smtClean="0"/>
+                  <a:t>1</a:t>
+                </a:r>
+                <a:r>
+                  <a:rPr lang="en-US" dirty="0" smtClean="0"/>
+                  <a:t>,v</a:t>
+                </a:r>
+                <a:r>
+                  <a:rPr lang="en-US" baseline="-25000" dirty="0" smtClean="0"/>
+                  <a:t>2</a:t>
+                </a:r>
+                <a:r>
+                  <a:rPr lang="en-US" dirty="0" smtClean="0"/>
+                  <a:t>)</a:t>
+                </a:r>
+                <a:endParaRPr lang="en-US" dirty="0"/>
+              </a:p>
+            </p:txBody>
+          </p:sp>
+          <p:sp>
+            <p:nvSpPr>
+              <p:cNvPr id="26" name="TextBox 25"/>
+              <p:cNvSpPr txBox="1"/>
+              <p:nvPr/>
+            </p:nvSpPr>
+            <p:spPr>
+              <a:xfrm>
+                <a:off x="4162207" y="2411166"/>
+                <a:ext cx="751406" cy="307777"/>
+              </a:xfrm>
+              <a:prstGeom prst="rect">
+                <a:avLst/>
+              </a:prstGeom>
+              <a:noFill/>
+            </p:spPr>
+            <p:txBody>
+              <a:bodyPr wrap="square" rtlCol="0">
+                <a:noAutofit/>
+              </a:bodyPr>
+              <a:lstStyle/>
+              <a:p>
+                <a:r>
+                  <a:rPr lang="en-US" dirty="0" smtClean="0"/>
+                  <a:t>e(v</a:t>
+                </a:r>
+                <a:r>
+                  <a:rPr lang="en-US" baseline="-25000" dirty="0" smtClean="0"/>
+                  <a:t>2</a:t>
+                </a:r>
+                <a:r>
+                  <a:rPr lang="en-US" dirty="0" smtClean="0"/>
+                  <a:t>,v</a:t>
+                </a:r>
+                <a:r>
+                  <a:rPr lang="en-US" baseline="-25000" dirty="0" smtClean="0"/>
+                  <a:t>3</a:t>
+                </a:r>
+                <a:r>
+                  <a:rPr lang="en-US" dirty="0" smtClean="0"/>
+                  <a:t>)</a:t>
+                </a:r>
+                <a:endParaRPr lang="en-US" dirty="0"/>
+              </a:p>
+            </p:txBody>
+          </p:sp>
+          <p:cxnSp>
+            <p:nvCxnSpPr>
+              <p:cNvPr id="27" name="Straight Connector 26"/>
+              <p:cNvCxnSpPr>
+                <a:stCxn id="35" idx="2"/>
+              </p:cNvCxnSpPr>
+              <p:nvPr/>
+            </p:nvCxnSpPr>
+            <p:spPr>
+              <a:xfrm flipH="1">
+                <a:off x="4864387" y="650898"/>
+                <a:ext cx="4104" cy="2100655"/>
+              </a:xfrm>
+              <a:prstGeom prst="line">
+                <a:avLst/>
+              </a:prstGeom>
+              <a:ln w="38100">
+                <a:prstDash val="lgDash"/>
+              </a:ln>
+            </p:spPr>
+            <p:style>
+              <a:lnRef idx="1">
+                <a:schemeClr val="accent1"/>
+              </a:lnRef>
+              <a:fillRef idx="0">
+                <a:schemeClr val="accent1"/>
+              </a:fillRef>
+              <a:effectRef idx="0">
+                <a:schemeClr val="accent1"/>
+              </a:effectRef>
+              <a:fontRef idx="minor">
+                <a:schemeClr val="tx1"/>
+              </a:fontRef>
+            </p:style>
+          </p:cxnSp>
+          <p:cxnSp>
+            <p:nvCxnSpPr>
+              <p:cNvPr id="28" name="Straight Connector 27"/>
+              <p:cNvCxnSpPr>
+                <a:stCxn id="36" idx="2"/>
+              </p:cNvCxnSpPr>
+              <p:nvPr/>
+            </p:nvCxnSpPr>
+            <p:spPr>
+              <a:xfrm>
+                <a:off x="6840241" y="650898"/>
+                <a:ext cx="0" cy="2100655"/>
+              </a:xfrm>
+              <a:prstGeom prst="line">
+                <a:avLst/>
+              </a:prstGeom>
+              <a:ln w="38100">
+                <a:prstDash val="lgDash"/>
+              </a:ln>
+            </p:spPr>
+            <p:style>
+              <a:lnRef idx="1">
+                <a:schemeClr val="accent1"/>
+              </a:lnRef>
+              <a:fillRef idx="0">
+                <a:schemeClr val="accent1"/>
+              </a:fillRef>
+              <a:effectRef idx="0">
+                <a:schemeClr val="accent1"/>
+              </a:effectRef>
+              <a:fontRef idx="minor">
+                <a:schemeClr val="tx1"/>
+              </a:fontRef>
+            </p:style>
+          </p:cxnSp>
+          <p:cxnSp>
+            <p:nvCxnSpPr>
+              <p:cNvPr id="29" name="Straight Connector 28"/>
+              <p:cNvCxnSpPr/>
+              <p:nvPr/>
+            </p:nvCxnSpPr>
+            <p:spPr>
+              <a:xfrm>
+                <a:off x="7859045" y="650898"/>
+                <a:ext cx="13151" cy="2100655"/>
+              </a:xfrm>
+              <a:prstGeom prst="line">
+                <a:avLst/>
+              </a:prstGeom>
+              <a:ln w="38100">
+                <a:prstDash val="lgDash"/>
+              </a:ln>
+            </p:spPr>
+            <p:style>
+              <a:lnRef idx="1">
+                <a:schemeClr val="accent1"/>
+              </a:lnRef>
+              <a:fillRef idx="0">
+                <a:schemeClr val="accent1"/>
+              </a:fillRef>
+              <a:effectRef idx="0">
+                <a:schemeClr val="accent1"/>
+              </a:effectRef>
+              <a:fontRef idx="minor">
+                <a:schemeClr val="tx1"/>
+              </a:fontRef>
+            </p:style>
+          </p:cxnSp>
+          <p:sp>
+            <p:nvSpPr>
+              <p:cNvPr id="30" name="Rectangle 29"/>
+              <p:cNvSpPr/>
+              <p:nvPr/>
+            </p:nvSpPr>
+            <p:spPr>
+              <a:xfrm>
+                <a:off x="4877463" y="761589"/>
+                <a:ext cx="1951253" cy="282713"/>
+              </a:xfrm>
+              <a:prstGeom prst="rect">
+                <a:avLst/>
+              </a:prstGeom>
+            </p:spPr>
+            <p:style>
+              <a:lnRef idx="2">
+                <a:schemeClr val="accent1">
+                  <a:shade val="50000"/>
+                </a:schemeClr>
+              </a:lnRef>
+              <a:fillRef idx="1">
+                <a:schemeClr val="accent1"/>
+              </a:fillRef>
+              <a:effectRef idx="0">
+                <a:schemeClr val="accent1"/>
+              </a:effectRef>
+              <a:fontRef idx="minor">
+                <a:schemeClr val="lt1"/>
+              </a:fontRef>
+            </p:style>
+            <p:txBody>
+              <a:bodyPr rtlCol="0" anchor="ctr">
+                <a:noAutofit/>
+              </a:bodyPr>
+              <a:lstStyle/>
+              <a:p>
+                <a:pPr algn="ctr"/>
+                <a:r>
+                  <a:rPr lang="en-US" sz="1200" dirty="0" smtClean="0"/>
+                  <a:t>(Alice</a:t>
+                </a:r>
+                <a:r>
+                  <a:rPr lang="en-US" sz="1200" dirty="0"/>
+                  <a:t>, </a:t>
+                </a:r>
+                <a:r>
+                  <a:rPr lang="en-US" sz="1200" dirty="0" smtClean="0"/>
+                  <a:t>Drexel)</a:t>
+                </a:r>
+                <a:endParaRPr lang="en-US" sz="1200" dirty="0"/>
+              </a:p>
+            </p:txBody>
+          </p:sp>
+          <p:sp>
+            <p:nvSpPr>
+              <p:cNvPr id="31" name="Rectangle 30"/>
+              <p:cNvSpPr/>
+              <p:nvPr/>
+            </p:nvSpPr>
+            <p:spPr>
+              <a:xfrm>
+                <a:off x="4869691" y="1602470"/>
+                <a:ext cx="2989354" cy="271717"/>
+              </a:xfrm>
+              <a:prstGeom prst="rect">
+                <a:avLst/>
+              </a:prstGeom>
+            </p:spPr>
+            <p:style>
+              <a:lnRef idx="2">
+                <a:schemeClr val="accent1">
+                  <a:shade val="50000"/>
+                </a:schemeClr>
+              </a:lnRef>
+              <a:fillRef idx="1">
+                <a:schemeClr val="accent1"/>
+              </a:fillRef>
+              <a:effectRef idx="0">
+                <a:schemeClr val="accent1"/>
+              </a:effectRef>
+              <a:fontRef idx="minor">
+                <a:schemeClr val="lt1"/>
+              </a:fontRef>
+            </p:style>
+            <p:txBody>
+              <a:bodyPr rtlCol="0" anchor="ctr">
+                <a:noAutofit/>
+              </a:bodyPr>
+              <a:lstStyle/>
+              <a:p>
+                <a:pPr algn="ctr"/>
+                <a:r>
+                  <a:rPr lang="en-US" sz="1200" dirty="0" smtClean="0"/>
+                  <a:t>(Cathy, Drexel)</a:t>
+                </a:r>
+                <a:endParaRPr lang="en-US" sz="1200" dirty="0"/>
+              </a:p>
+            </p:txBody>
+          </p:sp>
+          <p:sp>
+            <p:nvSpPr>
+              <p:cNvPr id="32" name="Rectangle 31"/>
+              <p:cNvSpPr/>
+              <p:nvPr/>
+            </p:nvSpPr>
+            <p:spPr>
+              <a:xfrm flipH="1">
+                <a:off x="5958523" y="1179489"/>
+                <a:ext cx="881717" cy="307777"/>
+              </a:xfrm>
+              <a:prstGeom prst="rect">
+                <a:avLst/>
+              </a:prstGeom>
+            </p:spPr>
+            <p:style>
+              <a:lnRef idx="2">
+                <a:schemeClr val="accent1">
+                  <a:shade val="50000"/>
+                </a:schemeClr>
+              </a:lnRef>
+              <a:fillRef idx="1">
+                <a:schemeClr val="accent1"/>
+              </a:fillRef>
+              <a:effectRef idx="0">
+                <a:schemeClr val="accent1"/>
+              </a:effectRef>
+              <a:fontRef idx="minor">
+                <a:schemeClr val="lt1"/>
+              </a:fontRef>
+            </p:style>
+            <p:txBody>
+              <a:bodyPr lIns="0" rIns="0" rtlCol="0" anchor="ctr">
+                <a:noAutofit/>
+              </a:bodyPr>
+              <a:lstStyle/>
+              <a:p>
+                <a:pPr algn="ctr"/>
+                <a:r>
+                  <a:rPr lang="en-US" sz="1200" dirty="0" smtClean="0"/>
+                  <a:t>(Bob, Penn)</a:t>
+                </a:r>
+                <a:endParaRPr lang="en-US" sz="1200" dirty="0"/>
+              </a:p>
+            </p:txBody>
+          </p:sp>
+          <p:sp>
+            <p:nvSpPr>
+              <p:cNvPr id="33" name="Rectangle 32"/>
+              <p:cNvSpPr/>
+              <p:nvPr/>
+            </p:nvSpPr>
+            <p:spPr>
+              <a:xfrm>
+                <a:off x="5958526" y="2004858"/>
+                <a:ext cx="886232" cy="278088"/>
+              </a:xfrm>
+              <a:prstGeom prst="rect">
+                <a:avLst/>
+              </a:prstGeom>
+            </p:spPr>
+            <p:style>
+              <a:lnRef idx="2">
+                <a:schemeClr val="accent1">
+                  <a:shade val="50000"/>
+                </a:schemeClr>
+              </a:lnRef>
+              <a:fillRef idx="1">
+                <a:schemeClr val="accent1"/>
+              </a:fillRef>
+              <a:effectRef idx="0">
+                <a:schemeClr val="accent1"/>
+              </a:effectRef>
+              <a:fontRef idx="minor">
+                <a:schemeClr val="lt1"/>
+              </a:fontRef>
+            </p:style>
+            <p:txBody>
+              <a:bodyPr rtlCol="0" anchor="ctr">
+                <a:noAutofit/>
+              </a:bodyPr>
+              <a:lstStyle/>
+              <a:p>
+                <a:pPr algn="ctr"/>
+                <a:r>
+                  <a:rPr lang="en-US" sz="1200" dirty="0" smtClean="0"/>
+                  <a:t>(3)</a:t>
+                </a:r>
+                <a:endParaRPr lang="en-US" sz="1200" dirty="0"/>
+              </a:p>
+            </p:txBody>
+          </p:sp>
+          <p:sp>
+            <p:nvSpPr>
+              <p:cNvPr id="34" name="Rectangle 33"/>
+              <p:cNvSpPr/>
+              <p:nvPr/>
+            </p:nvSpPr>
+            <p:spPr>
+              <a:xfrm>
+                <a:off x="6841742" y="2359132"/>
+                <a:ext cx="1005780" cy="315874"/>
+              </a:xfrm>
+              <a:prstGeom prst="rect">
+                <a:avLst/>
+              </a:prstGeom>
+            </p:spPr>
+            <p:style>
+              <a:lnRef idx="2">
+                <a:schemeClr val="accent1">
+                  <a:shade val="50000"/>
+                </a:schemeClr>
+              </a:lnRef>
+              <a:fillRef idx="1">
+                <a:schemeClr val="accent1"/>
+              </a:fillRef>
+              <a:effectRef idx="0">
+                <a:schemeClr val="accent1"/>
+              </a:effectRef>
+              <a:fontRef idx="minor">
+                <a:schemeClr val="lt1"/>
+              </a:fontRef>
+            </p:style>
+            <p:txBody>
+              <a:bodyPr rtlCol="0" anchor="ctr">
+                <a:noAutofit/>
+              </a:bodyPr>
+              <a:lstStyle/>
+              <a:p>
+                <a:pPr algn="ctr"/>
+                <a:r>
+                  <a:rPr lang="en-US" sz="1200" dirty="0" smtClean="0"/>
+                  <a:t>(4)</a:t>
+                </a:r>
+                <a:endParaRPr lang="en-US" sz="1200" dirty="0"/>
+              </a:p>
+            </p:txBody>
+          </p:sp>
+          <p:sp>
+            <p:nvSpPr>
+              <p:cNvPr id="35" name="Rectangle 34"/>
+              <p:cNvSpPr/>
+              <p:nvPr/>
+            </p:nvSpPr>
+            <p:spPr>
+              <a:xfrm>
+                <a:off x="4613293" y="381594"/>
+                <a:ext cx="510396" cy="269304"/>
+              </a:xfrm>
+              <a:prstGeom prst="rect">
+                <a:avLst/>
+              </a:prstGeom>
+            </p:spPr>
+            <p:txBody>
+              <a:bodyPr wrap="none" lIns="68580" tIns="34290" rIns="68580" bIns="34290">
+                <a:noAutofit/>
+              </a:bodyPr>
+              <a:lstStyle/>
+              <a:p>
+                <a:r>
+                  <a:rPr lang="en-US" sz="1300" dirty="0"/>
+                  <a:t>1/15</a:t>
+                </a:r>
+              </a:p>
+            </p:txBody>
+          </p:sp>
+          <p:sp>
+            <p:nvSpPr>
+              <p:cNvPr id="36" name="Rectangle 35"/>
+              <p:cNvSpPr/>
+              <p:nvPr/>
+            </p:nvSpPr>
+            <p:spPr>
+              <a:xfrm>
+                <a:off x="6585043" y="381594"/>
+                <a:ext cx="510396" cy="269304"/>
+              </a:xfrm>
+              <a:prstGeom prst="rect">
+                <a:avLst/>
+              </a:prstGeom>
+            </p:spPr>
+            <p:txBody>
+              <a:bodyPr wrap="none" lIns="68580" tIns="34290" rIns="68580" bIns="34290">
+                <a:noAutofit/>
+              </a:bodyPr>
+              <a:lstStyle/>
+              <a:p>
+                <a:r>
+                  <a:rPr lang="en-US" sz="1300" dirty="0"/>
+                  <a:t>7/15</a:t>
+                </a:r>
+              </a:p>
+            </p:txBody>
+          </p:sp>
+          <p:sp>
+            <p:nvSpPr>
+              <p:cNvPr id="37" name="Rectangle 36"/>
+              <p:cNvSpPr/>
+              <p:nvPr/>
+            </p:nvSpPr>
+            <p:spPr>
+              <a:xfrm>
+                <a:off x="7582846" y="381594"/>
+                <a:ext cx="600164" cy="269304"/>
+              </a:xfrm>
+              <a:prstGeom prst="rect">
+                <a:avLst/>
+              </a:prstGeom>
+            </p:spPr>
+            <p:txBody>
+              <a:bodyPr wrap="none" lIns="68580" tIns="34290" rIns="68580" bIns="34290">
+                <a:noAutofit/>
+              </a:bodyPr>
+              <a:lstStyle/>
+              <a:p>
+                <a:r>
+                  <a:rPr lang="en-US" sz="1300" dirty="0" smtClean="0"/>
+                  <a:t>10/</a:t>
+                </a:r>
+                <a:r>
+                  <a:rPr lang="en-US" sz="1300" dirty="0"/>
+                  <a:t>15</a:t>
+                </a:r>
+              </a:p>
+            </p:txBody>
+          </p:sp>
+          <p:sp>
+            <p:nvSpPr>
+              <p:cNvPr id="38" name="Rectangle 37"/>
+              <p:cNvSpPr/>
+              <p:nvPr/>
+            </p:nvSpPr>
+            <p:spPr>
+              <a:xfrm>
+                <a:off x="5698583" y="391119"/>
+                <a:ext cx="510396" cy="269304"/>
+              </a:xfrm>
+              <a:prstGeom prst="rect">
+                <a:avLst/>
+              </a:prstGeom>
+            </p:spPr>
+            <p:txBody>
+              <a:bodyPr wrap="none" lIns="68580" tIns="34290" rIns="68580" bIns="34290">
+                <a:noAutofit/>
+              </a:bodyPr>
+              <a:lstStyle/>
+              <a:p>
+                <a:r>
+                  <a:rPr lang="en-US" sz="1300" dirty="0" smtClean="0"/>
+                  <a:t>4/15</a:t>
+                </a:r>
+                <a:endParaRPr lang="en-US" sz="1300" dirty="0"/>
+              </a:p>
+            </p:txBody>
+          </p:sp>
+          <p:sp>
+            <p:nvSpPr>
+              <p:cNvPr id="39" name="Rectangle 38"/>
+              <p:cNvSpPr/>
+              <p:nvPr/>
+            </p:nvSpPr>
+            <p:spPr>
+              <a:xfrm flipH="1">
+                <a:off x="6851765" y="1176982"/>
+                <a:ext cx="1016162" cy="307598"/>
+              </a:xfrm>
+              <a:prstGeom prst="rect">
+                <a:avLst/>
+              </a:prstGeom>
+            </p:spPr>
+            <p:style>
+              <a:lnRef idx="2">
+                <a:schemeClr val="accent1">
+                  <a:shade val="50000"/>
+                </a:schemeClr>
+              </a:lnRef>
+              <a:fillRef idx="1">
+                <a:schemeClr val="accent1"/>
+              </a:fillRef>
+              <a:effectRef idx="0">
+                <a:schemeClr val="accent1"/>
+              </a:effectRef>
+              <a:fontRef idx="minor">
+                <a:schemeClr val="lt1"/>
+              </a:fontRef>
+            </p:style>
+            <p:txBody>
+              <a:bodyPr lIns="0" rIns="0" rtlCol="0" anchor="ctr">
+                <a:noAutofit/>
+              </a:bodyPr>
+              <a:lstStyle/>
+              <a:p>
+                <a:pPr algn="ctr"/>
+                <a:r>
+                  <a:rPr lang="en-US" sz="1200" dirty="0" smtClean="0"/>
+                  <a:t>(Bob, CMU)</a:t>
+                </a:r>
+                <a:endParaRPr lang="en-US" sz="1200" dirty="0"/>
+              </a:p>
+            </p:txBody>
+          </p:sp>
+        </p:grpSp>
+        <p:pic>
+          <p:nvPicPr>
+            <p:cNvPr id="40" name="Picture 39"/>
+            <p:cNvPicPr>
+              <a:picLocks noChangeAspect="1"/>
+            </p:cNvPicPr>
+            <p:nvPr/>
+          </p:nvPicPr>
+          <p:blipFill>
+            <a:blip r:embed="rId3"/>
+            <a:stretch>
+              <a:fillRect/>
+            </a:stretch>
+          </p:blipFill>
           <p:spPr>
             <a:xfrm>
-              <a:off x="6756605" y="1461519"/>
-              <a:ext cx="751406" cy="307777"/>
+              <a:off x="2157793" y="3057273"/>
+              <a:ext cx="3940980" cy="364484"/>
             </a:xfrm>
             <a:prstGeom prst="rect">
               <a:avLst/>
             </a:prstGeom>
-            <a:noFill/>
           </p:spPr>
-          <p:txBody>
-            <a:bodyPr wrap="square" rtlCol="0">
-              <a:spAutoFit/>
-            </a:bodyPr>
-            <a:lstStyle/>
-            <a:p>
-              <a:r>
-                <a:rPr lang="en-US" dirty="0"/>
-                <a:t>v</a:t>
-              </a:r>
-              <a:r>
-                <a:rPr lang="en-US" baseline="-25000" dirty="0" smtClean="0"/>
-                <a:t>2</a:t>
-              </a:r>
-              <a:endParaRPr lang="en-US" baseline="-25000" dirty="0"/>
-            </a:p>
-          </p:txBody>
-        </p:sp>
+        </p:pic>
         <p:sp>
           <p:nvSpPr>
-            <p:cNvPr id="5" name="TextBox 4"/>
-            <p:cNvSpPr txBox="1"/>
-            <p:nvPr/>
-          </p:nvSpPr>
-          <p:spPr>
-            <a:xfrm>
-              <a:off x="6765900" y="1879418"/>
-              <a:ext cx="751406" cy="307777"/>
-            </a:xfrm>
-            <a:prstGeom prst="rect">
-              <a:avLst/>
-            </a:prstGeom>
-            <a:noFill/>
-          </p:spPr>
-          <p:txBody>
-            <a:bodyPr wrap="square" rtlCol="0">
-              <a:spAutoFit/>
-            </a:bodyPr>
-            <a:lstStyle/>
-            <a:p>
-              <a:r>
-                <a:rPr lang="en-US" dirty="0"/>
-                <a:t>v</a:t>
-              </a:r>
-              <a:r>
-                <a:rPr lang="en-US" baseline="-25000" dirty="0" smtClean="0"/>
-                <a:t>3</a:t>
-              </a:r>
-              <a:endParaRPr lang="en-US" baseline="-25000" dirty="0"/>
-            </a:p>
-          </p:txBody>
-        </p:sp>
-        <p:sp>
-          <p:nvSpPr>
-            <p:cNvPr id="6" name="TextBox 5"/>
-            <p:cNvSpPr txBox="1"/>
-            <p:nvPr/>
-          </p:nvSpPr>
-          <p:spPr>
-            <a:xfrm>
-              <a:off x="6454993" y="2667796"/>
-              <a:ext cx="751406" cy="307777"/>
-            </a:xfrm>
-            <a:prstGeom prst="rect">
-              <a:avLst/>
-            </a:prstGeom>
-            <a:noFill/>
-          </p:spPr>
-          <p:txBody>
-            <a:bodyPr wrap="square" rtlCol="0">
-              <a:spAutoFit/>
-            </a:bodyPr>
-            <a:lstStyle/>
-            <a:p>
-              <a:r>
-                <a:rPr lang="en-US" dirty="0" smtClean="0"/>
-                <a:t>e(v</a:t>
-              </a:r>
-              <a:r>
-                <a:rPr lang="en-US" baseline="-25000" dirty="0" smtClean="0"/>
-                <a:t>2</a:t>
-              </a:r>
-              <a:r>
-                <a:rPr lang="en-US" dirty="0" smtClean="0"/>
-                <a:t>,v</a:t>
-              </a:r>
-              <a:r>
-                <a:rPr lang="en-US" baseline="-25000" dirty="0" smtClean="0"/>
-                <a:t>3</a:t>
-              </a:r>
-              <a:r>
-                <a:rPr lang="en-US" dirty="0" smtClean="0"/>
-                <a:t>)</a:t>
-              </a:r>
-              <a:endParaRPr lang="en-US" dirty="0"/>
-            </a:p>
-          </p:txBody>
-        </p:sp>
-        <p:cxnSp>
-          <p:nvCxnSpPr>
-            <p:cNvPr id="7" name="Straight Connector 6"/>
-            <p:cNvCxnSpPr/>
-            <p:nvPr/>
-          </p:nvCxnSpPr>
-          <p:spPr>
-            <a:xfrm flipH="1">
-              <a:off x="7157173" y="913581"/>
-              <a:ext cx="6510" cy="2061992"/>
-            </a:xfrm>
-            <a:prstGeom prst="line">
-              <a:avLst/>
-            </a:prstGeom>
-            <a:ln w="38100">
-              <a:prstDash val="lgDash"/>
-            </a:ln>
-          </p:spPr>
-          <p:style>
-            <a:lnRef idx="1">
-              <a:schemeClr val="accent1"/>
-            </a:lnRef>
-            <a:fillRef idx="0">
-              <a:schemeClr val="accent1"/>
-            </a:fillRef>
-            <a:effectRef idx="0">
-              <a:schemeClr val="accent1"/>
-            </a:effectRef>
-            <a:fontRef idx="minor">
-              <a:schemeClr val="tx1"/>
-            </a:fontRef>
-          </p:style>
-        </p:cxnSp>
-        <p:cxnSp>
-          <p:nvCxnSpPr>
-            <p:cNvPr id="8" name="Straight Connector 7"/>
-            <p:cNvCxnSpPr/>
-            <p:nvPr/>
-          </p:nvCxnSpPr>
-          <p:spPr>
-            <a:xfrm flipH="1">
-              <a:off x="9137544" y="913581"/>
-              <a:ext cx="37208" cy="2118120"/>
-            </a:xfrm>
-            <a:prstGeom prst="line">
-              <a:avLst/>
-            </a:prstGeom>
-            <a:ln w="38100">
-              <a:prstDash val="lgDash"/>
-            </a:ln>
-          </p:spPr>
-          <p:style>
-            <a:lnRef idx="1">
-              <a:schemeClr val="accent1"/>
-            </a:lnRef>
-            <a:fillRef idx="0">
-              <a:schemeClr val="accent1"/>
-            </a:fillRef>
-            <a:effectRef idx="0">
-              <a:schemeClr val="accent1"/>
-            </a:effectRef>
-            <a:fontRef idx="minor">
-              <a:schemeClr val="tx1"/>
-            </a:fontRef>
-          </p:style>
-        </p:cxnSp>
-        <p:cxnSp>
-          <p:nvCxnSpPr>
-            <p:cNvPr id="9" name="Straight Connector 8"/>
-            <p:cNvCxnSpPr/>
-            <p:nvPr/>
-          </p:nvCxnSpPr>
-          <p:spPr>
-            <a:xfrm flipH="1">
-              <a:off x="8547390" y="913581"/>
-              <a:ext cx="6510" cy="2118120"/>
-            </a:xfrm>
-            <a:prstGeom prst="line">
-              <a:avLst/>
-            </a:prstGeom>
-            <a:ln w="38100">
-              <a:prstDash val="lgDash"/>
-            </a:ln>
-          </p:spPr>
-          <p:style>
-            <a:lnRef idx="1">
-              <a:schemeClr val="accent1"/>
-            </a:lnRef>
-            <a:fillRef idx="0">
-              <a:schemeClr val="accent1"/>
-            </a:fillRef>
-            <a:effectRef idx="0">
-              <a:schemeClr val="accent1"/>
-            </a:effectRef>
-            <a:fontRef idx="minor">
-              <a:schemeClr val="tx1"/>
-            </a:fontRef>
-          </p:style>
-        </p:cxnSp>
-        <p:cxnSp>
-          <p:nvCxnSpPr>
-            <p:cNvPr id="10" name="Straight Connector 9"/>
-            <p:cNvCxnSpPr/>
-            <p:nvPr/>
-          </p:nvCxnSpPr>
-          <p:spPr>
-            <a:xfrm flipH="1">
-              <a:off x="9929561" y="913581"/>
-              <a:ext cx="14555" cy="2147809"/>
-            </a:xfrm>
-            <a:prstGeom prst="line">
-              <a:avLst/>
-            </a:prstGeom>
-            <a:ln w="38100">
-              <a:prstDash val="lgDash"/>
-            </a:ln>
-          </p:spPr>
-          <p:style>
-            <a:lnRef idx="1">
-              <a:schemeClr val="accent1"/>
-            </a:lnRef>
-            <a:fillRef idx="0">
-              <a:schemeClr val="accent1"/>
-            </a:fillRef>
-            <a:effectRef idx="0">
-              <a:schemeClr val="accent1"/>
-            </a:effectRef>
-            <a:fontRef idx="minor">
-              <a:schemeClr val="tx1"/>
-            </a:fontRef>
-          </p:style>
-        </p:cxnSp>
-        <p:sp>
-          <p:nvSpPr>
-            <p:cNvPr id="11" name="Rectangle 10"/>
+            <p:cNvPr id="41" name="Rectangle 40"/>
             <p:cNvSpPr/>
             <p:nvPr/>
           </p:nvSpPr>
           <p:spPr>
             <a:xfrm>
-              <a:off x="7186291" y="1043619"/>
-              <a:ext cx="1951253" cy="282713"/>
+              <a:off x="8549766" y="2293904"/>
+              <a:ext cx="591434" cy="295899"/>
             </a:xfrm>
             <a:prstGeom prst="rect">
               <a:avLst/>
@@ -6519,21 +7587,15 @@
             </a:fontRef>
           </p:style>
           <p:txBody>
-            <a:bodyPr rtlCol="0" anchor="ctr"/>
+            <a:bodyPr rtlCol="0" anchor="ctr">
+              <a:noAutofit/>
+            </a:bodyPr>
             <a:lstStyle/>
             <a:p>
               <a:pPr algn="ctr"/>
               <a:r>
                 <a:rPr lang="en-US" sz="1200" dirty="0" smtClean="0"/>
-                <a:t>(Alice</a:t>
-              </a:r>
-              <a:r>
-                <a:rPr lang="en-US" sz="1200" dirty="0"/>
-                <a:t>, </a:t>
-              </a:r>
-              <a:r>
-                <a:rPr lang="en-US" sz="1200" dirty="0" smtClean="0"/>
-                <a:t>Drexel)</a:t>
+                <a:t>(3)</a:t>
               </a:r>
               <a:endParaRPr lang="en-US" sz="1200" dirty="0"/>
             </a:p>
@@ -6541,347 +7603,13 @@
         </p:sp>
         <p:sp>
           <p:nvSpPr>
-            <p:cNvPr id="12" name="Rectangle 11"/>
-            <p:cNvSpPr/>
-            <p:nvPr/>
-          </p:nvSpPr>
-          <p:spPr>
-            <a:xfrm>
-              <a:off x="7162477" y="1884500"/>
-              <a:ext cx="2804158" cy="282713"/>
-            </a:xfrm>
-            <a:prstGeom prst="rect">
-              <a:avLst/>
-            </a:prstGeom>
-          </p:spPr>
-          <p:style>
-            <a:lnRef idx="2">
-              <a:schemeClr val="accent1">
-                <a:shade val="50000"/>
-              </a:schemeClr>
-            </a:lnRef>
-            <a:fillRef idx="1">
-              <a:schemeClr val="accent1"/>
-            </a:fillRef>
-            <a:effectRef idx="0">
-              <a:schemeClr val="accent1"/>
-            </a:effectRef>
-            <a:fontRef idx="minor">
-              <a:schemeClr val="lt1"/>
-            </a:fontRef>
-          </p:style>
-          <p:txBody>
-            <a:bodyPr rtlCol="0" anchor="ctr"/>
-            <a:lstStyle/>
-            <a:p>
-              <a:pPr algn="ctr"/>
-              <a:r>
-                <a:rPr lang="en-US" sz="1200" dirty="0" smtClean="0"/>
-                <a:t>(Cathy, Drexel)</a:t>
-              </a:r>
-              <a:endParaRPr lang="en-US" sz="1200" dirty="0"/>
-            </a:p>
-          </p:txBody>
-        </p:sp>
-        <p:sp>
-          <p:nvSpPr>
-            <p:cNvPr id="13" name="Rectangle 12"/>
-            <p:cNvSpPr/>
-            <p:nvPr/>
-          </p:nvSpPr>
-          <p:spPr>
-            <a:xfrm flipH="1">
-              <a:off x="8583318" y="1449613"/>
-              <a:ext cx="1378099" cy="287795"/>
-            </a:xfrm>
-            <a:prstGeom prst="rect">
-              <a:avLst/>
-            </a:prstGeom>
-          </p:spPr>
-          <p:style>
-            <a:lnRef idx="2">
-              <a:schemeClr val="accent1">
-                <a:shade val="50000"/>
-              </a:schemeClr>
-            </a:lnRef>
-            <a:fillRef idx="1">
-              <a:schemeClr val="accent1"/>
-            </a:fillRef>
-            <a:effectRef idx="0">
-              <a:schemeClr val="accent1"/>
-            </a:effectRef>
-            <a:fontRef idx="minor">
-              <a:schemeClr val="lt1"/>
-            </a:fontRef>
-          </p:style>
-          <p:txBody>
-            <a:bodyPr lIns="0" rIns="0" rtlCol="0" anchor="ctr"/>
-            <a:lstStyle/>
-            <a:p>
-              <a:pPr algn="ctr"/>
-              <a:r>
-                <a:rPr lang="en-US" sz="1200" dirty="0" smtClean="0"/>
-                <a:t>(Bob</a:t>
-              </a:r>
-              <a:r>
-                <a:rPr lang="en-US" sz="1200" dirty="0"/>
-                <a:t>, </a:t>
-              </a:r>
-              <a:r>
-                <a:rPr lang="en-US" sz="1200" dirty="0" smtClean="0"/>
-                <a:t>CMU)</a:t>
-              </a:r>
-              <a:endParaRPr lang="en-US" sz="1200" dirty="0"/>
-            </a:p>
-          </p:txBody>
-        </p:sp>
-        <p:sp>
-          <p:nvSpPr>
-            <p:cNvPr id="14" name="Rectangle 13"/>
-            <p:cNvSpPr/>
-            <p:nvPr/>
-          </p:nvSpPr>
-          <p:spPr>
-            <a:xfrm>
-              <a:off x="9166779" y="2625286"/>
-              <a:ext cx="783980" cy="282713"/>
-            </a:xfrm>
-            <a:prstGeom prst="rect">
-              <a:avLst/>
-            </a:prstGeom>
-          </p:spPr>
-          <p:style>
-            <a:lnRef idx="2">
-              <a:schemeClr val="accent1">
-                <a:shade val="50000"/>
-              </a:schemeClr>
-            </a:lnRef>
-            <a:fillRef idx="1">
-              <a:schemeClr val="accent1"/>
-            </a:fillRef>
-            <a:effectRef idx="0">
-              <a:schemeClr val="accent1"/>
-            </a:effectRef>
-            <a:fontRef idx="minor">
-              <a:schemeClr val="lt1"/>
-            </a:fontRef>
-          </p:style>
-          <p:txBody>
-            <a:bodyPr rtlCol="0" anchor="ctr"/>
-            <a:lstStyle/>
-            <a:p>
-              <a:pPr algn="ctr"/>
-              <a:r>
-                <a:rPr lang="en-US" sz="1200" dirty="0" smtClean="0"/>
-                <a:t>(4)</a:t>
-              </a:r>
-              <a:endParaRPr lang="en-US" sz="1200" dirty="0"/>
-            </a:p>
-          </p:txBody>
-        </p:sp>
-        <p:sp>
-          <p:nvSpPr>
-            <p:cNvPr id="15" name="Rectangle 14"/>
-            <p:cNvSpPr/>
-            <p:nvPr/>
-          </p:nvSpPr>
-          <p:spPr>
-            <a:xfrm>
-              <a:off x="6906079" y="615998"/>
-              <a:ext cx="510396" cy="269304"/>
-            </a:xfrm>
-            <a:prstGeom prst="rect">
-              <a:avLst/>
-            </a:prstGeom>
-          </p:spPr>
-          <p:txBody>
-            <a:bodyPr wrap="none" lIns="68580" tIns="34290" rIns="68580" bIns="34290">
-              <a:spAutoFit/>
-            </a:bodyPr>
-            <a:lstStyle/>
-            <a:p>
-              <a:r>
-                <a:rPr lang="en-US" sz="1300" dirty="0"/>
-                <a:t>1/15</a:t>
-              </a:r>
-              <a:endParaRPr lang="en-US" sz="1300" dirty="0"/>
-            </a:p>
-          </p:txBody>
-        </p:sp>
-        <p:sp>
-          <p:nvSpPr>
-            <p:cNvPr id="16" name="Rectangle 15"/>
-            <p:cNvSpPr/>
-            <p:nvPr/>
-          </p:nvSpPr>
-          <p:spPr>
-            <a:xfrm>
-              <a:off x="8182374" y="615998"/>
-              <a:ext cx="510396" cy="269304"/>
-            </a:xfrm>
-            <a:prstGeom prst="rect">
-              <a:avLst/>
-            </a:prstGeom>
-          </p:spPr>
-          <p:txBody>
-            <a:bodyPr wrap="none" lIns="68580" tIns="34290" rIns="68580" bIns="34290">
-              <a:spAutoFit/>
-            </a:bodyPr>
-            <a:lstStyle/>
-            <a:p>
-              <a:r>
-                <a:rPr lang="en-US" sz="1300" dirty="0"/>
-                <a:t>5/15</a:t>
-              </a:r>
-              <a:endParaRPr lang="en-US" sz="1300" dirty="0"/>
-            </a:p>
-          </p:txBody>
-        </p:sp>
-        <p:sp>
-          <p:nvSpPr>
-            <p:cNvPr id="17" name="Rectangle 16"/>
-            <p:cNvSpPr/>
-            <p:nvPr/>
-          </p:nvSpPr>
-          <p:spPr>
-            <a:xfrm>
-              <a:off x="9052454" y="615998"/>
-              <a:ext cx="510396" cy="269304"/>
-            </a:xfrm>
-            <a:prstGeom prst="rect">
-              <a:avLst/>
-            </a:prstGeom>
-          </p:spPr>
-          <p:txBody>
-            <a:bodyPr wrap="none" lIns="68580" tIns="34290" rIns="68580" bIns="34290">
-              <a:spAutoFit/>
-            </a:bodyPr>
-            <a:lstStyle/>
-            <a:p>
-              <a:r>
-                <a:rPr lang="en-US" sz="1300" dirty="0"/>
-                <a:t>7/15</a:t>
-              </a:r>
-              <a:endParaRPr lang="en-US" sz="1300" dirty="0"/>
-            </a:p>
-          </p:txBody>
-        </p:sp>
-        <p:sp>
-          <p:nvSpPr>
-            <p:cNvPr id="18" name="Rectangle 17"/>
-            <p:cNvSpPr/>
-            <p:nvPr/>
-          </p:nvSpPr>
-          <p:spPr>
-            <a:xfrm>
-              <a:off x="9669257" y="615998"/>
-              <a:ext cx="600164" cy="269304"/>
-            </a:xfrm>
-            <a:prstGeom prst="rect">
-              <a:avLst/>
-            </a:prstGeom>
-          </p:spPr>
-          <p:txBody>
-            <a:bodyPr wrap="none" lIns="68580" tIns="34290" rIns="68580" bIns="34290">
-              <a:spAutoFit/>
-            </a:bodyPr>
-            <a:lstStyle/>
-            <a:p>
-              <a:r>
-                <a:rPr lang="en-US" sz="1300" dirty="0" smtClean="0"/>
-                <a:t>10/</a:t>
-              </a:r>
-              <a:r>
-                <a:rPr lang="en-US" sz="1300" dirty="0"/>
-                <a:t>15</a:t>
-              </a:r>
-              <a:endParaRPr lang="en-US" sz="1300" dirty="0"/>
-            </a:p>
-          </p:txBody>
-        </p:sp>
-      </p:grpSp>
-      <p:pic>
-        <p:nvPicPr>
-          <p:cNvPr id="19" name="Picture 18"/>
-          <p:cNvPicPr>
-            <a:picLocks noChangeAspect="1"/>
-          </p:cNvPicPr>
-          <p:nvPr/>
-        </p:nvPicPr>
-        <p:blipFill>
-          <a:blip r:embed="rId2"/>
-          <a:stretch>
-            <a:fillRect/>
-          </a:stretch>
-        </p:blipFill>
-        <p:spPr>
-          <a:xfrm>
-            <a:off x="6448340" y="3019609"/>
-            <a:ext cx="3926288" cy="354919"/>
-          </a:xfrm>
-          <a:prstGeom prst="rect">
-            <a:avLst/>
-          </a:prstGeom>
-        </p:spPr>
-      </p:pic>
-      <p:grpSp>
-        <p:nvGrpSpPr>
-          <p:cNvPr id="20" name="Group 19"/>
-          <p:cNvGrpSpPr/>
-          <p:nvPr/>
-        </p:nvGrpSpPr>
-        <p:grpSpPr>
-          <a:xfrm>
-            <a:off x="2075160" y="640951"/>
-            <a:ext cx="4020803" cy="2369959"/>
-            <a:chOff x="4162207" y="381594"/>
-            <a:chExt cx="4020803" cy="2369959"/>
-          </a:xfrm>
-        </p:grpSpPr>
-        <p:cxnSp>
-          <p:nvCxnSpPr>
-            <p:cNvPr id="21" name="Straight Connector 20"/>
-            <p:cNvCxnSpPr>
-              <a:stCxn id="38" idx="2"/>
-            </p:cNvCxnSpPr>
-            <p:nvPr/>
-          </p:nvCxnSpPr>
-          <p:spPr>
-            <a:xfrm>
-              <a:off x="5953781" y="660423"/>
-              <a:ext cx="0" cy="2068905"/>
-            </a:xfrm>
-            <a:prstGeom prst="line">
-              <a:avLst/>
-            </a:prstGeom>
-            <a:ln w="38100">
-              <a:prstDash val="lgDash"/>
-            </a:ln>
-          </p:spPr>
-          <p:style>
-            <a:lnRef idx="1">
-              <a:schemeClr val="accent1"/>
-            </a:lnRef>
-            <a:fillRef idx="0">
-              <a:schemeClr val="accent1"/>
-            </a:fillRef>
-            <a:effectRef idx="0">
-              <a:schemeClr val="accent1"/>
-            </a:effectRef>
-            <a:fontRef idx="minor">
-              <a:schemeClr val="tx1"/>
-            </a:fontRef>
-          </p:style>
-        </p:cxnSp>
-        <p:sp>
-          <p:nvSpPr>
-            <p:cNvPr id="22" name="TextBox 21"/>
+            <p:cNvPr id="42" name="TextBox 41"/>
             <p:cNvSpPr txBox="1"/>
             <p:nvPr/>
           </p:nvSpPr>
           <p:spPr>
             <a:xfrm>
-              <a:off x="4466763" y="740479"/>
+              <a:off x="6442600" y="2362746"/>
               <a:ext cx="751406" cy="307777"/>
             </a:xfrm>
             <a:prstGeom prst="rect">
@@ -6891,109 +7619,7 @@
           </p:spPr>
           <p:txBody>
             <a:bodyPr wrap="square" rtlCol="0">
-              <a:spAutoFit/>
-            </a:bodyPr>
-            <a:lstStyle/>
-            <a:p>
-              <a:r>
-                <a:rPr lang="en-US" dirty="0" smtClean="0"/>
-                <a:t>v</a:t>
-              </a:r>
-              <a:r>
-                <a:rPr lang="en-US" baseline="-25000" dirty="0" smtClean="0"/>
-                <a:t>1</a:t>
-              </a:r>
-              <a:endParaRPr lang="en-US" baseline="-25000" dirty="0"/>
-            </a:p>
-          </p:txBody>
-        </p:sp>
-        <p:sp>
-          <p:nvSpPr>
-            <p:cNvPr id="23" name="TextBox 22"/>
-            <p:cNvSpPr txBox="1"/>
-            <p:nvPr/>
-          </p:nvSpPr>
-          <p:spPr>
-            <a:xfrm>
-              <a:off x="4463819" y="1179489"/>
-              <a:ext cx="751406" cy="307777"/>
-            </a:xfrm>
-            <a:prstGeom prst="rect">
-              <a:avLst/>
-            </a:prstGeom>
-            <a:noFill/>
-          </p:spPr>
-          <p:txBody>
-            <a:bodyPr wrap="square" rtlCol="0">
-              <a:spAutoFit/>
-            </a:bodyPr>
-            <a:lstStyle/>
-            <a:p>
-              <a:r>
-                <a:rPr lang="en-US" dirty="0"/>
-                <a:t>v</a:t>
-              </a:r>
-              <a:r>
-                <a:rPr lang="en-US" baseline="-25000" dirty="0" smtClean="0"/>
-                <a:t>2</a:t>
-              </a:r>
-              <a:endParaRPr lang="en-US" baseline="-25000" dirty="0"/>
-            </a:p>
-          </p:txBody>
-        </p:sp>
-        <p:sp>
-          <p:nvSpPr>
-            <p:cNvPr id="24" name="TextBox 23"/>
-            <p:cNvSpPr txBox="1"/>
-            <p:nvPr/>
-          </p:nvSpPr>
-          <p:spPr>
-            <a:xfrm>
-              <a:off x="4473114" y="1597388"/>
-              <a:ext cx="751406" cy="307777"/>
-            </a:xfrm>
-            <a:prstGeom prst="rect">
-              <a:avLst/>
-            </a:prstGeom>
-            <a:noFill/>
-          </p:spPr>
-          <p:txBody>
-            <a:bodyPr wrap="square" rtlCol="0">
-              <a:spAutoFit/>
-            </a:bodyPr>
-            <a:lstStyle/>
-            <a:p>
-              <a:r>
-                <a:rPr lang="en-US" dirty="0"/>
-                <a:t>v</a:t>
-              </a:r>
-              <a:r>
-                <a:rPr lang="en-US" baseline="-25000" dirty="0" smtClean="0"/>
-                <a:t>3</a:t>
-              </a:r>
-              <a:endParaRPr lang="en-US" baseline="-25000" dirty="0"/>
-            </a:p>
-          </p:txBody>
-        </p:sp>
-        <p:sp>
-          <p:nvSpPr>
-            <p:cNvPr id="25" name="TextBox 24"/>
-            <p:cNvSpPr txBox="1"/>
-            <p:nvPr/>
-          </p:nvSpPr>
-          <p:spPr>
-            <a:xfrm>
-              <a:off x="4176247" y="2004859"/>
-              <a:ext cx="751406" cy="307777"/>
-            </a:xfrm>
-            <a:prstGeom prst="rect">
-              <a:avLst/>
-            </a:prstGeom>
-            <a:noFill/>
-          </p:spPr>
-          <p:txBody>
-            <a:bodyPr wrap="square" rtlCol="0">
-              <a:spAutoFit/>
+              <a:noAutofit/>
             </a:bodyPr>
             <a:lstStyle/>
             <a:p>
@@ -7023,14 +7649,14 @@
         </p:sp>
         <p:sp>
           <p:nvSpPr>
-            <p:cNvPr id="26" name="TextBox 25"/>
+            <p:cNvPr id="43" name="TextBox 42"/>
             <p:cNvSpPr txBox="1"/>
             <p:nvPr/>
           </p:nvSpPr>
           <p:spPr>
             <a:xfrm>
-              <a:off x="4162207" y="2385766"/>
-              <a:ext cx="751406" cy="307777"/>
+              <a:off x="3128178" y="3362339"/>
+              <a:ext cx="2255746" cy="430887"/>
             </a:xfrm>
             <a:prstGeom prst="rect">
               <a:avLst/>
@@ -7038,653 +7664,146 @@
             <a:noFill/>
           </p:spPr>
           <p:txBody>
-            <a:bodyPr wrap="square" rtlCol="0">
-              <a:spAutoFit/>
+            <a:bodyPr wrap="none" rtlCol="0">
+              <a:noAutofit/>
             </a:bodyPr>
             <a:lstStyle/>
             <a:p>
               <a:r>
-                <a:rPr lang="en-US" dirty="0" smtClean="0"/>
-                <a:t>e(v</a:t>
+                <a:rPr lang="en-US" sz="2200" dirty="0" smtClean="0">
+                  <a:latin typeface="Times New Roman" charset="0"/>
+                  <a:ea typeface="Times New Roman" charset="0"/>
+                  <a:cs typeface="Times New Roman" charset="0"/>
+                </a:rPr>
+                <a:t>f</a:t>
               </a:r>
               <a:r>
-                <a:rPr lang="en-US" baseline="-25000" dirty="0" smtClean="0"/>
-                <a:t>2</a:t>
+                <a:rPr lang="en-US" sz="2200" i="1" baseline="-25000" dirty="0" smtClean="0">
+                  <a:latin typeface="Times New Roman" charset="0"/>
+                  <a:ea typeface="Times New Roman" charset="0"/>
+                  <a:cs typeface="Times New Roman" charset="0"/>
+                </a:rPr>
+                <a:t>V</a:t>
               </a:r>
               <a:r>
-                <a:rPr lang="en-US" dirty="0" smtClean="0"/>
-                <a:t>,v</a:t>
+                <a:rPr lang="en-US" sz="2200" dirty="0">
+                  <a:latin typeface="Times New Roman" charset="0"/>
+                  <a:ea typeface="Times New Roman" charset="0"/>
+                  <a:cs typeface="Times New Roman" charset="0"/>
+                </a:rPr>
+                <a:t> </a:t>
               </a:r>
               <a:r>
-                <a:rPr lang="en-US" baseline="-25000" dirty="0" smtClean="0"/>
-                <a:t>3</a:t>
+                <a:rPr lang="en-US" sz="2200" dirty="0" smtClean="0">
+                  <a:latin typeface="Times New Roman" charset="0"/>
+                  <a:ea typeface="Times New Roman" charset="0"/>
+                  <a:cs typeface="Times New Roman" charset="0"/>
+                </a:rPr>
+                <a:t>= first, f</a:t>
               </a:r>
               <a:r>
-                <a:rPr lang="en-US" dirty="0" smtClean="0"/>
-                <a:t>)</a:t>
-              </a:r>
-              <a:endParaRPr lang="en-US" dirty="0"/>
-            </a:p>
-          </p:txBody>
-        </p:sp>
-        <p:cxnSp>
-          <p:nvCxnSpPr>
-            <p:cNvPr id="27" name="Straight Connector 26"/>
-            <p:cNvCxnSpPr>
-              <a:stCxn id="35" idx="2"/>
-            </p:cNvCxnSpPr>
-            <p:nvPr/>
-          </p:nvCxnSpPr>
-          <p:spPr>
-            <a:xfrm flipH="1">
-              <a:off x="4864387" y="650898"/>
-              <a:ext cx="4104" cy="2100655"/>
-            </a:xfrm>
-            <a:prstGeom prst="line">
-              <a:avLst/>
-            </a:prstGeom>
-            <a:ln w="38100">
-              <a:prstDash val="lgDash"/>
-            </a:ln>
-          </p:spPr>
-          <p:style>
-            <a:lnRef idx="1">
-              <a:schemeClr val="accent1"/>
-            </a:lnRef>
-            <a:fillRef idx="0">
-              <a:schemeClr val="accent1"/>
-            </a:fillRef>
-            <a:effectRef idx="0">
-              <a:schemeClr val="accent1"/>
-            </a:effectRef>
-            <a:fontRef idx="minor">
-              <a:schemeClr val="tx1"/>
-            </a:fontRef>
-          </p:style>
-        </p:cxnSp>
-        <p:cxnSp>
-          <p:nvCxnSpPr>
-            <p:cNvPr id="28" name="Straight Connector 27"/>
-            <p:cNvCxnSpPr>
-              <a:stCxn id="36" idx="2"/>
-            </p:cNvCxnSpPr>
-            <p:nvPr/>
-          </p:nvCxnSpPr>
-          <p:spPr>
-            <a:xfrm>
-              <a:off x="6840241" y="650898"/>
-              <a:ext cx="0" cy="2100655"/>
-            </a:xfrm>
-            <a:prstGeom prst="line">
-              <a:avLst/>
-            </a:prstGeom>
-            <a:ln w="38100">
-              <a:prstDash val="lgDash"/>
-            </a:ln>
-          </p:spPr>
-          <p:style>
-            <a:lnRef idx="1">
-              <a:schemeClr val="accent1"/>
-            </a:lnRef>
-            <a:fillRef idx="0">
-              <a:schemeClr val="accent1"/>
-            </a:fillRef>
-            <a:effectRef idx="0">
-              <a:schemeClr val="accent1"/>
-            </a:effectRef>
-            <a:fontRef idx="minor">
-              <a:schemeClr val="tx1"/>
-            </a:fontRef>
-          </p:style>
-        </p:cxnSp>
-        <p:cxnSp>
-          <p:nvCxnSpPr>
-            <p:cNvPr id="29" name="Straight Connector 28"/>
-            <p:cNvCxnSpPr/>
-            <p:nvPr/>
-          </p:nvCxnSpPr>
-          <p:spPr>
-            <a:xfrm>
-              <a:off x="7859045" y="650898"/>
-              <a:ext cx="13151" cy="2100655"/>
-            </a:xfrm>
-            <a:prstGeom prst="line">
-              <a:avLst/>
-            </a:prstGeom>
-            <a:ln w="38100">
-              <a:prstDash val="lgDash"/>
-            </a:ln>
-          </p:spPr>
-          <p:style>
-            <a:lnRef idx="1">
-              <a:schemeClr val="accent1"/>
-            </a:lnRef>
-            <a:fillRef idx="0">
-              <a:schemeClr val="accent1"/>
-            </a:fillRef>
-            <a:effectRef idx="0">
-              <a:schemeClr val="accent1"/>
-            </a:effectRef>
-            <a:fontRef idx="minor">
-              <a:schemeClr val="tx1"/>
-            </a:fontRef>
-          </p:style>
-        </p:cxnSp>
-        <p:sp>
-          <p:nvSpPr>
-            <p:cNvPr id="30" name="Rectangle 29"/>
-            <p:cNvSpPr/>
-            <p:nvPr/>
-          </p:nvSpPr>
-          <p:spPr>
-            <a:xfrm>
-              <a:off x="4893505" y="761589"/>
-              <a:ext cx="1951253" cy="282713"/>
-            </a:xfrm>
-            <a:prstGeom prst="rect">
-              <a:avLst/>
-            </a:prstGeom>
-          </p:spPr>
-          <p:style>
-            <a:lnRef idx="2">
-              <a:schemeClr val="accent1">
-                <a:shade val="50000"/>
-              </a:schemeClr>
-            </a:lnRef>
-            <a:fillRef idx="1">
-              <a:schemeClr val="accent1"/>
-            </a:fillRef>
-            <a:effectRef idx="0">
-              <a:schemeClr val="accent1"/>
-            </a:effectRef>
-            <a:fontRef idx="minor">
-              <a:schemeClr val="lt1"/>
-            </a:fontRef>
-          </p:style>
-          <p:txBody>
-            <a:bodyPr rtlCol="0" anchor="ctr"/>
-            <a:lstStyle/>
-            <a:p>
-              <a:pPr algn="ctr"/>
-              <a:r>
-                <a:rPr lang="en-US" sz="1200" dirty="0" smtClean="0"/>
-                <a:t>(Alice</a:t>
+                <a:rPr lang="en-US" sz="2200" i="1" baseline="-25000" dirty="0" smtClean="0">
+                  <a:latin typeface="Times New Roman" charset="0"/>
+                  <a:ea typeface="Times New Roman" charset="0"/>
+                  <a:cs typeface="Times New Roman" charset="0"/>
+                </a:rPr>
+                <a:t>E</a:t>
               </a:r>
               <a:r>
-                <a:rPr lang="en-US" sz="1200" dirty="0"/>
-                <a:t>, </a:t>
+                <a:rPr lang="en-US" sz="2200" dirty="0" smtClean="0">
+                  <a:latin typeface="Times New Roman" charset="0"/>
+                  <a:ea typeface="Times New Roman" charset="0"/>
+                  <a:cs typeface="Times New Roman" charset="0"/>
+                </a:rPr>
+                <a:t> = first</a:t>
               </a:r>
-              <a:r>
-                <a:rPr lang="en-US" sz="1200" dirty="0" smtClean="0"/>
-                <a:t>Drexel)</a:t>
-              </a:r>
-              <a:endParaRPr lang="en-US" sz="1200" dirty="0"/>
+              <a:endParaRPr lang="en-US" sz="2200" baseline="-25000" dirty="0">
+                <a:latin typeface="Times New Roman" charset="0"/>
+                <a:ea typeface="Times New Roman" charset="0"/>
+                <a:cs typeface="Times New Roman" charset="0"/>
+              </a:endParaRPr>
             </a:p>
           </p:txBody>
         </p:sp>
         <p:sp>
           <p:nvSpPr>
-            <p:cNvPr id="31" name="Rectangle 30"/>
-            <p:cNvSpPr/>
+            <p:cNvPr id="44" name="TextBox 43"/>
+            <p:cNvSpPr txBox="1"/>
             <p:nvPr/>
           </p:nvSpPr>
           <p:spPr>
             <a:xfrm>
-              <a:off x="4869691" y="1602470"/>
-              <a:ext cx="2804158" cy="282713"/>
+              <a:off x="7562573" y="3362339"/>
+              <a:ext cx="2255746" cy="430887"/>
             </a:xfrm>
             <a:prstGeom prst="rect">
               <a:avLst/>
             </a:prstGeom>
-          </p:spPr>
-          <p:style>
-            <a:lnRef idx="2">
-              <a:schemeClr val="accent1">
-                <a:shade val="50000"/>
-              </a:schemeClr>
-            </a:lnRef>
-            <a:fillRef idx="1">
-              <a:schemeClr val="accent1"/>
-            </a:fillRef>
-            <a:effectRef idx="0">
-              <a:schemeClr val="accent1"/>
-            </a:effectRef>
-            <a:fontRef idx="minor">
-              <a:schemeClr val="lt1"/>
-            </a:fontRef>
-          </p:style>
-          <p:txBody>
-            <a:bodyPr rtlCol="0" anchor="ctr"/>
-            <a:lstStyle/>
-            <a:p>
-              <a:pPr algn="ctr"/>
-              <a:r>
-                <a:rPr lang="en-US" sz="1200" dirty="0" smtClean="0"/>
-                <a:t>(Cathy, Drexel)</a:t>
-              </a:r>
-              <a:endParaRPr lang="en-US" sz="1200" dirty="0"/>
-            </a:p>
-          </p:txBody>
-        </p:sp>
-        <p:sp>
-          <p:nvSpPr>
-            <p:cNvPr id="32" name="Rectangle 31"/>
-            <p:cNvSpPr/>
-            <p:nvPr/>
-          </p:nvSpPr>
-          <p:spPr>
-            <a:xfrm flipH="1">
-              <a:off x="5958523" y="1179489"/>
-              <a:ext cx="881717" cy="307777"/>
-            </a:xfrm>
-            <a:prstGeom prst="rect">
-              <a:avLst/>
-            </a:prstGeom>
-          </p:spPr>
-          <p:style>
-            <a:lnRef idx="2">
-              <a:schemeClr val="accent1">
-                <a:shade val="50000"/>
-              </a:schemeClr>
-            </a:lnRef>
-            <a:fillRef idx="1">
-              <a:schemeClr val="accent1"/>
-            </a:fillRef>
-            <a:effectRef idx="0">
-              <a:schemeClr val="accent1"/>
-            </a:effectRef>
-            <a:fontRef idx="minor">
-              <a:schemeClr val="lt1"/>
-            </a:fontRef>
-          </p:style>
-          <p:txBody>
-            <a:bodyPr lIns="0" rIns="0" rtlCol="0" anchor="ctr"/>
-            <a:lstStyle/>
-            <a:p>
-              <a:pPr algn="ctr"/>
-              <a:r>
-                <a:rPr lang="en-US" sz="1200" dirty="0" smtClean="0"/>
-                <a:t>((Bob</a:t>
-              </a:r>
-              <a:r>
-                <a:rPr lang="en-US" sz="1200" dirty="0"/>
-                <a:t>, </a:t>
-              </a:r>
-              <a:r>
-                <a:rPr lang="en-US" sz="1200" dirty="0" smtClean="0"/>
-                <a:t>Penn), (Bob, CMU))</a:t>
-              </a:r>
-              <a:endParaRPr lang="en-US" sz="1200" dirty="0"/>
-            </a:p>
-          </p:txBody>
-        </p:sp>
-        <p:sp>
-          <p:nvSpPr>
-            <p:cNvPr id="33" name="Rectangle 32"/>
-            <p:cNvSpPr/>
-            <p:nvPr/>
-          </p:nvSpPr>
-          <p:spPr>
-            <a:xfrm>
-              <a:off x="5958526" y="2004858"/>
-              <a:ext cx="886232" cy="278088"/>
-            </a:xfrm>
-            <a:prstGeom prst="rect">
-              <a:avLst/>
-            </a:prstGeom>
-          </p:spPr>
-          <p:style>
-            <a:lnRef idx="2">
-              <a:schemeClr val="accent1">
-                <a:shade val="50000"/>
-              </a:schemeClr>
-            </a:lnRef>
-            <a:fillRef idx="1">
-              <a:schemeClr val="accent1"/>
-            </a:fillRef>
-            <a:effectRef idx="0">
-              <a:schemeClr val="accent1"/>
-            </a:effectRef>
-            <a:fontRef idx="minor">
-              <a:schemeClr val="lt1"/>
-            </a:fontRef>
-          </p:style>
-          <p:txBody>
-            <a:bodyPr rtlCol="0" anchor="ctr"/>
-            <a:lstStyle/>
-            <a:p>
-              <a:pPr algn="ctr"/>
-              <a:r>
-                <a:rPr lang="en-US" sz="1200" dirty="0" smtClean="0"/>
-                <a:t>(3)</a:t>
-              </a:r>
-              <a:endParaRPr lang="en-US" sz="1200" dirty="0"/>
-            </a:p>
-          </p:txBody>
-        </p:sp>
-        <p:sp>
-          <p:nvSpPr>
-            <p:cNvPr id="34" name="Rectangle 33"/>
-            <p:cNvSpPr/>
-            <p:nvPr/>
-          </p:nvSpPr>
-          <p:spPr>
-            <a:xfrm>
-              <a:off x="6889868" y="2359132"/>
-              <a:ext cx="783980" cy="282713"/>
-            </a:xfrm>
-            <a:prstGeom prst="rect">
-              <a:avLst/>
-            </a:prstGeom>
-          </p:spPr>
-          <p:style>
-            <a:lnRef idx="2">
-              <a:schemeClr val="accent1">
-                <a:shade val="50000"/>
-              </a:schemeClr>
-            </a:lnRef>
-            <a:fillRef idx="1">
-              <a:schemeClr val="accent1"/>
-            </a:fillRef>
-            <a:effectRef idx="0">
-              <a:schemeClr val="accent1"/>
-            </a:effectRef>
-            <a:fontRef idx="minor">
-              <a:schemeClr val="lt1"/>
-            </a:fontRef>
-          </p:style>
-          <p:txBody>
-            <a:bodyPr rtlCol="0" anchor="ctr"/>
-            <a:lstStyle/>
-            <a:p>
-              <a:pPr algn="ctr"/>
-              <a:r>
-                <a:rPr lang="en-US" sz="1200" dirty="0" smtClean="0"/>
-                <a:t>(4)</a:t>
-              </a:r>
-              <a:endParaRPr lang="en-US" sz="1200" dirty="0"/>
-            </a:p>
-          </p:txBody>
-        </p:sp>
-        <p:sp>
-          <p:nvSpPr>
-            <p:cNvPr id="35" name="Rectangle 34"/>
-            <p:cNvSpPr/>
-            <p:nvPr/>
-          </p:nvSpPr>
-          <p:spPr>
-            <a:xfrm>
-              <a:off x="4613293" y="381594"/>
-              <a:ext cx="510396" cy="269304"/>
-            </a:xfrm>
-            <a:prstGeom prst="rect">
-              <a:avLst/>
-            </a:prstGeom>
+            <a:noFill/>
           </p:spPr>
           <p:txBody>
-            <a:bodyPr wrap="none" lIns="68580" tIns="34290" rIns="68580" bIns="34290">
-              <a:spAutoFit/>
+            <a:bodyPr wrap="none" rtlCol="0">
+              <a:noAutofit/>
             </a:bodyPr>
             <a:lstStyle/>
             <a:p>
               <a:r>
-                <a:rPr lang="en-US" sz="1300" dirty="0"/>
-                <a:t>1/15</a:t>
-              </a:r>
-              <a:endParaRPr lang="en-US" sz="1300" dirty="0"/>
-            </a:p>
-          </p:txBody>
-        </p:sp>
-        <p:sp>
-          <p:nvSpPr>
-            <p:cNvPr id="36" name="Rectangle 35"/>
-            <p:cNvSpPr/>
-            <p:nvPr/>
-          </p:nvSpPr>
-          <p:spPr>
-            <a:xfrm>
-              <a:off x="6585043" y="381594"/>
-              <a:ext cx="510396" cy="269304"/>
-            </a:xfrm>
-            <a:prstGeom prst="rect">
-              <a:avLst/>
-            </a:prstGeom>
-          </p:spPr>
-          <p:txBody>
-            <a:bodyPr wrap="none" lIns="68580" tIns="34290" rIns="68580" bIns="34290">
-              <a:spAutoFit/>
-            </a:bodyPr>
-            <a:lstStyle/>
-            <a:p>
-              <a:r>
-                <a:rPr lang="en-US" sz="1300" dirty="0"/>
-                <a:t>7/15</a:t>
-              </a:r>
-              <a:endParaRPr lang="en-US" sz="1300" dirty="0"/>
-            </a:p>
-          </p:txBody>
-        </p:sp>
-        <p:sp>
-          <p:nvSpPr>
-            <p:cNvPr id="37" name="Rectangle 36"/>
-            <p:cNvSpPr/>
-            <p:nvPr/>
-          </p:nvSpPr>
-          <p:spPr>
-            <a:xfrm>
-              <a:off x="7582846" y="381594"/>
-              <a:ext cx="600164" cy="269304"/>
-            </a:xfrm>
-            <a:prstGeom prst="rect">
-              <a:avLst/>
-            </a:prstGeom>
-          </p:spPr>
-          <p:txBody>
-            <a:bodyPr wrap="none" lIns="68580" tIns="34290" rIns="68580" bIns="34290">
-              <a:spAutoFit/>
-            </a:bodyPr>
-            <a:lstStyle/>
-            <a:p>
-              <a:r>
-                <a:rPr lang="en-US" sz="1300" dirty="0" smtClean="0"/>
-                <a:t>10/</a:t>
+                <a:rPr lang="en-US" sz="2200" dirty="0" smtClean="0">
+                  <a:latin typeface="Times New Roman" charset="0"/>
+                  <a:ea typeface="Times New Roman" charset="0"/>
+                  <a:cs typeface="Times New Roman" charset="0"/>
+                </a:rPr>
+                <a:t>f</a:t>
               </a:r>
               <a:r>
-                <a:rPr lang="en-US" sz="1300" dirty="0"/>
-                <a:t>15</a:t>
+                <a:rPr lang="en-US" sz="2200" i="1" baseline="-25000" dirty="0" smtClean="0">
+                  <a:latin typeface="Times New Roman" charset="0"/>
+                  <a:ea typeface="Times New Roman" charset="0"/>
+                  <a:cs typeface="Times New Roman" charset="0"/>
+                </a:rPr>
+                <a:t>V</a:t>
               </a:r>
-              <a:endParaRPr lang="en-US" sz="1300" dirty="0"/>
-            </a:p>
-          </p:txBody>
-        </p:sp>
-        <p:sp>
-          <p:nvSpPr>
-            <p:cNvPr id="38" name="Rectangle 37"/>
-            <p:cNvSpPr/>
-            <p:nvPr/>
-          </p:nvSpPr>
-          <p:spPr>
-            <a:xfrm>
-              <a:off x="5698583" y="391119"/>
-              <a:ext cx="510396" cy="269304"/>
-            </a:xfrm>
-            <a:prstGeom prst="rect">
-              <a:avLst/>
-            </a:prstGeom>
-          </p:spPr>
-          <p:txBody>
-            <a:bodyPr wrap="none" lIns="68580" tIns="34290" rIns="68580" bIns="34290">
-              <a:spAutoFit/>
-            </a:bodyPr>
-            <a:lstStyle/>
-            <a:p>
               <a:r>
-                <a:rPr lang="en-US" sz="1300" dirty="0" smtClean="0"/>
-                <a:t>4/15</a:t>
+                <a:rPr lang="en-US" sz="2200" dirty="0">
+                  <a:latin typeface="Times New Roman" charset="0"/>
+                  <a:ea typeface="Times New Roman" charset="0"/>
+                  <a:cs typeface="Times New Roman" charset="0"/>
+                </a:rPr>
+                <a:t> </a:t>
               </a:r>
-              <a:endParaRPr lang="en-US" sz="1300" dirty="0"/>
-            </a:p>
-          </p:txBody>
-        </p:sp>
-        <p:sp>
-          <p:nvSpPr>
-            <p:cNvPr id="39" name="Rectangle 38"/>
-            <p:cNvSpPr/>
-            <p:nvPr/>
-          </p:nvSpPr>
-          <p:spPr>
-            <a:xfrm flipH="1">
-              <a:off x="6938085" y="1178000"/>
-              <a:ext cx="881717" cy="307777"/>
-            </a:xfrm>
-            <a:prstGeom prst="rect">
-              <a:avLst/>
-            </a:prstGeom>
-          </p:spPr>
-          <p:style>
-            <a:lnRef idx="2">
-              <a:schemeClr val="accent1">
-                <a:shade val="50000"/>
-              </a:schemeClr>
-            </a:lnRef>
-            <a:fillRef idx="1">
-              <a:schemeClr val="accent1"/>
-            </a:fillRef>
-            <a:effectRef idx="0">
-              <a:schemeClr val="accent1"/>
-            </a:effectRef>
-            <a:fontRef idx="minor">
-              <a:schemeClr val="lt1"/>
-            </a:fontRef>
-          </p:style>
-          <p:txBody>
-            <a:bodyPr lIns="0" rIns="0" rtlCol="0" anchor="ctr"/>
-            <a:lstStyle/>
-            <a:p>
-              <a:pPr algn="ctr"/>
               <a:r>
-                <a:rPr lang="en-US" sz="1200" dirty="0" smtClean="0"/>
-                <a:t>(Bob, CMU)</a:t>
+                <a:rPr lang="en-US" sz="2200" dirty="0" smtClean="0">
+                  <a:latin typeface="Times New Roman" charset="0"/>
+                  <a:ea typeface="Times New Roman" charset="0"/>
+                  <a:cs typeface="Times New Roman" charset="0"/>
+                </a:rPr>
+                <a:t>= first, f</a:t>
               </a:r>
-              <a:endParaRPr lang="en-US" sz="1200" dirty="0"/>
+              <a:r>
+                <a:rPr lang="en-US" sz="2200" i="1" baseline="-25000" dirty="0" smtClean="0">
+                  <a:latin typeface="Times New Roman" charset="0"/>
+                  <a:ea typeface="Times New Roman" charset="0"/>
+                  <a:cs typeface="Times New Roman" charset="0"/>
+                </a:rPr>
+                <a:t>E</a:t>
+              </a:r>
+              <a:r>
+                <a:rPr lang="en-US" sz="2200" dirty="0" smtClean="0">
+                  <a:latin typeface="Times New Roman" charset="0"/>
+                  <a:ea typeface="Times New Roman" charset="0"/>
+                  <a:cs typeface="Times New Roman" charset="0"/>
+                </a:rPr>
+                <a:t> = first</a:t>
+              </a:r>
+              <a:endParaRPr lang="en-US" sz="2200" baseline="-25000" dirty="0">
+                <a:latin typeface="Times New Roman" charset="0"/>
+                <a:ea typeface="Times New Roman" charset="0"/>
+                <a:cs typeface="Times New Roman" charset="0"/>
+              </a:endParaRPr>
             </a:p>
           </p:txBody>
         </p:sp>
       </p:grpSp>
-      <p:pic>
-        <p:nvPicPr>
-          <p:cNvPr id="40" name="Picture 39"/>
-          <p:cNvPicPr>
-            <a:picLocks noChangeAspect="1"/>
-          </p:cNvPicPr>
-          <p:nvPr/>
-        </p:nvPicPr>
-        <p:blipFill>
-          <a:blip r:embed="rId3"/>
-          <a:stretch>
-            <a:fillRect/>
-          </a:stretch>
-        </p:blipFill>
-        <p:spPr>
-          <a:xfrm>
-            <a:off x="2157793" y="3031873"/>
-            <a:ext cx="3940980" cy="364484"/>
-          </a:xfrm>
-          <a:prstGeom prst="rect">
-            <a:avLst/>
-          </a:prstGeom>
-        </p:spPr>
-      </p:pic>
-      <p:sp>
-        <p:nvSpPr>
-          <p:cNvPr id="41" name="Rectangle 40"/>
-          <p:cNvSpPr/>
-          <p:nvPr/>
-        </p:nvSpPr>
-        <p:spPr>
-          <a:xfrm>
-            <a:off x="8549766" y="2293905"/>
-            <a:ext cx="554226" cy="248398"/>
-          </a:xfrm>
-          <a:prstGeom prst="rect">
-            <a:avLst/>
-          </a:prstGeom>
-        </p:spPr>
-        <p:style>
-          <a:lnRef idx="2">
-            <a:schemeClr val="accent1">
-              <a:shade val="50000"/>
-            </a:schemeClr>
-          </a:lnRef>
-          <a:fillRef idx="1">
-            <a:schemeClr val="accent1"/>
-          </a:fillRef>
-          <a:effectRef idx="0">
-            <a:schemeClr val="accent1"/>
-          </a:effectRef>
-          <a:fontRef idx="minor">
-            <a:schemeClr val="lt1"/>
-          </a:fontRef>
-        </p:style>
-        <p:txBody>
-          <a:bodyPr rtlCol="0" anchor="ctr"/>
-          <a:lstStyle/>
-          <a:p>
-            <a:pPr algn="ctr"/>
-            <a:r>
-              <a:rPr lang="en-US" sz="1200" dirty="0" smtClean="0"/>
-              <a:t>(3)</a:t>
-            </a:r>
-            <a:endParaRPr lang="en-US" sz="1200" dirty="0"/>
-          </a:p>
-        </p:txBody>
-      </p:sp>
-      <p:sp>
-        <p:nvSpPr>
-          <p:cNvPr id="42" name="TextBox 41"/>
-          <p:cNvSpPr txBox="1"/>
-          <p:nvPr/>
-        </p:nvSpPr>
-        <p:spPr>
-          <a:xfrm>
-            <a:off x="6442600" y="2337346"/>
-            <a:ext cx="751406" cy="307777"/>
-          </a:xfrm>
-          <a:prstGeom prst="rect">
-            <a:avLst/>
-          </a:prstGeom>
-          <a:noFill/>
-        </p:spPr>
-        <p:txBody>
-          <a:bodyPr wrap="square" rtlCol="0">
-            <a:spAutoFit/>
-          </a:bodyPr>
-          <a:lstStyle/>
-          <a:p>
-            <a:r>
-              <a:rPr lang="en-US" dirty="0" smtClean="0"/>
-              <a:t>e(v</a:t>
-            </a:r>
-            <a:r>
-              <a:rPr lang="en-US" baseline="-25000" dirty="0" smtClean="0"/>
-              <a:t>1</a:t>
-            </a:r>
-            <a:r>
-              <a:rPr lang="en-US" dirty="0" smtClean="0"/>
-              <a:t>,v</a:t>
-            </a:r>
-            <a:r>
-              <a:rPr lang="en-US" baseline="-25000" dirty="0" smtClean="0"/>
-              <a:t>2</a:t>
-            </a:r>
-            <a:r>
-              <a:rPr lang="en-US" dirty="0" smtClean="0"/>
-              <a:t>)</a:t>
-            </a:r>
-            <a:endParaRPr lang="en-US" dirty="0"/>
-          </a:p>
-        </p:txBody>
-      </p:sp>
     </p:spTree>
     <p:extLst>
       <p:ext uri="{BB962C8B-B14F-4D97-AF65-F5344CB8AC3E}">
@@ -7873,7 +7992,6 @@
                 <a:rPr lang="en-US" sz="1100" dirty="0"/>
                 <a:t>3, Cathy, Drexel</a:t>
               </a:r>
-              <a:endParaRPr lang="en-US" sz="1100" dirty="0"/>
             </a:p>
           </p:txBody>
         </p:sp>
@@ -7903,7 +8021,6 @@
                 <a:rPr lang="en-US" sz="1100" dirty="0"/>
                 <a:t>2, Bob, CMU</a:t>
               </a:r>
-              <a:endParaRPr lang="en-US" sz="1100" dirty="0"/>
             </a:p>
           </p:txBody>
         </p:sp>
@@ -8013,7 +8130,6 @@
                 <a:rPr lang="en-US" sz="1100" dirty="0"/>
                 <a:t>1, Alice, Drexel</a:t>
               </a:r>
-              <a:endParaRPr lang="en-US" sz="1100" dirty="0"/>
             </a:p>
           </p:txBody>
         </p:sp>
@@ -8043,7 +8159,6 @@
                 <a:rPr lang="en-US" sz="1100" dirty="0"/>
                 <a:t>3, Cathy, Drexel</a:t>
               </a:r>
-              <a:endParaRPr lang="en-US" sz="1100" dirty="0"/>
             </a:p>
           </p:txBody>
         </p:sp>
@@ -8193,7 +8308,6 @@
                 <a:rPr lang="en-US" sz="1100" dirty="0"/>
                 <a:t>1, Alice, Drexel</a:t>
               </a:r>
-              <a:endParaRPr lang="en-US" sz="1100" dirty="0"/>
             </a:p>
           </p:txBody>
         </p:sp>
@@ -8223,7 +8337,6 @@
                 <a:rPr lang="en-US" sz="1100" dirty="0"/>
                 <a:t>3, Cathy, Drexel</a:t>
               </a:r>
-              <a:endParaRPr lang="en-US" sz="1100" dirty="0"/>
             </a:p>
           </p:txBody>
         </p:sp>
@@ -8337,7 +8450,6 @@
                   <a:rPr lang="en-US" sz="1100" dirty="0"/>
                   <a:t>3</a:t>
                 </a:r>
-                <a:endParaRPr lang="en-US" sz="1100" dirty="0"/>
               </a:p>
             </p:txBody>
           </p:sp>
@@ -8448,7 +8560,6 @@
                 <a:rPr lang="en-US" sz="1100" dirty="0"/>
                 <a:t>3, Cathy, Drexel</a:t>
               </a:r>
-              <a:endParaRPr lang="en-US" sz="1100" dirty="0"/>
             </a:p>
           </p:txBody>
         </p:sp>
@@ -8478,7 +8589,6 @@
                 <a:rPr lang="en-US" sz="1100" dirty="0"/>
                 <a:t>2, Bob, CMU</a:t>
               </a:r>
-              <a:endParaRPr lang="en-US" sz="1100" dirty="0"/>
             </a:p>
           </p:txBody>
         </p:sp>
@@ -8588,7 +8698,6 @@
                 <a:rPr lang="en-US" sz="1100" dirty="0"/>
                 <a:t>3, Cathy, Drexel</a:t>
               </a:r>
-              <a:endParaRPr lang="en-US" sz="1100" dirty="0"/>
             </a:p>
           </p:txBody>
         </p:sp>
@@ -8618,7 +8727,6 @@
                 <a:rPr lang="en-US" sz="1100" dirty="0"/>
                 <a:t>2, Bob, CMU</a:t>
               </a:r>
-              <a:endParaRPr lang="en-US" sz="1100" dirty="0"/>
             </a:p>
           </p:txBody>
         </p:sp>
@@ -8684,7 +8792,6 @@
                 <a:rPr lang="en-US" sz="1100" dirty="0"/>
                 <a:t>4</a:t>
               </a:r>
-              <a:endParaRPr lang="en-US" sz="1100" dirty="0"/>
             </a:p>
           </p:txBody>
         </p:sp>
@@ -9102,7 +9209,6 @@
                 <a:rPr lang="en-US" sz="1100" dirty="0"/>
                 <a:t>1, Alice, Drexel</a:t>
               </a:r>
-              <a:endParaRPr lang="en-US" sz="1100" dirty="0"/>
             </a:p>
           </p:txBody>
         </p:sp>
@@ -9172,7 +9278,6 @@
                 <a:rPr lang="en-US" sz="1100" dirty="0"/>
                 <a:t>1, Alice, Drexel</a:t>
               </a:r>
-              <a:endParaRPr lang="en-US" sz="1100" dirty="0"/>
             </a:p>
           </p:txBody>
         </p:sp>
@@ -9238,7 +9343,6 @@
                 <a:rPr lang="en-US" sz="1100" dirty="0"/>
                 <a:t>3</a:t>
               </a:r>
-              <a:endParaRPr lang="en-US" sz="1100" dirty="0"/>
             </a:p>
           </p:txBody>
         </p:sp>
@@ -9267,7 +9371,6 @@
                 <a:rPr lang="en-US" sz="1300" dirty="0"/>
                 <a:t>1/15</a:t>
               </a:r>
-              <a:endParaRPr lang="en-US" sz="1300" dirty="0"/>
             </a:p>
           </p:txBody>
         </p:sp>
@@ -9296,7 +9399,6 @@
                 <a:rPr lang="en-US" sz="1300" dirty="0"/>
                 <a:t>2/15</a:t>
               </a:r>
-              <a:endParaRPr lang="en-US" sz="1300" dirty="0"/>
             </a:p>
           </p:txBody>
         </p:sp>
@@ -9325,7 +9427,6 @@
                 <a:rPr lang="en-US" sz="1300" dirty="0"/>
                 <a:t>5/15</a:t>
               </a:r>
-              <a:endParaRPr lang="en-US" sz="1300" dirty="0"/>
             </a:p>
           </p:txBody>
         </p:sp>
@@ -9354,7 +9455,6 @@
                 <a:rPr lang="en-US" sz="1300" dirty="0"/>
                 <a:t>6/15</a:t>
               </a:r>
-              <a:endParaRPr lang="en-US" sz="1300" dirty="0"/>
             </a:p>
           </p:txBody>
         </p:sp>
@@ -9383,7 +9483,6 @@
                 <a:rPr lang="en-US" sz="1300" dirty="0"/>
                 <a:t>7/15</a:t>
               </a:r>
-              <a:endParaRPr lang="en-US" sz="1300" dirty="0"/>
             </a:p>
           </p:txBody>
         </p:sp>
@@ -9416,7 +9515,6 @@
                 <a:rPr lang="en-US" sz="1300" dirty="0"/>
                 <a:t>15</a:t>
               </a:r>
-              <a:endParaRPr lang="en-US" sz="1300" dirty="0"/>
             </a:p>
           </p:txBody>
         </p:sp>
@@ -10715,13 +10813,8 @@
           <a:p>
             <a:r>
               <a:rPr lang="en-US" sz="1100" dirty="0"/>
-              <a:t>v</a:t>
-            </a:r>
-            <a:r>
-              <a:rPr lang="en-US" sz="1100" dirty="0"/>
-              <a:t>1</a:t>
-            </a:r>
-            <a:endParaRPr lang="en-US" sz="1100" dirty="0"/>
+              <a:t>v1</a:t>
+            </a:r>
           </a:p>
         </p:txBody>
       </p:sp>
@@ -10749,13 +10842,8 @@
           <a:p>
             <a:r>
               <a:rPr lang="en-US" sz="1100" dirty="0"/>
-              <a:t>v</a:t>
-            </a:r>
-            <a:r>
-              <a:rPr lang="en-US" sz="1100" dirty="0"/>
-              <a:t>2</a:t>
-            </a:r>
-            <a:endParaRPr lang="en-US" sz="1100" dirty="0"/>
+              <a:t>v2</a:t>
+            </a:r>
           </a:p>
         </p:txBody>
       </p:sp>
@@ -10783,13 +10871,8 @@
           <a:p>
             <a:r>
               <a:rPr lang="en-US" sz="1100" dirty="0"/>
-              <a:t>v</a:t>
-            </a:r>
-            <a:r>
-              <a:rPr lang="en-US" sz="1100" dirty="0"/>
-              <a:t>3</a:t>
-            </a:r>
-            <a:endParaRPr lang="en-US" sz="1100" dirty="0"/>
+              <a:t>v3</a:t>
+            </a:r>
           </a:p>
         </p:txBody>
       </p:sp>
@@ -10819,7 +10902,6 @@
               <a:rPr lang="en-US" sz="1100" dirty="0"/>
               <a:t>e(v1,v2)</a:t>
             </a:r>
-            <a:endParaRPr lang="en-US" sz="1100" dirty="0"/>
           </a:p>
         </p:txBody>
       </p:sp>
@@ -10849,7 +10931,6 @@
               <a:rPr lang="en-US" sz="1100" dirty="0"/>
               <a:t>e(v2,v3)</a:t>
             </a:r>
-            <a:endParaRPr lang="en-US" sz="1100" dirty="0"/>
           </a:p>
         </p:txBody>
       </p:sp>
@@ -11011,7 +11092,6 @@
               <a:rPr lang="en-US" sz="1100" dirty="0"/>
               <a:t>07/15</a:t>
             </a:r>
-            <a:endParaRPr lang="en-US" sz="1100" dirty="0"/>
           </a:p>
         </p:txBody>
       </p:sp>
@@ -11041,7 +11121,6 @@
               <a:rPr lang="en-US" sz="1100" dirty="0"/>
               <a:t>08/15</a:t>
             </a:r>
-            <a:endParaRPr lang="en-US" sz="1100" dirty="0"/>
           </a:p>
         </p:txBody>
       </p:sp>
@@ -11071,7 +11150,6 @@
               <a:rPr lang="en-US" sz="1100" dirty="0"/>
               <a:t>09/15</a:t>
             </a:r>
-            <a:endParaRPr lang="en-US" sz="1100" dirty="0"/>
           </a:p>
         </p:txBody>
       </p:sp>
@@ -11101,7 +11179,6 @@
               <a:rPr lang="en-US" sz="1100" dirty="0"/>
               <a:t>10/15</a:t>
             </a:r>
-            <a:endParaRPr lang="en-US" sz="1100" dirty="0"/>
           </a:p>
         </p:txBody>
       </p:sp>
@@ -11194,7 +11271,6 @@
               <a:rPr lang="en-US" sz="1100" dirty="0"/>
               <a:t>p2</a:t>
             </a:r>
-            <a:endParaRPr lang="en-US" sz="1100" dirty="0"/>
           </a:p>
         </p:txBody>
       </p:sp>
@@ -11224,7 +11300,6 @@
               <a:rPr lang="en-US" sz="1100" dirty="0"/>
               <a:t>p3</a:t>
             </a:r>
-            <a:endParaRPr lang="en-US" sz="1100" dirty="0"/>
           </a:p>
         </p:txBody>
       </p:sp>
@@ -11254,7 +11329,6 @@
               <a:rPr lang="en-US" sz="1100" dirty="0"/>
               <a:t>p4</a:t>
             </a:r>
-            <a:endParaRPr lang="en-US" sz="1100" dirty="0"/>
           </a:p>
         </p:txBody>
       </p:sp>
@@ -11298,7 +11372,6 @@
               <a:rPr lang="en-US" sz="1100" dirty="0"/>
               <a:t>Alice</a:t>
             </a:r>
-            <a:endParaRPr lang="en-US" sz="1100" dirty="0"/>
           </a:p>
         </p:txBody>
       </p:sp>
@@ -11342,7 +11415,6 @@
               <a:rPr lang="en-US" sz="1100" dirty="0"/>
               <a:t>Bob</a:t>
             </a:r>
-            <a:endParaRPr lang="en-US" sz="1100" dirty="0"/>
           </a:p>
         </p:txBody>
       </p:sp>
@@ -11386,7 +11458,6 @@
               <a:rPr lang="en-US" sz="1100" dirty="0"/>
               <a:t>Cathy</a:t>
             </a:r>
-            <a:endParaRPr lang="en-US" sz="1100" dirty="0"/>
           </a:p>
         </p:txBody>
       </p:sp>
@@ -11430,7 +11501,6 @@
               <a:rPr lang="en-US" sz="1100" dirty="0"/>
               <a:t>3</a:t>
             </a:r>
-            <a:endParaRPr lang="en-US" sz="1100" dirty="0"/>
           </a:p>
         </p:txBody>
       </p:sp>
@@ -11474,7 +11544,6 @@
               <a:rPr lang="en-US" sz="1100" dirty="0"/>
               <a:t>4</a:t>
             </a:r>
-            <a:endParaRPr lang="en-US" sz="1100" dirty="0"/>
           </a:p>
         </p:txBody>
       </p:sp>
@@ -11584,7 +11653,6 @@
               <a:rPr lang="en-US" sz="1100" dirty="0"/>
               <a:t>3, Cathy</a:t>
             </a:r>
-            <a:endParaRPr lang="en-US" sz="1100" dirty="0"/>
           </a:p>
         </p:txBody>
       </p:sp>
@@ -11614,7 +11682,6 @@
               <a:rPr lang="en-US" sz="1100" dirty="0"/>
               <a:t>2, Bob</a:t>
             </a:r>
-            <a:endParaRPr lang="en-US" sz="1100" dirty="0"/>
           </a:p>
         </p:txBody>
       </p:sp>
@@ -11724,7 +11791,6 @@
               <a:rPr lang="en-US" sz="1100" dirty="0"/>
               <a:t>1, Alice</a:t>
             </a:r>
-            <a:endParaRPr lang="en-US" sz="1100" dirty="0"/>
           </a:p>
         </p:txBody>
       </p:sp>
@@ -11754,7 +11820,6 @@
               <a:rPr lang="en-US" sz="1100" dirty="0"/>
               <a:t>3, Cathy</a:t>
             </a:r>
-            <a:endParaRPr lang="en-US" sz="1100" dirty="0"/>
           </a:p>
         </p:txBody>
       </p:sp>
@@ -11904,7 +11969,6 @@
               <a:rPr lang="en-US" sz="1100" dirty="0"/>
               <a:t>1, Alice</a:t>
             </a:r>
-            <a:endParaRPr lang="en-US" sz="1100" dirty="0"/>
           </a:p>
         </p:txBody>
       </p:sp>
@@ -11934,7 +11998,6 @@
               <a:rPr lang="en-US" sz="1100" dirty="0"/>
               <a:t>3, Cathy</a:t>
             </a:r>
-            <a:endParaRPr lang="en-US" sz="1100" dirty="0"/>
           </a:p>
         </p:txBody>
       </p:sp>
@@ -11964,7 +12027,6 @@
               <a:rPr lang="en-US" sz="1100" dirty="0"/>
               <a:t>2, Bob</a:t>
             </a:r>
-            <a:endParaRPr lang="en-US" sz="1100" dirty="0"/>
           </a:p>
         </p:txBody>
       </p:sp>
@@ -12027,7 +12089,6 @@
               <a:rPr lang="en-US" sz="1100" dirty="0"/>
               <a:t>3</a:t>
             </a:r>
-            <a:endParaRPr lang="en-US" sz="1100" dirty="0"/>
           </a:p>
         </p:txBody>
       </p:sp>
@@ -12171,7 +12232,6 @@
               <a:rPr lang="en-US" sz="1100" dirty="0"/>
               <a:t>2, Bob</a:t>
             </a:r>
-            <a:endParaRPr lang="en-US" sz="1100" dirty="0"/>
           </a:p>
         </p:txBody>
       </p:sp>
@@ -12234,7 +12294,6 @@
               <a:rPr lang="en-US" sz="1100" dirty="0"/>
               <a:t>4</a:t>
             </a:r>
-            <a:endParaRPr lang="en-US" sz="1100" dirty="0"/>
           </a:p>
         </p:txBody>
       </p:sp>
@@ -12294,7 +12353,6 @@
               <a:rPr lang="en-US" sz="1100" dirty="0"/>
               <a:t>p2</a:t>
             </a:r>
-            <a:endParaRPr lang="en-US" sz="1100" dirty="0"/>
           </a:p>
         </p:txBody>
       </p:sp>
@@ -12324,7 +12382,6 @@
               <a:rPr lang="en-US" sz="1100" dirty="0"/>
               <a:t>p3</a:t>
             </a:r>
-            <a:endParaRPr lang="en-US" sz="1100" dirty="0"/>
           </a:p>
         </p:txBody>
       </p:sp>
@@ -12354,7 +12411,6 @@
               <a:rPr lang="en-US" sz="1100" dirty="0"/>
               <a:t>p4</a:t>
             </a:r>
-            <a:endParaRPr lang="en-US" sz="1100" dirty="0"/>
           </a:p>
         </p:txBody>
       </p:sp>
@@ -12552,13 +12608,8 @@
           <a:p>
             <a:r>
               <a:rPr lang="en-US" sz="1100" dirty="0"/>
-              <a:t>v</a:t>
-            </a:r>
-            <a:r>
-              <a:rPr lang="en-US" sz="1100" dirty="0"/>
-              <a:t>1</a:t>
-            </a:r>
-            <a:endParaRPr lang="en-US" sz="1100" dirty="0"/>
+              <a:t>v1</a:t>
+            </a:r>
           </a:p>
         </p:txBody>
       </p:sp>
@@ -12586,13 +12637,8 @@
           <a:p>
             <a:r>
               <a:rPr lang="en-US" sz="1100" dirty="0"/>
-              <a:t>v</a:t>
-            </a:r>
-            <a:r>
-              <a:rPr lang="en-US" sz="1100" dirty="0"/>
-              <a:t>2</a:t>
-            </a:r>
-            <a:endParaRPr lang="en-US" sz="1100" dirty="0"/>
+              <a:t>v2</a:t>
+            </a:r>
           </a:p>
         </p:txBody>
       </p:sp>
@@ -12620,13 +12666,8 @@
           <a:p>
             <a:r>
               <a:rPr lang="en-US" sz="1100" dirty="0"/>
-              <a:t>v</a:t>
-            </a:r>
-            <a:r>
-              <a:rPr lang="en-US" sz="1100" dirty="0"/>
-              <a:t>3</a:t>
-            </a:r>
-            <a:endParaRPr lang="en-US" sz="1100" dirty="0"/>
+              <a:t>v3</a:t>
+            </a:r>
           </a:p>
         </p:txBody>
       </p:sp>
@@ -12755,7 +12796,6 @@
               <a:rPr lang="en-US" sz="1100" dirty="0"/>
               <a:t>07/15</a:t>
             </a:r>
-            <a:endParaRPr lang="en-US" sz="1100" dirty="0"/>
           </a:p>
         </p:txBody>
       </p:sp>
@@ -12785,7 +12825,6 @@
               <a:rPr lang="en-US" sz="1100" dirty="0"/>
               <a:t>08/15</a:t>
             </a:r>
-            <a:endParaRPr lang="en-US" sz="1100" dirty="0"/>
           </a:p>
         </p:txBody>
       </p:sp>
@@ -12815,7 +12854,6 @@
               <a:rPr lang="en-US" sz="1100" dirty="0"/>
               <a:t>09/15</a:t>
             </a:r>
-            <a:endParaRPr lang="en-US" sz="1100" dirty="0"/>
           </a:p>
         </p:txBody>
       </p:sp>
@@ -12845,7 +12883,6 @@
               <a:rPr lang="en-US" sz="1100" dirty="0"/>
               <a:t>10/15</a:t>
             </a:r>
-            <a:endParaRPr lang="en-US" sz="1100" dirty="0"/>
           </a:p>
         </p:txBody>
       </p:sp>
@@ -12955,7 +12992,6 @@
               <a:rPr lang="en-US" sz="1100" dirty="0"/>
               <a:t>1, Alice, Drexel</a:t>
             </a:r>
-            <a:endParaRPr lang="en-US" sz="1100" dirty="0"/>
           </a:p>
         </p:txBody>
       </p:sp>
@@ -12985,7 +13021,6 @@
               <a:rPr lang="en-US" sz="1100" dirty="0"/>
               <a:t>3, Cathy, Drexel</a:t>
             </a:r>
-            <a:endParaRPr lang="en-US" sz="1100" dirty="0"/>
           </a:p>
         </p:txBody>
       </p:sp>
@@ -13055,7 +13090,6 @@
               <a:rPr lang="en-US" sz="1100" dirty="0"/>
               <a:t>3, Cathy, Drexel</a:t>
             </a:r>
-            <a:endParaRPr lang="en-US" sz="1100" dirty="0"/>
           </a:p>
         </p:txBody>
       </p:sp>
@@ -13115,7 +13149,6 @@
               <a:rPr lang="en-US" sz="1100" dirty="0"/>
               <a:t>p2</a:t>
             </a:r>
-            <a:endParaRPr lang="en-US" sz="1100" dirty="0"/>
           </a:p>
         </p:txBody>
       </p:sp>
@@ -13159,7 +13192,6 @@
               <a:rPr lang="en-US" sz="1100" dirty="0"/>
               <a:t>Alice, Drexel</a:t>
             </a:r>
-            <a:endParaRPr lang="en-US" sz="1100" dirty="0"/>
           </a:p>
         </p:txBody>
       </p:sp>
@@ -13203,7 +13235,6 @@
               <a:rPr lang="en-US" sz="1100" dirty="0"/>
               <a:t>Cathy, Drexel</a:t>
             </a:r>
-            <a:endParaRPr lang="en-US" sz="1100" dirty="0"/>
           </a:p>
         </p:txBody>
       </p:sp>
@@ -13263,7 +13294,6 @@
               <a:rPr lang="en-US" sz="1100" dirty="0"/>
               <a:t>p2</a:t>
             </a:r>
-            <a:endParaRPr lang="en-US" sz="1100" dirty="0"/>
           </a:p>
         </p:txBody>
       </p:sp>
@@ -13461,13 +13491,8 @@
           <a:p>
             <a:r>
               <a:rPr lang="en-US" sz="1900" dirty="0"/>
-              <a:t>v</a:t>
-            </a:r>
-            <a:r>
-              <a:rPr lang="en-US" sz="1900" dirty="0"/>
-              <a:t>1</a:t>
-            </a:r>
-            <a:endParaRPr lang="en-US" sz="1900" dirty="0"/>
+              <a:t>v1</a:t>
+            </a:r>
           </a:p>
         </p:txBody>
       </p:sp>
@@ -13495,13 +13520,8 @@
           <a:p>
             <a:r>
               <a:rPr lang="en-US" sz="1900" dirty="0"/>
-              <a:t>v</a:t>
-            </a:r>
-            <a:r>
-              <a:rPr lang="en-US" sz="1900" dirty="0"/>
-              <a:t>2</a:t>
-            </a:r>
-            <a:endParaRPr lang="en-US" sz="1900" dirty="0"/>
+              <a:t>v2</a:t>
+            </a:r>
           </a:p>
         </p:txBody>
       </p:sp>
@@ -13529,13 +13549,8 @@
           <a:p>
             <a:r>
               <a:rPr lang="en-US" sz="1900" dirty="0"/>
-              <a:t>v</a:t>
-            </a:r>
-            <a:r>
-              <a:rPr lang="en-US" sz="1900" dirty="0"/>
-              <a:t>3</a:t>
-            </a:r>
-            <a:endParaRPr lang="en-US" sz="1900" dirty="0"/>
+              <a:t>v3</a:t>
+            </a:r>
           </a:p>
         </p:txBody>
       </p:sp>
@@ -13565,7 +13580,6 @@
               <a:rPr lang="en-US" sz="1900" dirty="0"/>
               <a:t>e(v1,v2)</a:t>
             </a:r>
-            <a:endParaRPr lang="en-US" sz="1900" dirty="0"/>
           </a:p>
         </p:txBody>
       </p:sp>
@@ -13595,7 +13609,6 @@
               <a:rPr lang="en-US" sz="1900" dirty="0"/>
               <a:t>e(v2,v3)</a:t>
             </a:r>
-            <a:endParaRPr lang="en-US" sz="1900" dirty="0"/>
           </a:p>
         </p:txBody>
       </p:sp>
@@ -13724,7 +13737,6 @@
               <a:rPr lang="en-US" sz="1900" dirty="0"/>
               <a:t>08/15</a:t>
             </a:r>
-            <a:endParaRPr lang="en-US" sz="1900" dirty="0"/>
           </a:p>
         </p:txBody>
       </p:sp>
@@ -13754,7 +13766,6 @@
               <a:rPr lang="en-US" sz="1900" dirty="0"/>
               <a:t>09/15</a:t>
             </a:r>
-            <a:endParaRPr lang="en-US" sz="1900" dirty="0"/>
           </a:p>
         </p:txBody>
       </p:sp>
@@ -13784,7 +13795,6 @@
               <a:rPr lang="en-US" sz="1900" dirty="0"/>
               <a:t>10/15</a:t>
             </a:r>
-            <a:endParaRPr lang="en-US" sz="1900" dirty="0"/>
           </a:p>
         </p:txBody>
       </p:sp>
@@ -13960,7 +13970,6 @@
               <a:rPr lang="en-US" sz="1900" dirty="0"/>
               <a:t>3, Cathy, Drexel</a:t>
             </a:r>
-            <a:endParaRPr lang="en-US" sz="1900" dirty="0"/>
           </a:p>
         </p:txBody>
       </p:sp>
@@ -14144,7 +14153,6 @@
               <a:rPr lang="en-US" sz="1900" dirty="0"/>
               <a:t>1, Alice, Drexel</a:t>
             </a:r>
-            <a:endParaRPr lang="en-US" sz="1900" dirty="0"/>
           </a:p>
         </p:txBody>
       </p:sp>
@@ -14174,7 +14182,6 @@
               <a:rPr lang="en-US" sz="1900" dirty="0"/>
               <a:t>3, Cathy, Drexel</a:t>
             </a:r>
-            <a:endParaRPr lang="en-US" sz="1900" dirty="0"/>
           </a:p>
         </p:txBody>
       </p:sp>
@@ -14274,7 +14281,6 @@
               <a:rPr lang="en-US" sz="1900" dirty="0"/>
               <a:t>p1</a:t>
             </a:r>
-            <a:endParaRPr lang="en-US" sz="1900" dirty="0"/>
           </a:p>
         </p:txBody>
       </p:sp>
@@ -14304,7 +14310,6 @@
               <a:rPr lang="en-US" sz="1900" dirty="0"/>
               <a:t>p2</a:t>
             </a:r>
-            <a:endParaRPr lang="en-US" sz="1900" dirty="0"/>
           </a:p>
         </p:txBody>
       </p:sp>
@@ -14334,7 +14339,6 @@
               <a:rPr lang="en-US" sz="1900" dirty="0"/>
               <a:t>p3</a:t>
             </a:r>
-            <a:endParaRPr lang="en-US" sz="1900" dirty="0"/>
           </a:p>
         </p:txBody>
       </p:sp>
@@ -14364,7 +14368,6 @@
               <a:rPr lang="en-US" sz="1900" dirty="0"/>
               <a:t>p4</a:t>
             </a:r>
-            <a:endParaRPr lang="en-US" sz="1900" dirty="0"/>
           </a:p>
         </p:txBody>
       </p:sp>
@@ -14408,7 +14411,6 @@
               <a:rPr lang="en-US" sz="1900" dirty="0"/>
               <a:t>Alice, Drexel</a:t>
             </a:r>
-            <a:endParaRPr lang="en-US" sz="1900" dirty="0"/>
           </a:p>
         </p:txBody>
       </p:sp>
@@ -14500,7 +14502,6 @@
               <a:rPr lang="en-US" sz="1900" dirty="0"/>
               <a:t>Cathy, Drexel</a:t>
             </a:r>
-            <a:endParaRPr lang="en-US" sz="1900" dirty="0"/>
           </a:p>
         </p:txBody>
       </p:sp>
@@ -14544,7 +14545,6 @@
               <a:rPr lang="en-US" sz="1900" dirty="0"/>
               <a:t>Bob, Columbia</a:t>
             </a:r>
-            <a:endParaRPr lang="en-US" sz="1900" dirty="0"/>
           </a:p>
         </p:txBody>
       </p:sp>
@@ -14588,7 +14588,6 @@
               <a:rPr lang="en-US" sz="1900" dirty="0"/>
               <a:t>3</a:t>
             </a:r>
-            <a:endParaRPr lang="en-US" sz="1900" dirty="0"/>
           </a:p>
         </p:txBody>
       </p:sp>
@@ -14632,7 +14631,6 @@
               <a:rPr lang="en-US" sz="1900" dirty="0"/>
               <a:t>4</a:t>
             </a:r>
-            <a:endParaRPr lang="en-US" sz="1900" dirty="0"/>
           </a:p>
         </p:txBody>
       </p:sp>
@@ -14662,7 +14660,6 @@
               <a:rPr lang="en-US" sz="1900" dirty="0"/>
               <a:t>3</a:t>
             </a:r>
-            <a:endParaRPr lang="en-US" sz="1900" dirty="0"/>
           </a:p>
         </p:txBody>
       </p:sp>
@@ -20442,7 +20439,6 @@
                 <a:rPr lang="en-US" sz="1100" dirty="0"/>
                 <a:t>3, Cathy, Drexel</a:t>
               </a:r>
-              <a:endParaRPr lang="en-US" sz="1100" dirty="0"/>
             </a:p>
           </p:txBody>
         </p:sp>
@@ -20472,7 +20468,6 @@
                 <a:rPr lang="en-US" sz="1100" dirty="0"/>
                 <a:t>2, Bob, CMU</a:t>
               </a:r>
-              <a:endParaRPr lang="en-US" sz="1100" dirty="0"/>
             </a:p>
           </p:txBody>
         </p:sp>
@@ -20582,7 +20577,6 @@
                 <a:rPr lang="en-US" sz="1100" dirty="0"/>
                 <a:t>1, Alice, Drexel</a:t>
               </a:r>
-              <a:endParaRPr lang="en-US" sz="1100" dirty="0"/>
             </a:p>
           </p:txBody>
         </p:sp>
@@ -20612,7 +20606,6 @@
                 <a:rPr lang="en-US" sz="1100" dirty="0"/>
                 <a:t>3, Cathy, Drexel</a:t>
               </a:r>
-              <a:endParaRPr lang="en-US" sz="1100" dirty="0"/>
             </a:p>
           </p:txBody>
         </p:sp>
@@ -20762,7 +20755,6 @@
                 <a:rPr lang="en-US" sz="1100" dirty="0"/>
                 <a:t>1, Alice, Drexel</a:t>
               </a:r>
-              <a:endParaRPr lang="en-US" sz="1100" dirty="0"/>
             </a:p>
           </p:txBody>
         </p:sp>
@@ -20792,7 +20784,6 @@
                 <a:rPr lang="en-US" sz="1100" dirty="0"/>
                 <a:t>3, Cathy, Drexel</a:t>
               </a:r>
-              <a:endParaRPr lang="en-US" sz="1100" dirty="0"/>
             </a:p>
           </p:txBody>
         </p:sp>
@@ -20906,7 +20897,6 @@
                   <a:rPr lang="en-US" sz="1100" dirty="0"/>
                   <a:t>3</a:t>
                 </a:r>
-                <a:endParaRPr lang="en-US" sz="1100" dirty="0"/>
               </a:p>
             </p:txBody>
           </p:sp>
@@ -21017,7 +21007,6 @@
                 <a:rPr lang="en-US" sz="1100" dirty="0"/>
                 <a:t>3, Cathy, Drexel</a:t>
               </a:r>
-              <a:endParaRPr lang="en-US" sz="1100" dirty="0"/>
             </a:p>
           </p:txBody>
         </p:sp>
@@ -21047,7 +21036,6 @@
                 <a:rPr lang="en-US" sz="1100" dirty="0"/>
                 <a:t>2, Bob, CMU</a:t>
               </a:r>
-              <a:endParaRPr lang="en-US" sz="1100" dirty="0"/>
             </a:p>
           </p:txBody>
         </p:sp>
@@ -21157,7 +21145,6 @@
                 <a:rPr lang="en-US" sz="1100" dirty="0"/>
                 <a:t>3, Cathy, Drexel</a:t>
               </a:r>
-              <a:endParaRPr lang="en-US" sz="1100" dirty="0"/>
             </a:p>
           </p:txBody>
         </p:sp>
@@ -21187,7 +21174,6 @@
                 <a:rPr lang="en-US" sz="1100" dirty="0"/>
                 <a:t>2, Bob, CMU</a:t>
               </a:r>
-              <a:endParaRPr lang="en-US" sz="1100" dirty="0"/>
             </a:p>
           </p:txBody>
         </p:sp>
@@ -21253,7 +21239,6 @@
                 <a:rPr lang="en-US" sz="1100" dirty="0"/>
                 <a:t>4</a:t>
               </a:r>
-              <a:endParaRPr lang="en-US" sz="1100" dirty="0"/>
             </a:p>
           </p:txBody>
         </p:sp>
@@ -21671,7 +21656,6 @@
                 <a:rPr lang="en-US" sz="1100" dirty="0"/>
                 <a:t>1, Alice, Drexel</a:t>
               </a:r>
-              <a:endParaRPr lang="en-US" sz="1100" dirty="0"/>
             </a:p>
           </p:txBody>
         </p:sp>
@@ -21741,7 +21725,6 @@
                 <a:rPr lang="en-US" sz="1100" dirty="0"/>
                 <a:t>1, Alice, Drexel</a:t>
               </a:r>
-              <a:endParaRPr lang="en-US" sz="1100" dirty="0"/>
             </a:p>
           </p:txBody>
         </p:sp>
@@ -21807,7 +21790,6 @@
                 <a:rPr lang="en-US" sz="1100" dirty="0"/>
                 <a:t>3</a:t>
               </a:r>
-              <a:endParaRPr lang="en-US" sz="1100" dirty="0"/>
             </a:p>
           </p:txBody>
         </p:sp>
@@ -21836,7 +21818,6 @@
                 <a:rPr lang="en-US" sz="1300" dirty="0"/>
                 <a:t>1/15</a:t>
               </a:r>
-              <a:endParaRPr lang="en-US" sz="1300" dirty="0"/>
             </a:p>
           </p:txBody>
         </p:sp>
@@ -21865,7 +21846,6 @@
                 <a:rPr lang="en-US" sz="1300" dirty="0"/>
                 <a:t>2/15</a:t>
               </a:r>
-              <a:endParaRPr lang="en-US" sz="1300" dirty="0"/>
             </a:p>
           </p:txBody>
         </p:sp>
@@ -21894,7 +21874,6 @@
                 <a:rPr lang="en-US" sz="1300" dirty="0"/>
                 <a:t>5/15</a:t>
               </a:r>
-              <a:endParaRPr lang="en-US" sz="1300" dirty="0"/>
             </a:p>
           </p:txBody>
         </p:sp>
@@ -21923,7 +21902,6 @@
                 <a:rPr lang="en-US" sz="1300" dirty="0"/>
                 <a:t>6/15</a:t>
               </a:r>
-              <a:endParaRPr lang="en-US" sz="1300" dirty="0"/>
             </a:p>
           </p:txBody>
         </p:sp>
@@ -21952,7 +21930,6 @@
                 <a:rPr lang="en-US" sz="1300" dirty="0"/>
                 <a:t>7/15</a:t>
               </a:r>
-              <a:endParaRPr lang="en-US" sz="1300" dirty="0"/>
             </a:p>
           </p:txBody>
         </p:sp>
@@ -21981,7 +21958,6 @@
                 <a:rPr lang="en-US" sz="1300" dirty="0"/>
                 <a:t>9/15</a:t>
               </a:r>
-              <a:endParaRPr lang="en-US" sz="1300" dirty="0"/>
             </a:p>
           </p:txBody>
         </p:sp>
@@ -22010,11 +21986,7 @@
           <a:p>
             <a:r>
               <a:rPr lang="en-US" dirty="0" smtClean="0"/>
-              <a:t>JULIA’S </a:t>
-            </a:r>
-            <a:r>
-              <a:rPr lang="en-US" dirty="0" smtClean="0"/>
-              <a:t>VERSION: aggregation w=1month, </a:t>
+              <a:t>JULIA’S VERSION: aggregation w=1month, </a:t>
             </a:r>
             <a:r>
               <a:rPr lang="en-US" dirty="0" err="1" smtClean="0"/>
@@ -22698,11 +22670,7 @@
           <a:p>
             <a:r>
               <a:rPr lang="en-US" dirty="0" smtClean="0"/>
-              <a:t>JULIA’S </a:t>
-            </a:r>
-            <a:r>
-              <a:rPr lang="en-US" dirty="0" smtClean="0"/>
-              <a:t>VERSION: aggregation w=1month, </a:t>
+              <a:t>JULIA’S VERSION: aggregation w=1month, </a:t>
             </a:r>
             <a:r>
               <a:rPr lang="en-US" dirty="0" err="1" smtClean="0"/>
@@ -22753,7 +22721,6 @@
               <a:rPr lang="en-US" baseline="-25000" dirty="0"/>
               <a:t>1</a:t>
             </a:r>
-            <a:endParaRPr lang="en-US" baseline="-25000" dirty="0"/>
           </a:p>
         </p:txBody>
       </p:sp>
@@ -29717,13 +29684,8 @@
           <a:p>
             <a:r>
               <a:rPr lang="en-US" sz="1100" dirty="0"/>
-              <a:t>v</a:t>
-            </a:r>
-            <a:r>
-              <a:rPr lang="en-US" sz="1100" dirty="0"/>
-              <a:t>1</a:t>
-            </a:r>
-            <a:endParaRPr lang="en-US" sz="1100" dirty="0"/>
+              <a:t>v1</a:t>
+            </a:r>
           </a:p>
         </p:txBody>
       </p:sp>
@@ -29751,13 +29713,8 @@
           <a:p>
             <a:r>
               <a:rPr lang="en-US" sz="1100" dirty="0"/>
-              <a:t>v</a:t>
-            </a:r>
-            <a:r>
-              <a:rPr lang="en-US" sz="1100" dirty="0"/>
-              <a:t>2</a:t>
-            </a:r>
-            <a:endParaRPr lang="en-US" sz="1100" dirty="0"/>
+              <a:t>v2</a:t>
+            </a:r>
           </a:p>
         </p:txBody>
       </p:sp>
@@ -29785,13 +29742,8 @@
           <a:p>
             <a:r>
               <a:rPr lang="en-US" sz="1100" dirty="0"/>
-              <a:t>v</a:t>
-            </a:r>
-            <a:r>
-              <a:rPr lang="en-US" sz="1100" dirty="0"/>
-              <a:t>3</a:t>
-            </a:r>
-            <a:endParaRPr lang="en-US" sz="1100" dirty="0"/>
+              <a:t>v3</a:t>
+            </a:r>
           </a:p>
         </p:txBody>
       </p:sp>
@@ -29821,7 +29773,6 @@
               <a:rPr lang="en-US" sz="1100" dirty="0"/>
               <a:t>e(v1,v2)</a:t>
             </a:r>
-            <a:endParaRPr lang="en-US" sz="1100" dirty="0"/>
           </a:p>
         </p:txBody>
       </p:sp>
@@ -29851,7 +29802,6 @@
               <a:rPr lang="en-US" sz="1100" dirty="0"/>
               <a:t>e(v2,v3)</a:t>
             </a:r>
-            <a:endParaRPr lang="en-US" sz="1100" dirty="0"/>
           </a:p>
         </p:txBody>
       </p:sp>
@@ -30013,7 +29963,6 @@
               <a:rPr lang="en-US" sz="1100" dirty="0"/>
               <a:t>07/15</a:t>
             </a:r>
-            <a:endParaRPr lang="en-US" sz="1100" dirty="0"/>
           </a:p>
         </p:txBody>
       </p:sp>
@@ -30043,7 +29992,6 @@
               <a:rPr lang="en-US" sz="1100" dirty="0"/>
               <a:t>08/15</a:t>
             </a:r>
-            <a:endParaRPr lang="en-US" sz="1100" dirty="0"/>
           </a:p>
         </p:txBody>
       </p:sp>
@@ -30073,7 +30021,6 @@
               <a:rPr lang="en-US" sz="1100" dirty="0"/>
               <a:t>09/15</a:t>
             </a:r>
-            <a:endParaRPr lang="en-US" sz="1100" dirty="0"/>
           </a:p>
         </p:txBody>
       </p:sp>
@@ -30103,7 +30050,6 @@
               <a:rPr lang="en-US" sz="1100" dirty="0"/>
               <a:t>10/15</a:t>
             </a:r>
-            <a:endParaRPr lang="en-US" sz="1100" dirty="0"/>
           </a:p>
         </p:txBody>
       </p:sp>
@@ -30279,7 +30225,6 @@
               <a:rPr lang="en-US" sz="1100" dirty="0"/>
               <a:t>3, Cathy, Drexel</a:t>
             </a:r>
-            <a:endParaRPr lang="en-US" sz="1100" dirty="0"/>
           </a:p>
         </p:txBody>
       </p:sp>
@@ -30423,7 +30368,6 @@
               <a:rPr lang="en-US" sz="1100" dirty="0"/>
               <a:t>1, Alice, Drexel</a:t>
             </a:r>
-            <a:endParaRPr lang="en-US" sz="1100" dirty="0"/>
           </a:p>
         </p:txBody>
       </p:sp>
@@ -30453,7 +30397,6 @@
               <a:rPr lang="en-US" sz="1100" dirty="0"/>
               <a:t>3, Cathy, Drexel</a:t>
             </a:r>
-            <a:endParaRPr lang="en-US" sz="1100" dirty="0"/>
           </a:p>
         </p:txBody>
       </p:sp>
@@ -30603,7 +30546,6 @@
               <a:rPr lang="en-US" sz="1100" dirty="0"/>
               <a:t>1, Alice, Drexel</a:t>
             </a:r>
-            <a:endParaRPr lang="en-US" sz="1100" dirty="0"/>
           </a:p>
         </p:txBody>
       </p:sp>
@@ -30633,7 +30575,6 @@
               <a:rPr lang="en-US" sz="1100" dirty="0"/>
               <a:t>3, Cathy, Drexel</a:t>
             </a:r>
-            <a:endParaRPr lang="en-US" sz="1100" dirty="0"/>
           </a:p>
         </p:txBody>
       </p:sp>
@@ -30763,7 +30704,6 @@
               <a:rPr lang="en-US" sz="1100" dirty="0"/>
               <a:t>p2</a:t>
             </a:r>
-            <a:endParaRPr lang="en-US" sz="1100" dirty="0"/>
           </a:p>
         </p:txBody>
       </p:sp>
@@ -30793,7 +30733,6 @@
               <a:rPr lang="en-US" sz="1100" dirty="0"/>
               <a:t>p3</a:t>
             </a:r>
-            <a:endParaRPr lang="en-US" sz="1100" dirty="0"/>
           </a:p>
         </p:txBody>
       </p:sp>
@@ -30823,7 +30762,6 @@
               <a:rPr lang="en-US" sz="1100" dirty="0"/>
               <a:t>p4</a:t>
             </a:r>
-            <a:endParaRPr lang="en-US" sz="1100" dirty="0"/>
           </a:p>
         </p:txBody>
       </p:sp>
@@ -30853,7 +30791,6 @@
               <a:rPr lang="en-US" sz="1100" dirty="0"/>
               <a:t>p5</a:t>
             </a:r>
-            <a:endParaRPr lang="en-US" sz="1100" dirty="0"/>
           </a:p>
         </p:txBody>
       </p:sp>
@@ -30897,7 +30834,6 @@
               <a:rPr lang="en-US" sz="1100" dirty="0"/>
               <a:t>Alice, Drexel</a:t>
             </a:r>
-            <a:endParaRPr lang="en-US" sz="1100" dirty="0"/>
           </a:p>
         </p:txBody>
       </p:sp>
@@ -30989,7 +30925,6 @@
               <a:rPr lang="en-US" sz="1100" dirty="0"/>
               <a:t>Cathy, Drexel</a:t>
             </a:r>
-            <a:endParaRPr lang="en-US" sz="1100" dirty="0"/>
           </a:p>
         </p:txBody>
       </p:sp>
@@ -31033,7 +30968,6 @@
               <a:rPr lang="en-US" sz="1100" dirty="0"/>
               <a:t>Bob, Columbia</a:t>
             </a:r>
-            <a:endParaRPr lang="en-US" sz="1100" dirty="0"/>
           </a:p>
         </p:txBody>
       </p:sp>
@@ -31077,7 +31011,6 @@
               <a:rPr lang="en-US" sz="1100" dirty="0"/>
               <a:t>3</a:t>
             </a:r>
-            <a:endParaRPr lang="en-US" sz="1100" dirty="0"/>
           </a:p>
         </p:txBody>
       </p:sp>
@@ -31121,7 +31054,6 @@
               <a:rPr lang="en-US" sz="1100" dirty="0"/>
               <a:t>4</a:t>
             </a:r>
-            <a:endParaRPr lang="en-US" sz="1100" dirty="0"/>
           </a:p>
         </p:txBody>
       </p:sp>
@@ -31151,7 +31083,6 @@
               <a:rPr lang="en-US" sz="1100" dirty="0"/>
               <a:t>3</a:t>
             </a:r>
-            <a:endParaRPr lang="en-US" sz="1100" dirty="0"/>
           </a:p>
         </p:txBody>
       </p:sp>
@@ -31261,7 +31192,6 @@
               <a:rPr lang="en-US" sz="1100" dirty="0"/>
               <a:t>3, Cathy, Drexel</a:t>
             </a:r>
-            <a:endParaRPr lang="en-US" sz="1100" dirty="0"/>
           </a:p>
         </p:txBody>
       </p:sp>
@@ -31291,7 +31221,6 @@
               <a:rPr lang="en-US" sz="1100" dirty="0"/>
               <a:t>2, Bob, Columbia</a:t>
             </a:r>
-            <a:endParaRPr lang="en-US" sz="1100" dirty="0"/>
           </a:p>
         </p:txBody>
       </p:sp>
@@ -31401,7 +31330,6 @@
               <a:rPr lang="en-US" sz="1100" dirty="0"/>
               <a:t>3, Cathy, Drexel</a:t>
             </a:r>
-            <a:endParaRPr lang="en-US" sz="1100" dirty="0"/>
           </a:p>
         </p:txBody>
       </p:sp>
@@ -31431,7 +31359,6 @@
               <a:rPr lang="en-US" sz="1100" dirty="0"/>
               <a:t>2, Bob, Columbia</a:t>
             </a:r>
-            <a:endParaRPr lang="en-US" sz="1100" dirty="0"/>
           </a:p>
         </p:txBody>
       </p:sp>
@@ -31497,7 +31424,6 @@
               <a:rPr lang="en-US" sz="1100" dirty="0"/>
               <a:t>4</a:t>
             </a:r>
-            <a:endParaRPr lang="en-US" sz="1100" dirty="0"/>
           </a:p>
         </p:txBody>
       </p:sp>
@@ -31557,7 +31483,6 @@
               <a:rPr lang="en-US" sz="1100" dirty="0"/>
               <a:t>p2</a:t>
             </a:r>
-            <a:endParaRPr lang="en-US" sz="1100" dirty="0"/>
           </a:p>
         </p:txBody>
       </p:sp>
@@ -31587,7 +31512,6 @@
               <a:rPr lang="en-US" sz="1100" dirty="0"/>
               <a:t>p3</a:t>
             </a:r>
-            <a:endParaRPr lang="en-US" sz="1100" dirty="0"/>
           </a:p>
         </p:txBody>
       </p:sp>
@@ -31617,7 +31541,6 @@
               <a:rPr lang="en-US" sz="1100" dirty="0"/>
               <a:t>p4</a:t>
             </a:r>
-            <a:endParaRPr lang="en-US" sz="1100" dirty="0"/>
           </a:p>
         </p:txBody>
       </p:sp>
@@ -31647,7 +31570,6 @@
               <a:rPr lang="en-US" sz="1100" dirty="0"/>
               <a:t>p5</a:t>
             </a:r>
-            <a:endParaRPr lang="en-US" sz="1100" dirty="0"/>
           </a:p>
         </p:txBody>
       </p:sp>
@@ -32387,7 +32309,6 @@
                 <a:rPr lang="en-US" sz="1200" dirty="0"/>
                 <a:t>Alice, Drexel</a:t>
               </a:r>
-              <a:endParaRPr lang="en-US" sz="1200" dirty="0"/>
             </a:p>
           </p:txBody>
         </p:sp>
@@ -32479,7 +32400,6 @@
                 <a:rPr lang="en-US" sz="1200" dirty="0"/>
                 <a:t>Cathy, Drexel</a:t>
               </a:r>
-              <a:endParaRPr lang="en-US" sz="1200" dirty="0"/>
             </a:p>
           </p:txBody>
         </p:sp>
@@ -32523,7 +32443,6 @@
                 <a:rPr lang="en-US" sz="1200" dirty="0"/>
                 <a:t>Bob, CMU</a:t>
               </a:r>
-              <a:endParaRPr lang="en-US" sz="1200" dirty="0"/>
             </a:p>
           </p:txBody>
         </p:sp>
@@ -32567,7 +32486,6 @@
                 <a:rPr lang="en-US" sz="1200" dirty="0"/>
                 <a:t>3</a:t>
               </a:r>
-              <a:endParaRPr lang="en-US" sz="1200" dirty="0"/>
             </a:p>
           </p:txBody>
         </p:sp>
@@ -32611,7 +32529,6 @@
                 <a:rPr lang="en-US" sz="1200" dirty="0"/>
                 <a:t>4</a:t>
               </a:r>
-              <a:endParaRPr lang="en-US" sz="1200" dirty="0"/>
             </a:p>
           </p:txBody>
         </p:sp>
@@ -33678,7 +33595,6 @@
               <a:rPr lang="en-US" sz="1500" dirty="0"/>
               <a:t>, name, school)</a:t>
             </a:r>
-            <a:endParaRPr lang="en-US" sz="1500" dirty="0"/>
           </a:p>
         </p:txBody>
       </p:sp>
@@ -34218,7 +34134,6 @@
               <a:rPr lang="en-US" sz="1500" dirty="0"/>
               <a:t>)</a:t>
             </a:r>
-            <a:endParaRPr lang="en-US" sz="1500" dirty="0"/>
           </a:p>
         </p:txBody>
       </p:sp>
@@ -35080,7 +34995,6 @@
               <a:rPr lang="en-US" sz="1500" dirty="0"/>
               <a:t>, name, school)</a:t>
             </a:r>
-            <a:endParaRPr lang="en-US" sz="1500" dirty="0"/>
           </a:p>
         </p:txBody>
       </p:sp>
@@ -35579,7 +35493,6 @@
               <a:rPr lang="en-US" sz="1500" dirty="0"/>
               <a:t>)</a:t>
             </a:r>
-            <a:endParaRPr lang="en-US" sz="1500" dirty="0"/>
           </a:p>
         </p:txBody>
       </p:sp>
@@ -36199,7 +36112,6 @@
                 <a:rPr lang="en-US" sz="1200" dirty="0"/>
                 <a:t>Alice, Drexel</a:t>
               </a:r>
-              <a:endParaRPr lang="en-US" sz="1200" dirty="0"/>
             </a:p>
           </p:txBody>
         </p:sp>
@@ -36291,7 +36203,6 @@
                 <a:rPr lang="en-US" sz="1200" dirty="0"/>
                 <a:t>Cathy, Drexel</a:t>
               </a:r>
-              <a:endParaRPr lang="en-US" sz="1200" dirty="0"/>
             </a:p>
           </p:txBody>
         </p:sp>
@@ -36335,7 +36246,6 @@
                 <a:rPr lang="en-US" sz="1200" dirty="0"/>
                 <a:t>Bob, CMU</a:t>
               </a:r>
-              <a:endParaRPr lang="en-US" sz="1200" dirty="0"/>
             </a:p>
           </p:txBody>
         </p:sp>
@@ -36379,7 +36289,6 @@
                 <a:rPr lang="en-US" sz="1200" dirty="0"/>
                 <a:t>3</a:t>
               </a:r>
-              <a:endParaRPr lang="en-US" sz="1200" dirty="0"/>
             </a:p>
           </p:txBody>
         </p:sp>
@@ -36423,7 +36332,6 @@
                 <a:rPr lang="en-US" sz="1200" dirty="0"/>
                 <a:t>4</a:t>
               </a:r>
-              <a:endParaRPr lang="en-US" sz="1200" dirty="0"/>
             </a:p>
           </p:txBody>
         </p:sp>
@@ -36452,7 +36360,6 @@
                 <a:rPr lang="en-US" sz="1200" dirty="0"/>
                 <a:t>1/15</a:t>
               </a:r>
-              <a:endParaRPr lang="en-US" sz="1200" dirty="0"/>
             </a:p>
           </p:txBody>
         </p:sp>
@@ -36481,7 +36388,6 @@
                 <a:rPr lang="en-US" sz="1200" dirty="0"/>
                 <a:t>2/15</a:t>
               </a:r>
-              <a:endParaRPr lang="en-US" sz="1200" dirty="0"/>
             </a:p>
           </p:txBody>
         </p:sp>
@@ -36510,7 +36416,6 @@
                 <a:rPr lang="en-US" sz="1200" dirty="0"/>
                 <a:t>5/15</a:t>
               </a:r>
-              <a:endParaRPr lang="en-US" sz="1200" dirty="0"/>
             </a:p>
           </p:txBody>
         </p:sp>
@@ -36539,7 +36444,6 @@
                 <a:rPr lang="en-US" sz="1200" dirty="0"/>
                 <a:t>6/15</a:t>
               </a:r>
-              <a:endParaRPr lang="en-US" sz="1200" dirty="0"/>
             </a:p>
           </p:txBody>
         </p:sp>
@@ -36568,7 +36472,6 @@
                 <a:rPr lang="en-US" sz="1200" dirty="0"/>
                 <a:t>7/15</a:t>
               </a:r>
-              <a:endParaRPr lang="en-US" sz="1200" dirty="0"/>
             </a:p>
           </p:txBody>
         </p:sp>
@@ -36597,7 +36500,6 @@
                 <a:rPr lang="en-US" sz="1200" dirty="0"/>
                 <a:t>9/15</a:t>
               </a:r>
-              <a:endParaRPr lang="en-US" sz="1200" dirty="0"/>
             </a:p>
           </p:txBody>
         </p:sp>
@@ -37474,7 +37376,6 @@
               <a:rPr lang="en-US" sz="1800" dirty="0"/>
               <a:t>, name, school)</a:t>
             </a:r>
-            <a:endParaRPr lang="en-US" sz="1800" dirty="0"/>
           </a:p>
         </p:txBody>
       </p:sp>
@@ -38010,7 +37911,6 @@
               <a:rPr lang="en-US" sz="1800" dirty="0"/>
               <a:t>, score)</a:t>
             </a:r>
-            <a:endParaRPr lang="en-US" sz="1800" dirty="0"/>
           </a:p>
         </p:txBody>
       </p:sp>
@@ -38537,7 +38437,6 @@
               <a:rPr lang="en-US" sz="1700" dirty="0"/>
               <a:t>)</a:t>
             </a:r>
-            <a:endParaRPr lang="en-US" sz="1700" dirty="0"/>
           </a:p>
         </p:txBody>
       </p:sp>
@@ -39002,7 +38901,6 @@
               <a:rPr lang="en-US" sz="1700" dirty="0"/>
               <a:t>)</a:t>
             </a:r>
-            <a:endParaRPr lang="en-US" sz="1700" dirty="0"/>
           </a:p>
         </p:txBody>
       </p:sp>
@@ -39550,7 +39448,6 @@
               <a:rPr lang="en-US" sz="1700" dirty="0"/>
               <a:t>, a: (score))</a:t>
             </a:r>
-            <a:endParaRPr lang="en-US" sz="1700" dirty="0"/>
           </a:p>
         </p:txBody>
       </p:sp>
@@ -39604,7 +39501,6 @@
               <a:rPr lang="en-US" sz="1700" dirty="0"/>
               <a:t>, a: (name, school))</a:t>
             </a:r>
-            <a:endParaRPr lang="en-US" sz="1700" dirty="0"/>
           </a:p>
         </p:txBody>
       </p:sp>
@@ -40932,7 +40828,6 @@
                 <a:rPr lang="en-US" sz="1200" dirty="0"/>
                 <a:t>Alice, Drexel</a:t>
               </a:r>
-              <a:endParaRPr lang="en-US" sz="1200" dirty="0"/>
             </a:p>
           </p:txBody>
         </p:sp>
@@ -41024,7 +40919,6 @@
                 <a:rPr lang="en-US" sz="1200" dirty="0"/>
                 <a:t>Cathy, Drexel</a:t>
               </a:r>
-              <a:endParaRPr lang="en-US" sz="1200" dirty="0"/>
             </a:p>
           </p:txBody>
         </p:sp>
@@ -41068,7 +40962,6 @@
                 <a:rPr lang="en-US" sz="1200" dirty="0"/>
                 <a:t>Bob, CMU</a:t>
               </a:r>
-              <a:endParaRPr lang="en-US" sz="1200" dirty="0"/>
             </a:p>
           </p:txBody>
         </p:sp>
@@ -41112,7 +41005,6 @@
                 <a:rPr lang="en-US" sz="1200" dirty="0"/>
                 <a:t>3</a:t>
               </a:r>
-              <a:endParaRPr lang="en-US" sz="1200" dirty="0"/>
             </a:p>
           </p:txBody>
         </p:sp>
@@ -41156,7 +41048,6 @@
                 <a:rPr lang="en-US" sz="1200" dirty="0"/>
                 <a:t>4</a:t>
               </a:r>
-              <a:endParaRPr lang="en-US" sz="1200" dirty="0"/>
             </a:p>
           </p:txBody>
         </p:sp>
@@ -41634,7 +41525,6 @@
                         <a:rPr lang="en-US" sz="1200" dirty="0" smtClean="0"/>
                         <a:t>2/15, 10/15)</a:t>
                       </a:r>
-                      <a:endParaRPr lang="en-US" sz="1200" dirty="0" smtClean="0"/>
                     </a:p>
                   </a:txBody>
                   <a:tcPr marL="68580" marR="68580" marT="34290" marB="34290">
@@ -41810,7 +41700,6 @@
               <a:rPr lang="en-US" sz="1700" dirty="0"/>
               <a:t>)</a:t>
             </a:r>
-            <a:endParaRPr lang="en-US" sz="1700" dirty="0"/>
           </a:p>
         </p:txBody>
       </p:sp>
@@ -42162,7 +42051,6 @@
                         <a:rPr lang="en-US" sz="1200" dirty="0" smtClean="0"/>
                         <a:t>[7/15, 10/15)</a:t>
                       </a:r>
-                      <a:endParaRPr lang="en-US" sz="1200" dirty="0" smtClean="0"/>
                     </a:p>
                   </a:txBody>
                   <a:tcPr marL="68580" marR="68580" marT="34290" marB="34290">
@@ -42244,7 +42132,6 @@
               <a:rPr lang="en-US" sz="1700" dirty="0"/>
               <a:t>)</a:t>
             </a:r>
-            <a:endParaRPr lang="en-US" sz="1700" dirty="0"/>
           </a:p>
         </p:txBody>
       </p:sp>
@@ -42640,7 +42527,6 @@
                         <a:rPr lang="en-US" sz="1200" dirty="0" smtClean="0"/>
                         <a:t>[7/15, 10/15)</a:t>
                       </a:r>
-                      <a:endParaRPr lang="en-US" sz="1200" dirty="0" smtClean="0"/>
                     </a:p>
                   </a:txBody>
                   <a:tcPr marL="68580" marR="68580" marT="34290" marB="34290">
@@ -42762,7 +42648,6 @@
               <a:rPr lang="en-US" sz="1700" dirty="0"/>
               <a:t>, a: (score))</a:t>
             </a:r>
-            <a:endParaRPr lang="en-US" sz="1700" dirty="0"/>
           </a:p>
         </p:txBody>
       </p:sp>
@@ -42816,7 +42701,6 @@
               <a:rPr lang="en-US" sz="1700" dirty="0"/>
               <a:t>, a: (name, school))</a:t>
             </a:r>
-            <a:endParaRPr lang="en-US" sz="1700" dirty="0"/>
           </a:p>
         </p:txBody>
       </p:sp>
@@ -43067,7 +42951,6 @@
                         <a:rPr lang="en-US" sz="1200" dirty="0" smtClean="0"/>
                         <a:t>[2/15, 5/15)</a:t>
                       </a:r>
-                      <a:endParaRPr lang="en-US" sz="1200" dirty="0" smtClean="0"/>
                     </a:p>
                   </a:txBody>
                   <a:tcPr marL="68580" marR="68580" marT="34290" marB="34290">
@@ -43209,7 +43092,6 @@
                         <a:rPr lang="en-US" sz="1200" dirty="0" smtClean="0"/>
                         <a:t>[5/15, 10/15)</a:t>
                       </a:r>
-                      <a:endParaRPr lang="en-US" sz="1200" dirty="0" smtClean="0"/>
                     </a:p>
                   </a:txBody>
                   <a:tcPr marL="68580" marR="68580" marT="34290" marB="34290">
@@ -43347,7 +43229,6 @@
                         <a:rPr lang="en-US" sz="1200" dirty="0" smtClean="0"/>
                         <a:t>[1/15, 10/15)</a:t>
                       </a:r>
-                      <a:endParaRPr lang="en-US" sz="1200" dirty="0" smtClean="0"/>
                     </a:p>
                   </a:txBody>
                   <a:tcPr marL="68580" marR="68580" marT="34290" marB="34290">
@@ -44097,7 +43978,6 @@
                   <a:rPr lang="en-US" sz="1200" dirty="0"/>
                   <a:t>Alice, Drexel</a:t>
                 </a:r>
-                <a:endParaRPr lang="en-US" sz="1200" dirty="0"/>
               </a:p>
             </p:txBody>
           </p:sp>
@@ -44193,7 +44073,6 @@
                   <a:rPr lang="en-US" sz="1200" dirty="0"/>
                   <a:t>Drexel</a:t>
                 </a:r>
-                <a:endParaRPr lang="en-US" sz="1200" dirty="0"/>
               </a:p>
             </p:txBody>
           </p:sp>
@@ -44237,7 +44116,6 @@
                   <a:rPr lang="en-US" sz="1200" dirty="0"/>
                   <a:t>Bob, CMU</a:t>
                 </a:r>
-                <a:endParaRPr lang="en-US" sz="1200" dirty="0"/>
               </a:p>
             </p:txBody>
           </p:sp>
@@ -44281,7 +44159,6 @@
                   <a:rPr lang="en-US" sz="1200" dirty="0"/>
                   <a:t>3</a:t>
                 </a:r>
-                <a:endParaRPr lang="en-US" sz="1200" dirty="0"/>
               </a:p>
             </p:txBody>
           </p:sp>
@@ -44325,7 +44202,6 @@
                   <a:rPr lang="en-US" sz="1200" dirty="0"/>
                   <a:t>4</a:t>
                 </a:r>
-                <a:endParaRPr lang="en-US" sz="1200" dirty="0"/>
               </a:p>
             </p:txBody>
           </p:sp>
@@ -44355,7 +44231,6 @@
                 <a:rPr lang="en-US" sz="1300" dirty="0"/>
                 <a:t>1/15</a:t>
               </a:r>
-              <a:endParaRPr lang="en-US" sz="1300" dirty="0"/>
             </a:p>
           </p:txBody>
         </p:sp>
@@ -44384,7 +44259,6 @@
                 <a:rPr lang="en-US" sz="1300" dirty="0"/>
                 <a:t>2/15</a:t>
               </a:r>
-              <a:endParaRPr lang="en-US" sz="1300" dirty="0"/>
             </a:p>
           </p:txBody>
         </p:sp>
@@ -44413,7 +44287,6 @@
                 <a:rPr lang="en-US" sz="1300" dirty="0"/>
                 <a:t>5/15</a:t>
               </a:r>
-              <a:endParaRPr lang="en-US" sz="1300" dirty="0"/>
             </a:p>
           </p:txBody>
         </p:sp>
@@ -44442,7 +44315,6 @@
                 <a:rPr lang="en-US" sz="1300" dirty="0"/>
                 <a:t>6/15</a:t>
               </a:r>
-              <a:endParaRPr lang="en-US" sz="1300" dirty="0"/>
             </a:p>
           </p:txBody>
         </p:sp>
@@ -44471,7 +44343,6 @@
                 <a:rPr lang="en-US" sz="1300" dirty="0"/>
                 <a:t>7/15</a:t>
               </a:r>
-              <a:endParaRPr lang="en-US" sz="1300" dirty="0"/>
             </a:p>
           </p:txBody>
         </p:sp>
@@ -44504,7 +44375,6 @@
                 <a:rPr lang="en-US" sz="1300" dirty="0"/>
                 <a:t>15</a:t>
               </a:r>
-              <a:endParaRPr lang="en-US" sz="1300" dirty="0"/>
             </a:p>
           </p:txBody>
         </p:sp>
@@ -44950,7 +44820,6 @@
               <a:rPr lang="en-US" sz="1200" dirty="0"/>
               <a:t>Alice, Drexel</a:t>
             </a:r>
-            <a:endParaRPr lang="en-US" sz="1200" dirty="0"/>
           </a:p>
         </p:txBody>
       </p:sp>
@@ -45046,7 +44915,6 @@
               <a:rPr lang="en-US" sz="1200" dirty="0"/>
               <a:t>Drexel</a:t>
             </a:r>
-            <a:endParaRPr lang="en-US" sz="1200" dirty="0"/>
           </a:p>
         </p:txBody>
       </p:sp>
@@ -45090,7 +44958,6 @@
               <a:rPr lang="en-US" sz="1200" dirty="0"/>
               <a:t>Bob, CMU</a:t>
             </a:r>
-            <a:endParaRPr lang="en-US" sz="1200" dirty="0"/>
           </a:p>
         </p:txBody>
       </p:sp>
@@ -45134,7 +45001,6 @@
               <a:rPr lang="en-US" sz="1200" dirty="0"/>
               <a:t>3</a:t>
             </a:r>
-            <a:endParaRPr lang="en-US" sz="1200" dirty="0"/>
           </a:p>
         </p:txBody>
       </p:sp>
@@ -45178,7 +45044,6 @@
               <a:rPr lang="en-US" sz="1200" dirty="0"/>
               <a:t>4</a:t>
             </a:r>
-            <a:endParaRPr lang="en-US" sz="1200" dirty="0"/>
           </a:p>
         </p:txBody>
       </p:sp>
@@ -45207,7 +45072,6 @@
               <a:rPr lang="en-US" sz="1300" dirty="0"/>
               <a:t>1/15</a:t>
             </a:r>
-            <a:endParaRPr lang="en-US" sz="1300" dirty="0"/>
           </a:p>
         </p:txBody>
       </p:sp>
@@ -45236,7 +45100,6 @@
               <a:rPr lang="en-US" sz="1300" dirty="0"/>
               <a:t>2/15</a:t>
             </a:r>
-            <a:endParaRPr lang="en-US" sz="1300" dirty="0"/>
           </a:p>
         </p:txBody>
       </p:sp>
@@ -45265,7 +45128,6 @@
               <a:rPr lang="en-US" sz="1300" dirty="0"/>
               <a:t>5/15</a:t>
             </a:r>
-            <a:endParaRPr lang="en-US" sz="1300" dirty="0"/>
           </a:p>
         </p:txBody>
       </p:sp>
@@ -45327,7 +45189,6 @@
               <a:rPr lang="en-US" sz="1300" dirty="0"/>
               <a:t>7/15</a:t>
             </a:r>
-            <a:endParaRPr lang="en-US" sz="1300" dirty="0"/>
           </a:p>
         </p:txBody>
       </p:sp>
@@ -45360,7 +45221,6 @@
               <a:rPr lang="en-US" sz="1300" dirty="0"/>
               <a:t>15</a:t>
             </a:r>
-            <a:endParaRPr lang="en-US" sz="1300" dirty="0"/>
           </a:p>
         </p:txBody>
       </p:sp>
@@ -45875,7 +45735,6 @@
                 <a:rPr lang="en-US" sz="1300" dirty="0"/>
                 <a:t>1/15</a:t>
               </a:r>
-              <a:endParaRPr lang="en-US" sz="1300" dirty="0"/>
             </a:p>
           </p:txBody>
         </p:sp>
@@ -45904,7 +45763,6 @@
                 <a:rPr lang="en-US" sz="1300" dirty="0"/>
                 <a:t>5/15</a:t>
               </a:r>
-              <a:endParaRPr lang="en-US" sz="1300" dirty="0"/>
             </a:p>
           </p:txBody>
         </p:sp>
@@ -45933,7 +45791,6 @@
                 <a:rPr lang="en-US" sz="1300" dirty="0"/>
                 <a:t>7/15</a:t>
               </a:r>
-              <a:endParaRPr lang="en-US" sz="1300" dirty="0"/>
             </a:p>
           </p:txBody>
         </p:sp>
@@ -45966,7 +45823,6 @@
                 <a:rPr lang="en-US" sz="1300" dirty="0"/>
                 <a:t>15</a:t>
               </a:r>
-              <a:endParaRPr lang="en-US" sz="1300" dirty="0"/>
             </a:p>
           </p:txBody>
         </p:sp>
@@ -46115,7 +45971,6 @@
                 <a:rPr lang="en-US" sz="1100" dirty="0"/>
                 <a:t>3, Cathy, Drexel</a:t>
               </a:r>
-              <a:endParaRPr lang="en-US" sz="1100" dirty="0"/>
             </a:p>
           </p:txBody>
         </p:sp>
@@ -46145,7 +46000,6 @@
                 <a:rPr lang="en-US" sz="1100" dirty="0"/>
                 <a:t>2, Bob, CMU</a:t>
               </a:r>
-              <a:endParaRPr lang="en-US" sz="1100" dirty="0"/>
             </a:p>
           </p:txBody>
         </p:sp>
@@ -46255,7 +46109,6 @@
                 <a:rPr lang="en-US" sz="1100" dirty="0"/>
                 <a:t>1, Alice, Drexel</a:t>
               </a:r>
-              <a:endParaRPr lang="en-US" sz="1100" dirty="0"/>
             </a:p>
           </p:txBody>
         </p:sp>
@@ -46285,7 +46138,6 @@
                 <a:rPr lang="en-US" sz="1100" dirty="0"/>
                 <a:t>3, Cathy, Drexel</a:t>
               </a:r>
-              <a:endParaRPr lang="en-US" sz="1100" dirty="0"/>
             </a:p>
           </p:txBody>
         </p:sp>
@@ -46435,7 +46287,6 @@
                 <a:rPr lang="en-US" sz="1100" dirty="0"/>
                 <a:t>1, Alice, Drexel</a:t>
               </a:r>
-              <a:endParaRPr lang="en-US" sz="1100" dirty="0"/>
             </a:p>
           </p:txBody>
         </p:sp>
@@ -46465,7 +46316,6 @@
                 <a:rPr lang="en-US" sz="1100" dirty="0"/>
                 <a:t>3, Cathy, Drexel</a:t>
               </a:r>
-              <a:endParaRPr lang="en-US" sz="1100" dirty="0"/>
             </a:p>
           </p:txBody>
         </p:sp>
@@ -46579,7 +46429,6 @@
                   <a:rPr lang="en-US" sz="1100" dirty="0"/>
                   <a:t>3</a:t>
                 </a:r>
-                <a:endParaRPr lang="en-US" sz="1100" dirty="0"/>
               </a:p>
             </p:txBody>
           </p:sp>
@@ -46690,7 +46539,6 @@
                 <a:rPr lang="en-US" sz="1100" dirty="0"/>
                 <a:t>3, Cathy, Drexel</a:t>
               </a:r>
-              <a:endParaRPr lang="en-US" sz="1100" dirty="0"/>
             </a:p>
           </p:txBody>
         </p:sp>
@@ -46720,7 +46568,6 @@
                 <a:rPr lang="en-US" sz="1100" dirty="0"/>
                 <a:t>2, Bob, CMU</a:t>
               </a:r>
-              <a:endParaRPr lang="en-US" sz="1100" dirty="0"/>
             </a:p>
           </p:txBody>
         </p:sp>
@@ -46830,7 +46677,6 @@
                 <a:rPr lang="en-US" sz="1100" dirty="0"/>
                 <a:t>3, Cathy, Drexel</a:t>
               </a:r>
-              <a:endParaRPr lang="en-US" sz="1100" dirty="0"/>
             </a:p>
           </p:txBody>
         </p:sp>
@@ -46860,7 +46706,6 @@
                 <a:rPr lang="en-US" sz="1100" dirty="0"/>
                 <a:t>2, Bob, CMU</a:t>
               </a:r>
-              <a:endParaRPr lang="en-US" sz="1100" dirty="0"/>
             </a:p>
           </p:txBody>
         </p:sp>
@@ -46926,7 +46771,6 @@
                 <a:rPr lang="en-US" sz="1100" dirty="0"/>
                 <a:t>4</a:t>
               </a:r>
-              <a:endParaRPr lang="en-US" sz="1100" dirty="0"/>
             </a:p>
           </p:txBody>
         </p:sp>
@@ -47344,7 +47188,6 @@
                 <a:rPr lang="en-US" sz="1100" dirty="0"/>
                 <a:t>1, Alice, Drexel</a:t>
               </a:r>
-              <a:endParaRPr lang="en-US" sz="1100" dirty="0"/>
             </a:p>
           </p:txBody>
         </p:sp>
@@ -47414,7 +47257,6 @@
                 <a:rPr lang="en-US" sz="1100" dirty="0"/>
                 <a:t>1, Alice, Drexel</a:t>
               </a:r>
-              <a:endParaRPr lang="en-US" sz="1100" dirty="0"/>
             </a:p>
           </p:txBody>
         </p:sp>
@@ -47480,7 +47322,6 @@
                 <a:rPr lang="en-US" sz="1100" dirty="0"/>
                 <a:t>3</a:t>
               </a:r>
-              <a:endParaRPr lang="en-US" sz="1100" dirty="0"/>
             </a:p>
           </p:txBody>
         </p:sp>
@@ -47509,7 +47350,6 @@
                 <a:rPr lang="en-US" sz="1300" dirty="0"/>
                 <a:t>1/15</a:t>
               </a:r>
-              <a:endParaRPr lang="en-US" sz="1300" dirty="0"/>
             </a:p>
           </p:txBody>
         </p:sp>
@@ -47538,7 +47378,6 @@
                 <a:rPr lang="en-US" sz="1300" dirty="0"/>
                 <a:t>2/15</a:t>
               </a:r>
-              <a:endParaRPr lang="en-US" sz="1300" dirty="0"/>
             </a:p>
           </p:txBody>
         </p:sp>
@@ -47567,7 +47406,6 @@
                 <a:rPr lang="en-US" sz="1300" dirty="0"/>
                 <a:t>5/15</a:t>
               </a:r>
-              <a:endParaRPr lang="en-US" sz="1300" dirty="0"/>
             </a:p>
           </p:txBody>
         </p:sp>
@@ -47596,7 +47434,6 @@
                 <a:rPr lang="en-US" sz="1300" dirty="0"/>
                 <a:t>6/15</a:t>
               </a:r>
-              <a:endParaRPr lang="en-US" sz="1300" dirty="0"/>
             </a:p>
           </p:txBody>
         </p:sp>
@@ -47625,7 +47462,6 @@
                 <a:rPr lang="en-US" sz="1300" dirty="0"/>
                 <a:t>7/15</a:t>
               </a:r>
-              <a:endParaRPr lang="en-US" sz="1300" dirty="0"/>
             </a:p>
           </p:txBody>
         </p:sp>
@@ -47658,7 +47494,6 @@
                 <a:rPr lang="en-US" sz="1300" dirty="0"/>
                 <a:t>15</a:t>
               </a:r>
-              <a:endParaRPr lang="en-US" sz="1300" dirty="0"/>
             </a:p>
           </p:txBody>
         </p:sp>
@@ -48303,7 +48138,6 @@
                 <a:rPr lang="en-US" sz="1300" dirty="0"/>
                 <a:t>1/15</a:t>
               </a:r>
-              <a:endParaRPr lang="en-US" sz="1300" dirty="0"/>
             </a:p>
           </p:txBody>
         </p:sp>
@@ -48332,7 +48166,6 @@
                 <a:rPr lang="en-US" sz="1300" dirty="0"/>
                 <a:t>7/15</a:t>
               </a:r>
-              <a:endParaRPr lang="en-US" sz="1300" dirty="0"/>
             </a:p>
           </p:txBody>
         </p:sp>
@@ -48365,7 +48198,6 @@
                 <a:rPr lang="en-US" sz="1300" dirty="0"/>
                 <a:t>15</a:t>
               </a:r>
-              <a:endParaRPr lang="en-US" sz="1300" dirty="0"/>
             </a:p>
           </p:txBody>
         </p:sp>
@@ -48732,7 +48564,7 @@
   <a:extraClrSchemeLst/>
   <a:extLst>
     <a:ext uri="{05A4C25C-085E-4340-85A3-A5531E510DB2}">
-      <thm15:themeFamily xmlns:thm15="http://schemas.microsoft.com/office/thememl/2012/main" xmlns="" name="Crop" id="{EC9488ED-E761-4D60-9AC4-764D1FE2C171}" vid="{CE19780C-D67D-4C13-9DE9-A52BC3BA51B4}"/>
+      <thm15:themeFamily xmlns:thm15="http://schemas.microsoft.com/office/thememl/2012/main" name="Crop" id="{EC9488ED-E761-4D60-9AC4-764D1FE2C171}" vid="{CE19780C-D67D-4C13-9DE9-A52BC3BA51B4}"/>
     </a:ext>
   </a:extLst>
 </a:theme>
@@ -48993,7 +48825,7 @@
   <a:extraClrSchemeLst/>
   <a:extLst>
     <a:ext uri="{05A4C25C-085E-4340-85A3-A5531E510DB2}">
-      <thm15:themeFamily xmlns:thm15="http://schemas.microsoft.com/office/thememl/2012/main" xmlns="" name="Office Theme" id="{62F939B6-93AF-4DB8-9C6B-D6C7DFDC589F}" vid="{4A3C46E8-61CC-4603-A589-7422A47A8E4A}"/>
+      <thm15:themeFamily xmlns:thm15="http://schemas.microsoft.com/office/thememl/2012/main" name="Office Theme" id="{62F939B6-93AF-4DB8-9C6B-D6C7DFDC589F}" vid="{4A3C46E8-61CC-4603-A589-7422A47A8E4A}"/>
     </a:ext>
   </a:extLst>
 </a:theme>
